--- a/retail-data-analysis.pptx
+++ b/retail-data-analysis.pptx
@@ -5,22 +5,23 @@
     <p:sldMasterId id="2147483747" r:id="rId4"/>
   </p:sldMasterIdLst>
   <p:notesMasterIdLst>
-    <p:notesMasterId r:id="rId15"/>
+    <p:notesMasterId r:id="rId16"/>
   </p:notesMasterIdLst>
   <p:handoutMasterIdLst>
-    <p:handoutMasterId r:id="rId16"/>
+    <p:handoutMasterId r:id="rId17"/>
   </p:handoutMasterIdLst>
   <p:sldIdLst>
     <p:sldId id="338" r:id="rId5"/>
-    <p:sldId id="327" r:id="rId6"/>
-    <p:sldId id="315" r:id="rId7"/>
-    <p:sldId id="329" r:id="rId8"/>
-    <p:sldId id="302" r:id="rId9"/>
-    <p:sldId id="339" r:id="rId10"/>
-    <p:sldId id="340" r:id="rId11"/>
-    <p:sldId id="341" r:id="rId12"/>
-    <p:sldId id="342" r:id="rId13"/>
-    <p:sldId id="304" r:id="rId14"/>
+    <p:sldId id="343" r:id="rId6"/>
+    <p:sldId id="327" r:id="rId7"/>
+    <p:sldId id="315" r:id="rId8"/>
+    <p:sldId id="329" r:id="rId9"/>
+    <p:sldId id="302" r:id="rId10"/>
+    <p:sldId id="339" r:id="rId11"/>
+    <p:sldId id="340" r:id="rId12"/>
+    <p:sldId id="341" r:id="rId13"/>
+    <p:sldId id="342" r:id="rId14"/>
+    <p:sldId id="304" r:id="rId15"/>
   </p:sldIdLst>
   <p:sldSz cx="12192000" cy="6858000"/>
   <p:notesSz cx="6858000" cy="9144000"/>
@@ -125,6 +126,7 @@
         <p14:section name="Default Section" id="{D1FC38E3-47A9-4715-B403-EEC40D43110B}">
           <p14:sldIdLst>
             <p14:sldId id="338"/>
+            <p14:sldId id="343"/>
             <p14:sldId id="327"/>
             <p14:sldId id="315"/>
             <p14:sldId id="329"/>
@@ -785,7 +787,7 @@
           <a:p>
             <a:fld id="{8530193B-564F-4854-8A52-728F3FB19C85}" type="slidenum">
               <a:rPr lang="en-US" noProof="0" smtClean="0"/>
-              <a:t>5</a:t>
+              <a:t>6</a:t>
             </a:fld>
             <a:endParaRPr lang="en-US" noProof="0" dirty="0"/>
           </a:p>
@@ -10995,6 +10997,1735 @@
   <p:cSld>
     <p:spTree>
       <p:nvGrpSpPr>
+        <p:cNvPr id="1" name="">
+          <a:extLst>
+            <a:ext uri="{FF2B5EF4-FFF2-40B4-BE49-F238E27FC236}">
+              <a16:creationId xmlns:a16="http://schemas.microsoft.com/office/drawing/2014/main" id="{2D88209F-A405-802F-796B-F50E807905C5}"/>
+            </a:ext>
+          </a:extLst>
+        </p:cNvPr>
+        <p:cNvGrpSpPr/>
+        <p:nvPr/>
+      </p:nvGrpSpPr>
+      <p:grpSpPr>
+        <a:xfrm>
+          <a:off x="0" y="0"/>
+          <a:ext cx="0" cy="0"/>
+          <a:chOff x="0" y="0"/>
+          <a:chExt cx="0" cy="0"/>
+        </a:xfrm>
+      </p:grpSpPr>
+      <p:pic>
+        <p:nvPicPr>
+          <p:cNvPr id="5" name="Picture 4">
+            <a:extLst>
+              <a:ext uri="{FF2B5EF4-FFF2-40B4-BE49-F238E27FC236}">
+                <a16:creationId xmlns:a16="http://schemas.microsoft.com/office/drawing/2014/main" id="{447FD97A-9C10-832F-C0DC-9161BC37901C}"/>
+              </a:ext>
+            </a:extLst>
+          </p:cNvPr>
+          <p:cNvPicPr>
+            <a:picLocks noChangeAspect="1"/>
+          </p:cNvPicPr>
+          <p:nvPr/>
+        </p:nvPicPr>
+        <p:blipFill rotWithShape="1">
+          <a:blip r:embed="rId2"/>
+          <a:srcRect t="96181"/>
+          <a:stretch/>
+        </p:blipFill>
+        <p:spPr>
+          <a:xfrm>
+            <a:off x="675957" y="6471920"/>
+            <a:ext cx="2143125" cy="193040"/>
+          </a:xfrm>
+          <a:prstGeom prst="rect">
+            <a:avLst/>
+          </a:prstGeom>
+        </p:spPr>
+      </p:pic>
+      <p:sp>
+        <p:nvSpPr>
+          <p:cNvPr id="4" name="Title 3">
+            <a:extLst>
+              <a:ext uri="{FF2B5EF4-FFF2-40B4-BE49-F238E27FC236}">
+                <a16:creationId xmlns:a16="http://schemas.microsoft.com/office/drawing/2014/main" id="{CCE1141B-317A-A837-47A3-04C2A28037FE}"/>
+              </a:ext>
+            </a:extLst>
+          </p:cNvPr>
+          <p:cNvSpPr>
+            <a:spLocks noGrp="1"/>
+          </p:cNvSpPr>
+          <p:nvPr>
+            <p:ph type="title"/>
+          </p:nvPr>
+        </p:nvSpPr>
+        <p:spPr>
+          <a:xfrm>
+            <a:off x="675957" y="151384"/>
+            <a:ext cx="2981643" cy="830997"/>
+          </a:xfrm>
+        </p:spPr>
+        <p:txBody>
+          <a:bodyPr>
+            <a:normAutofit/>
+          </a:bodyPr>
+          <a:lstStyle/>
+          <a:p>
+            <a:r>
+              <a:rPr lang="en-GB" dirty="0"/>
+              <a:t>RESULTS </a:t>
+            </a:r>
+            <a:endParaRPr lang="en-IN" dirty="0"/>
+          </a:p>
+        </p:txBody>
+      </p:sp>
+      <p:sp>
+        <p:nvSpPr>
+          <p:cNvPr id="7" name="Text Placeholder 30">
+            <a:extLst>
+              <a:ext uri="{FF2B5EF4-FFF2-40B4-BE49-F238E27FC236}">
+                <a16:creationId xmlns:a16="http://schemas.microsoft.com/office/drawing/2014/main" id="{5A1F13B4-E8A2-721D-3C58-FA2C859138AD}"/>
+              </a:ext>
+            </a:extLst>
+          </p:cNvPr>
+          <p:cNvSpPr txBox="1">
+            <a:spLocks/>
+          </p:cNvSpPr>
+          <p:nvPr/>
+        </p:nvSpPr>
+        <p:spPr>
+          <a:xfrm>
+            <a:off x="320982" y="1275371"/>
+            <a:ext cx="3343561" cy="666078"/>
+          </a:xfrm>
+          <a:prstGeom prst="rect">
+            <a:avLst/>
+          </a:prstGeom>
+        </p:spPr>
+        <p:txBody>
+          <a:bodyPr vert="horz" lIns="91440" tIns="45720" rIns="91440" bIns="45720" rtlCol="0">
+            <a:normAutofit/>
+          </a:bodyPr>
+          <a:lstStyle>
+            <a:lvl1pPr marL="0" indent="0" algn="ctr" defTabSz="457200" rtl="0" eaLnBrk="1" latinLnBrk="0" hangingPunct="1">
+              <a:spcBef>
+                <a:spcPts val="1000"/>
+              </a:spcBef>
+              <a:spcAft>
+                <a:spcPts val="0"/>
+              </a:spcAft>
+              <a:buClr>
+                <a:schemeClr val="accent1"/>
+              </a:buClr>
+              <a:buSzPct val="80000"/>
+              <a:buFont typeface="Wingdings 3" charset="2"/>
+              <a:buNone/>
+              <a:defRPr lang="en-US" sz="1600" kern="1200" dirty="0" smtClean="0">
+                <a:solidFill>
+                  <a:schemeClr val="tx1"/>
+                </a:solidFill>
+                <a:latin typeface="+mn-lt"/>
+                <a:ea typeface="+mn-ea"/>
+                <a:cs typeface="+mn-cs"/>
+              </a:defRPr>
+            </a:lvl1pPr>
+            <a:lvl2pPr marL="742950" indent="-285750" algn="l" defTabSz="457200" rtl="0" eaLnBrk="1" latinLnBrk="0" hangingPunct="1">
+              <a:spcBef>
+                <a:spcPts val="1000"/>
+              </a:spcBef>
+              <a:spcAft>
+                <a:spcPts val="0"/>
+              </a:spcAft>
+              <a:buClr>
+                <a:schemeClr val="accent1"/>
+              </a:buClr>
+              <a:buSzPct val="80000"/>
+              <a:buFont typeface="Wingdings 3" charset="2"/>
+              <a:buChar char=""/>
+              <a:defRPr sz="1600" kern="1200">
+                <a:solidFill>
+                  <a:schemeClr val="tx1">
+                    <a:lumMod val="75000"/>
+                    <a:lumOff val="25000"/>
+                  </a:schemeClr>
+                </a:solidFill>
+                <a:latin typeface="+mn-lt"/>
+                <a:ea typeface="+mn-ea"/>
+                <a:cs typeface="+mn-cs"/>
+              </a:defRPr>
+            </a:lvl2pPr>
+            <a:lvl3pPr marL="1143000" indent="-228600" algn="l" defTabSz="457200" rtl="0" eaLnBrk="1" latinLnBrk="0" hangingPunct="1">
+              <a:spcBef>
+                <a:spcPts val="1000"/>
+              </a:spcBef>
+              <a:spcAft>
+                <a:spcPts val="0"/>
+              </a:spcAft>
+              <a:buClr>
+                <a:schemeClr val="accent1"/>
+              </a:buClr>
+              <a:buSzPct val="80000"/>
+              <a:buFont typeface="Wingdings 3" charset="2"/>
+              <a:buChar char=""/>
+              <a:defRPr sz="1400" kern="1200">
+                <a:solidFill>
+                  <a:schemeClr val="tx1">
+                    <a:lumMod val="75000"/>
+                    <a:lumOff val="25000"/>
+                  </a:schemeClr>
+                </a:solidFill>
+                <a:latin typeface="+mn-lt"/>
+                <a:ea typeface="+mn-ea"/>
+                <a:cs typeface="+mn-cs"/>
+              </a:defRPr>
+            </a:lvl3pPr>
+            <a:lvl4pPr marL="1600200" indent="-228600" algn="l" defTabSz="457200" rtl="0" eaLnBrk="1" latinLnBrk="0" hangingPunct="1">
+              <a:spcBef>
+                <a:spcPts val="1000"/>
+              </a:spcBef>
+              <a:spcAft>
+                <a:spcPts val="0"/>
+              </a:spcAft>
+              <a:buClr>
+                <a:schemeClr val="accent1"/>
+              </a:buClr>
+              <a:buSzPct val="80000"/>
+              <a:buFont typeface="Wingdings 3" charset="2"/>
+              <a:buChar char=""/>
+              <a:defRPr sz="1200" kern="1200">
+                <a:solidFill>
+                  <a:schemeClr val="tx1">
+                    <a:lumMod val="75000"/>
+                    <a:lumOff val="25000"/>
+                  </a:schemeClr>
+                </a:solidFill>
+                <a:latin typeface="+mn-lt"/>
+                <a:ea typeface="+mn-ea"/>
+                <a:cs typeface="+mn-cs"/>
+              </a:defRPr>
+            </a:lvl4pPr>
+            <a:lvl5pPr marL="2057400" indent="-228600" algn="l" defTabSz="457200" rtl="0" eaLnBrk="1" latinLnBrk="0" hangingPunct="1">
+              <a:spcBef>
+                <a:spcPts val="1000"/>
+              </a:spcBef>
+              <a:spcAft>
+                <a:spcPts val="0"/>
+              </a:spcAft>
+              <a:buClr>
+                <a:schemeClr val="accent1"/>
+              </a:buClr>
+              <a:buSzPct val="80000"/>
+              <a:buFont typeface="Wingdings 3" charset="2"/>
+              <a:buChar char=""/>
+              <a:defRPr sz="1200" kern="1200">
+                <a:solidFill>
+                  <a:schemeClr val="tx1">
+                    <a:lumMod val="75000"/>
+                    <a:lumOff val="25000"/>
+                  </a:schemeClr>
+                </a:solidFill>
+                <a:latin typeface="+mn-lt"/>
+                <a:ea typeface="+mn-ea"/>
+                <a:cs typeface="+mn-cs"/>
+              </a:defRPr>
+            </a:lvl5pPr>
+            <a:lvl6pPr marL="2514600" indent="-228600" algn="l" defTabSz="457200" rtl="0" eaLnBrk="1" latinLnBrk="0" hangingPunct="1">
+              <a:spcBef>
+                <a:spcPts val="1000"/>
+              </a:spcBef>
+              <a:spcAft>
+                <a:spcPts val="0"/>
+              </a:spcAft>
+              <a:buClr>
+                <a:schemeClr val="accent1"/>
+              </a:buClr>
+              <a:buSzPct val="80000"/>
+              <a:buFont typeface="Wingdings 3" charset="2"/>
+              <a:buChar char=""/>
+              <a:defRPr sz="1200" kern="1200">
+                <a:solidFill>
+                  <a:schemeClr val="tx1">
+                    <a:lumMod val="75000"/>
+                    <a:lumOff val="25000"/>
+                  </a:schemeClr>
+                </a:solidFill>
+                <a:latin typeface="+mn-lt"/>
+                <a:ea typeface="+mn-ea"/>
+                <a:cs typeface="+mn-cs"/>
+              </a:defRPr>
+            </a:lvl6pPr>
+            <a:lvl7pPr marL="2971800" indent="-228600" algn="l" defTabSz="457200" rtl="0" eaLnBrk="1" latinLnBrk="0" hangingPunct="1">
+              <a:spcBef>
+                <a:spcPts val="1000"/>
+              </a:spcBef>
+              <a:spcAft>
+                <a:spcPts val="0"/>
+              </a:spcAft>
+              <a:buClr>
+                <a:schemeClr val="accent1"/>
+              </a:buClr>
+              <a:buSzPct val="80000"/>
+              <a:buFont typeface="Wingdings 3" charset="2"/>
+              <a:buChar char=""/>
+              <a:defRPr sz="1200" kern="1200">
+                <a:solidFill>
+                  <a:schemeClr val="tx1">
+                    <a:lumMod val="75000"/>
+                    <a:lumOff val="25000"/>
+                  </a:schemeClr>
+                </a:solidFill>
+                <a:latin typeface="+mn-lt"/>
+                <a:ea typeface="+mn-ea"/>
+                <a:cs typeface="+mn-cs"/>
+              </a:defRPr>
+            </a:lvl7pPr>
+            <a:lvl8pPr marL="3429000" indent="-228600" algn="l" defTabSz="457200" rtl="0" eaLnBrk="1" latinLnBrk="0" hangingPunct="1">
+              <a:spcBef>
+                <a:spcPts val="1000"/>
+              </a:spcBef>
+              <a:spcAft>
+                <a:spcPts val="0"/>
+              </a:spcAft>
+              <a:buClr>
+                <a:schemeClr val="accent1"/>
+              </a:buClr>
+              <a:buSzPct val="80000"/>
+              <a:buFont typeface="Wingdings 3" charset="2"/>
+              <a:buChar char=""/>
+              <a:defRPr sz="1200" kern="1200">
+                <a:solidFill>
+                  <a:schemeClr val="tx1">
+                    <a:lumMod val="75000"/>
+                    <a:lumOff val="25000"/>
+                  </a:schemeClr>
+                </a:solidFill>
+                <a:latin typeface="+mn-lt"/>
+                <a:ea typeface="+mn-ea"/>
+                <a:cs typeface="+mn-cs"/>
+              </a:defRPr>
+            </a:lvl8pPr>
+            <a:lvl9pPr marL="3886200" indent="-228600" algn="l" defTabSz="457200" rtl="0" eaLnBrk="1" latinLnBrk="0" hangingPunct="1">
+              <a:spcBef>
+                <a:spcPts val="1000"/>
+              </a:spcBef>
+              <a:spcAft>
+                <a:spcPts val="0"/>
+              </a:spcAft>
+              <a:buClr>
+                <a:schemeClr val="accent1"/>
+              </a:buClr>
+              <a:buSzPct val="80000"/>
+              <a:buFont typeface="Wingdings 3" charset="2"/>
+              <a:buChar char=""/>
+              <a:defRPr sz="1200" kern="1200">
+                <a:solidFill>
+                  <a:schemeClr val="tx1">
+                    <a:lumMod val="75000"/>
+                    <a:lumOff val="25000"/>
+                  </a:schemeClr>
+                </a:solidFill>
+                <a:latin typeface="+mn-lt"/>
+                <a:ea typeface="+mn-ea"/>
+                <a:cs typeface="+mn-cs"/>
+              </a:defRPr>
+            </a:lvl9pPr>
+          </a:lstStyle>
+          <a:p>
+            <a:endParaRPr lang="en-GB" sz="2000" dirty="0"/>
+          </a:p>
+        </p:txBody>
+      </p:sp>
+      <p:sp>
+        <p:nvSpPr>
+          <p:cNvPr id="8" name="Text Placeholder 30">
+            <a:extLst>
+              <a:ext uri="{FF2B5EF4-FFF2-40B4-BE49-F238E27FC236}">
+                <a16:creationId xmlns:a16="http://schemas.microsoft.com/office/drawing/2014/main" id="{835F3608-C60A-2A1E-3DFB-EA8DB1CCC6A0}"/>
+              </a:ext>
+            </a:extLst>
+          </p:cNvPr>
+          <p:cNvSpPr txBox="1">
+            <a:spLocks/>
+          </p:cNvSpPr>
+          <p:nvPr/>
+        </p:nvSpPr>
+        <p:spPr>
+          <a:xfrm>
+            <a:off x="4345694" y="1275371"/>
+            <a:ext cx="3343561" cy="666078"/>
+          </a:xfrm>
+          <a:prstGeom prst="rect">
+            <a:avLst/>
+          </a:prstGeom>
+        </p:spPr>
+        <p:txBody>
+          <a:bodyPr vert="horz" lIns="91440" tIns="45720" rIns="91440" bIns="45720" rtlCol="0">
+            <a:normAutofit/>
+          </a:bodyPr>
+          <a:lstStyle>
+            <a:lvl1pPr marL="0" indent="0" algn="ctr" defTabSz="457200" rtl="0" eaLnBrk="1" latinLnBrk="0" hangingPunct="1">
+              <a:spcBef>
+                <a:spcPts val="1000"/>
+              </a:spcBef>
+              <a:spcAft>
+                <a:spcPts val="0"/>
+              </a:spcAft>
+              <a:buClr>
+                <a:schemeClr val="accent1"/>
+              </a:buClr>
+              <a:buSzPct val="80000"/>
+              <a:buFont typeface="Wingdings 3" charset="2"/>
+              <a:buNone/>
+              <a:defRPr lang="en-US" sz="1600" kern="1200" dirty="0" smtClean="0">
+                <a:solidFill>
+                  <a:schemeClr val="tx1"/>
+                </a:solidFill>
+                <a:latin typeface="+mn-lt"/>
+                <a:ea typeface="+mn-ea"/>
+                <a:cs typeface="+mn-cs"/>
+              </a:defRPr>
+            </a:lvl1pPr>
+            <a:lvl2pPr marL="742950" indent="-285750" algn="l" defTabSz="457200" rtl="0" eaLnBrk="1" latinLnBrk="0" hangingPunct="1">
+              <a:spcBef>
+                <a:spcPts val="1000"/>
+              </a:spcBef>
+              <a:spcAft>
+                <a:spcPts val="0"/>
+              </a:spcAft>
+              <a:buClr>
+                <a:schemeClr val="accent1"/>
+              </a:buClr>
+              <a:buSzPct val="80000"/>
+              <a:buFont typeface="Wingdings 3" charset="2"/>
+              <a:buChar char=""/>
+              <a:defRPr sz="1600" kern="1200">
+                <a:solidFill>
+                  <a:schemeClr val="tx1">
+                    <a:lumMod val="75000"/>
+                    <a:lumOff val="25000"/>
+                  </a:schemeClr>
+                </a:solidFill>
+                <a:latin typeface="+mn-lt"/>
+                <a:ea typeface="+mn-ea"/>
+                <a:cs typeface="+mn-cs"/>
+              </a:defRPr>
+            </a:lvl2pPr>
+            <a:lvl3pPr marL="1143000" indent="-228600" algn="l" defTabSz="457200" rtl="0" eaLnBrk="1" latinLnBrk="0" hangingPunct="1">
+              <a:spcBef>
+                <a:spcPts val="1000"/>
+              </a:spcBef>
+              <a:spcAft>
+                <a:spcPts val="0"/>
+              </a:spcAft>
+              <a:buClr>
+                <a:schemeClr val="accent1"/>
+              </a:buClr>
+              <a:buSzPct val="80000"/>
+              <a:buFont typeface="Wingdings 3" charset="2"/>
+              <a:buChar char=""/>
+              <a:defRPr sz="1400" kern="1200">
+                <a:solidFill>
+                  <a:schemeClr val="tx1">
+                    <a:lumMod val="75000"/>
+                    <a:lumOff val="25000"/>
+                  </a:schemeClr>
+                </a:solidFill>
+                <a:latin typeface="+mn-lt"/>
+                <a:ea typeface="+mn-ea"/>
+                <a:cs typeface="+mn-cs"/>
+              </a:defRPr>
+            </a:lvl3pPr>
+            <a:lvl4pPr marL="1600200" indent="-228600" algn="l" defTabSz="457200" rtl="0" eaLnBrk="1" latinLnBrk="0" hangingPunct="1">
+              <a:spcBef>
+                <a:spcPts val="1000"/>
+              </a:spcBef>
+              <a:spcAft>
+                <a:spcPts val="0"/>
+              </a:spcAft>
+              <a:buClr>
+                <a:schemeClr val="accent1"/>
+              </a:buClr>
+              <a:buSzPct val="80000"/>
+              <a:buFont typeface="Wingdings 3" charset="2"/>
+              <a:buChar char=""/>
+              <a:defRPr sz="1200" kern="1200">
+                <a:solidFill>
+                  <a:schemeClr val="tx1">
+                    <a:lumMod val="75000"/>
+                    <a:lumOff val="25000"/>
+                  </a:schemeClr>
+                </a:solidFill>
+                <a:latin typeface="+mn-lt"/>
+                <a:ea typeface="+mn-ea"/>
+                <a:cs typeface="+mn-cs"/>
+              </a:defRPr>
+            </a:lvl4pPr>
+            <a:lvl5pPr marL="2057400" indent="-228600" algn="l" defTabSz="457200" rtl="0" eaLnBrk="1" latinLnBrk="0" hangingPunct="1">
+              <a:spcBef>
+                <a:spcPts val="1000"/>
+              </a:spcBef>
+              <a:spcAft>
+                <a:spcPts val="0"/>
+              </a:spcAft>
+              <a:buClr>
+                <a:schemeClr val="accent1"/>
+              </a:buClr>
+              <a:buSzPct val="80000"/>
+              <a:buFont typeface="Wingdings 3" charset="2"/>
+              <a:buChar char=""/>
+              <a:defRPr sz="1200" kern="1200">
+                <a:solidFill>
+                  <a:schemeClr val="tx1">
+                    <a:lumMod val="75000"/>
+                    <a:lumOff val="25000"/>
+                  </a:schemeClr>
+                </a:solidFill>
+                <a:latin typeface="+mn-lt"/>
+                <a:ea typeface="+mn-ea"/>
+                <a:cs typeface="+mn-cs"/>
+              </a:defRPr>
+            </a:lvl5pPr>
+            <a:lvl6pPr marL="2514600" indent="-228600" algn="l" defTabSz="457200" rtl="0" eaLnBrk="1" latinLnBrk="0" hangingPunct="1">
+              <a:spcBef>
+                <a:spcPts val="1000"/>
+              </a:spcBef>
+              <a:spcAft>
+                <a:spcPts val="0"/>
+              </a:spcAft>
+              <a:buClr>
+                <a:schemeClr val="accent1"/>
+              </a:buClr>
+              <a:buSzPct val="80000"/>
+              <a:buFont typeface="Wingdings 3" charset="2"/>
+              <a:buChar char=""/>
+              <a:defRPr sz="1200" kern="1200">
+                <a:solidFill>
+                  <a:schemeClr val="tx1">
+                    <a:lumMod val="75000"/>
+                    <a:lumOff val="25000"/>
+                  </a:schemeClr>
+                </a:solidFill>
+                <a:latin typeface="+mn-lt"/>
+                <a:ea typeface="+mn-ea"/>
+                <a:cs typeface="+mn-cs"/>
+              </a:defRPr>
+            </a:lvl6pPr>
+            <a:lvl7pPr marL="2971800" indent="-228600" algn="l" defTabSz="457200" rtl="0" eaLnBrk="1" latinLnBrk="0" hangingPunct="1">
+              <a:spcBef>
+                <a:spcPts val="1000"/>
+              </a:spcBef>
+              <a:spcAft>
+                <a:spcPts val="0"/>
+              </a:spcAft>
+              <a:buClr>
+                <a:schemeClr val="accent1"/>
+              </a:buClr>
+              <a:buSzPct val="80000"/>
+              <a:buFont typeface="Wingdings 3" charset="2"/>
+              <a:buChar char=""/>
+              <a:defRPr sz="1200" kern="1200">
+                <a:solidFill>
+                  <a:schemeClr val="tx1">
+                    <a:lumMod val="75000"/>
+                    <a:lumOff val="25000"/>
+                  </a:schemeClr>
+                </a:solidFill>
+                <a:latin typeface="+mn-lt"/>
+                <a:ea typeface="+mn-ea"/>
+                <a:cs typeface="+mn-cs"/>
+              </a:defRPr>
+            </a:lvl7pPr>
+            <a:lvl8pPr marL="3429000" indent="-228600" algn="l" defTabSz="457200" rtl="0" eaLnBrk="1" latinLnBrk="0" hangingPunct="1">
+              <a:spcBef>
+                <a:spcPts val="1000"/>
+              </a:spcBef>
+              <a:spcAft>
+                <a:spcPts val="0"/>
+              </a:spcAft>
+              <a:buClr>
+                <a:schemeClr val="accent1"/>
+              </a:buClr>
+              <a:buSzPct val="80000"/>
+              <a:buFont typeface="Wingdings 3" charset="2"/>
+              <a:buChar char=""/>
+              <a:defRPr sz="1200" kern="1200">
+                <a:solidFill>
+                  <a:schemeClr val="tx1">
+                    <a:lumMod val="75000"/>
+                    <a:lumOff val="25000"/>
+                  </a:schemeClr>
+                </a:solidFill>
+                <a:latin typeface="+mn-lt"/>
+                <a:ea typeface="+mn-ea"/>
+                <a:cs typeface="+mn-cs"/>
+              </a:defRPr>
+            </a:lvl8pPr>
+            <a:lvl9pPr marL="3886200" indent="-228600" algn="l" defTabSz="457200" rtl="0" eaLnBrk="1" latinLnBrk="0" hangingPunct="1">
+              <a:spcBef>
+                <a:spcPts val="1000"/>
+              </a:spcBef>
+              <a:spcAft>
+                <a:spcPts val="0"/>
+              </a:spcAft>
+              <a:buClr>
+                <a:schemeClr val="accent1"/>
+              </a:buClr>
+              <a:buSzPct val="80000"/>
+              <a:buFont typeface="Wingdings 3" charset="2"/>
+              <a:buChar char=""/>
+              <a:defRPr sz="1200" kern="1200">
+                <a:solidFill>
+                  <a:schemeClr val="tx1">
+                    <a:lumMod val="75000"/>
+                    <a:lumOff val="25000"/>
+                  </a:schemeClr>
+                </a:solidFill>
+                <a:latin typeface="+mn-lt"/>
+                <a:ea typeface="+mn-ea"/>
+                <a:cs typeface="+mn-cs"/>
+              </a:defRPr>
+            </a:lvl9pPr>
+          </a:lstStyle>
+          <a:p>
+            <a:endParaRPr lang="en-GB" sz="2000" dirty="0"/>
+          </a:p>
+        </p:txBody>
+      </p:sp>
+      <p:sp>
+        <p:nvSpPr>
+          <p:cNvPr id="10" name="Text Placeholder 1">
+            <a:extLst>
+              <a:ext uri="{FF2B5EF4-FFF2-40B4-BE49-F238E27FC236}">
+                <a16:creationId xmlns:a16="http://schemas.microsoft.com/office/drawing/2014/main" id="{1D88BCCE-E0FA-773D-BC82-D998437674AE}"/>
+              </a:ext>
+            </a:extLst>
+          </p:cNvPr>
+          <p:cNvSpPr>
+            <a:spLocks noGrp="1"/>
+          </p:cNvSpPr>
+          <p:nvPr>
+            <p:ph type="body" sz="quarter" idx="12"/>
+          </p:nvPr>
+        </p:nvSpPr>
+        <p:spPr>
+          <a:xfrm>
+            <a:off x="675957" y="815506"/>
+            <a:ext cx="4055841" cy="5487640"/>
+          </a:xfrm>
+        </p:spPr>
+        <p:txBody>
+          <a:bodyPr>
+            <a:noAutofit/>
+          </a:bodyPr>
+          <a:lstStyle/>
+          <a:p>
+            <a:pPr marL="0" indent="0">
+              <a:buNone/>
+            </a:pPr>
+            <a:r>
+              <a:rPr lang="en-US" dirty="0"/>
+              <a:t>Identify the segment with the highest profit and sales.</a:t>
+            </a:r>
+          </a:p>
+          <a:p>
+            <a:pPr marL="0" indent="0">
+              <a:buNone/>
+            </a:pPr>
+            <a:endParaRPr lang="en-US" dirty="0"/>
+          </a:p>
+          <a:p>
+            <a:pPr marL="0" lvl="0" indent="0">
+              <a:buClr>
+                <a:srgbClr val="2E946B"/>
+              </a:buClr>
+              <a:buNone/>
+            </a:pPr>
+            <a:r>
+              <a:rPr lang="en-US" b="1" u="sng" dirty="0">
+                <a:solidFill>
+                  <a:prstClr val="black">
+                    <a:lumMod val="75000"/>
+                    <a:lumOff val="25000"/>
+                  </a:prstClr>
+                </a:solidFill>
+              </a:rPr>
+              <a:t>Insight</a:t>
+            </a:r>
+          </a:p>
+          <a:p>
+            <a:pPr>
+              <a:buClr>
+                <a:srgbClr val="2E946B"/>
+              </a:buClr>
+            </a:pPr>
+            <a:r>
+              <a:rPr lang="en-US" dirty="0">
+                <a:solidFill>
+                  <a:prstClr val="black">
+                    <a:lumMod val="75000"/>
+                    <a:lumOff val="25000"/>
+                  </a:prstClr>
+                </a:solidFill>
+              </a:rPr>
+              <a:t>Consumer segment has the highest profit and sales.</a:t>
+            </a:r>
+          </a:p>
+          <a:p>
+            <a:pPr>
+              <a:buClr>
+                <a:srgbClr val="2E946B"/>
+              </a:buClr>
+            </a:pPr>
+            <a:r>
+              <a:rPr lang="en-US" dirty="0">
+                <a:solidFill>
+                  <a:prstClr val="black">
+                    <a:lumMod val="75000"/>
+                    <a:lumOff val="25000"/>
+                  </a:prstClr>
+                </a:solidFill>
+              </a:rPr>
+              <a:t>As the differences between the profit and sales segments are less, it shows a good </a:t>
+            </a:r>
+            <a:r>
+              <a:rPr lang="en-US" dirty="0"/>
+              <a:t>healthy balance between profitability and sales performance.</a:t>
+            </a:r>
+            <a:r>
+              <a:rPr lang="en-US" dirty="0">
+                <a:solidFill>
+                  <a:prstClr val="black">
+                    <a:lumMod val="75000"/>
+                    <a:lumOff val="25000"/>
+                  </a:prstClr>
+                </a:solidFill>
+              </a:rPr>
+              <a:t> </a:t>
+            </a:r>
+          </a:p>
+          <a:p>
+            <a:pPr>
+              <a:buClr>
+                <a:srgbClr val="2E946B"/>
+              </a:buClr>
+            </a:pPr>
+            <a:endParaRPr lang="en-US" dirty="0">
+              <a:solidFill>
+                <a:prstClr val="black">
+                  <a:lumMod val="75000"/>
+                  <a:lumOff val="25000"/>
+                </a:prstClr>
+              </a:solidFill>
+            </a:endParaRPr>
+          </a:p>
+          <a:p>
+            <a:pPr>
+              <a:buClr>
+                <a:srgbClr val="2E946B"/>
+              </a:buClr>
+            </a:pPr>
+            <a:endParaRPr lang="en-US" dirty="0">
+              <a:solidFill>
+                <a:prstClr val="black">
+                  <a:lumMod val="75000"/>
+                  <a:lumOff val="25000"/>
+                </a:prstClr>
+              </a:solidFill>
+            </a:endParaRPr>
+          </a:p>
+          <a:p>
+            <a:pPr>
+              <a:buClr>
+                <a:srgbClr val="2E946B"/>
+              </a:buClr>
+            </a:pPr>
+            <a:endParaRPr lang="en-US" dirty="0">
+              <a:solidFill>
+                <a:prstClr val="black">
+                  <a:lumMod val="75000"/>
+                  <a:lumOff val="25000"/>
+                </a:prstClr>
+              </a:solidFill>
+            </a:endParaRPr>
+          </a:p>
+        </p:txBody>
+      </p:sp>
+      <p:pic>
+        <p:nvPicPr>
+          <p:cNvPr id="3" name="Picture 2">
+            <a:extLst>
+              <a:ext uri="{FF2B5EF4-FFF2-40B4-BE49-F238E27FC236}">
+                <a16:creationId xmlns:a16="http://schemas.microsoft.com/office/drawing/2014/main" id="{9117F147-8AA9-024C-7FBA-AC5EE37B3491}"/>
+              </a:ext>
+            </a:extLst>
+          </p:cNvPr>
+          <p:cNvPicPr>
+            <a:picLocks noChangeAspect="1"/>
+          </p:cNvPicPr>
+          <p:nvPr/>
+        </p:nvPicPr>
+        <p:blipFill rotWithShape="1">
+          <a:blip r:embed="rId3"/>
+          <a:srcRect l="20610" r="13937"/>
+          <a:stretch/>
+        </p:blipFill>
+        <p:spPr>
+          <a:xfrm>
+            <a:off x="5178089" y="56562"/>
+            <a:ext cx="4784230" cy="3372438"/>
+          </a:xfrm>
+          <a:prstGeom prst="rect">
+            <a:avLst/>
+          </a:prstGeom>
+        </p:spPr>
+      </p:pic>
+      <p:pic>
+        <p:nvPicPr>
+          <p:cNvPr id="9" name="Picture 8">
+            <a:extLst>
+              <a:ext uri="{FF2B5EF4-FFF2-40B4-BE49-F238E27FC236}">
+                <a16:creationId xmlns:a16="http://schemas.microsoft.com/office/drawing/2014/main" id="{DD884D85-8838-28F1-B21B-068EB0BFB4FF}"/>
+              </a:ext>
+            </a:extLst>
+          </p:cNvPr>
+          <p:cNvPicPr>
+            <a:picLocks noChangeAspect="1"/>
+          </p:cNvPicPr>
+          <p:nvPr/>
+        </p:nvPicPr>
+        <p:blipFill rotWithShape="1">
+          <a:blip r:embed="rId4"/>
+          <a:srcRect l="22075" r="17150"/>
+          <a:stretch/>
+        </p:blipFill>
+        <p:spPr>
+          <a:xfrm>
+            <a:off x="7570204" y="3429000"/>
+            <a:ext cx="4578338" cy="3372438"/>
+          </a:xfrm>
+          <a:prstGeom prst="rect">
+            <a:avLst/>
+          </a:prstGeom>
+        </p:spPr>
+      </p:pic>
+      <p:sp>
+        <p:nvSpPr>
+          <p:cNvPr id="2" name="Title 3">
+            <a:extLst>
+              <a:ext uri="{FF2B5EF4-FFF2-40B4-BE49-F238E27FC236}">
+                <a16:creationId xmlns:a16="http://schemas.microsoft.com/office/drawing/2014/main" id="{F6CCAF34-0810-F0E8-5DC3-3D2FE2E888BB}"/>
+              </a:ext>
+            </a:extLst>
+          </p:cNvPr>
+          <p:cNvSpPr txBox="1">
+            <a:spLocks/>
+          </p:cNvSpPr>
+          <p:nvPr/>
+        </p:nvSpPr>
+        <p:spPr>
+          <a:xfrm>
+            <a:off x="382110" y="6298754"/>
+            <a:ext cx="784404" cy="539372"/>
+          </a:xfrm>
+          <a:prstGeom prst="rect">
+            <a:avLst/>
+          </a:prstGeom>
+        </p:spPr>
+        <p:txBody>
+          <a:bodyPr vert="horz" lIns="91440" tIns="45720" rIns="91440" bIns="45720" rtlCol="0" anchor="t">
+            <a:normAutofit/>
+          </a:bodyPr>
+          <a:lstStyle>
+            <a:lvl1pPr algn="l" defTabSz="457200" rtl="0" eaLnBrk="1" latinLnBrk="0" hangingPunct="1">
+              <a:spcBef>
+                <a:spcPct val="0"/>
+              </a:spcBef>
+              <a:buNone/>
+              <a:defRPr sz="4800" b="1" kern="1200">
+                <a:solidFill>
+                  <a:schemeClr val="tx1"/>
+                </a:solidFill>
+                <a:latin typeface="+mj-lt"/>
+                <a:ea typeface="+mj-ea"/>
+                <a:cs typeface="+mj-cs"/>
+              </a:defRPr>
+            </a:lvl1pPr>
+            <a:lvl2pPr eaLnBrk="1" hangingPunct="1">
+              <a:defRPr>
+                <a:solidFill>
+                  <a:schemeClr val="tx2"/>
+                </a:solidFill>
+              </a:defRPr>
+            </a:lvl2pPr>
+            <a:lvl3pPr eaLnBrk="1" hangingPunct="1">
+              <a:defRPr>
+                <a:solidFill>
+                  <a:schemeClr val="tx2"/>
+                </a:solidFill>
+              </a:defRPr>
+            </a:lvl3pPr>
+            <a:lvl4pPr eaLnBrk="1" hangingPunct="1">
+              <a:defRPr>
+                <a:solidFill>
+                  <a:schemeClr val="tx2"/>
+                </a:solidFill>
+              </a:defRPr>
+            </a:lvl4pPr>
+            <a:lvl5pPr eaLnBrk="1" hangingPunct="1">
+              <a:defRPr>
+                <a:solidFill>
+                  <a:schemeClr val="tx2"/>
+                </a:solidFill>
+              </a:defRPr>
+            </a:lvl5pPr>
+            <a:lvl6pPr eaLnBrk="1" hangingPunct="1">
+              <a:defRPr>
+                <a:solidFill>
+                  <a:schemeClr val="tx2"/>
+                </a:solidFill>
+              </a:defRPr>
+            </a:lvl6pPr>
+            <a:lvl7pPr eaLnBrk="1" hangingPunct="1">
+              <a:defRPr>
+                <a:solidFill>
+                  <a:schemeClr val="tx2"/>
+                </a:solidFill>
+              </a:defRPr>
+            </a:lvl7pPr>
+            <a:lvl8pPr eaLnBrk="1" hangingPunct="1">
+              <a:defRPr>
+                <a:solidFill>
+                  <a:schemeClr val="tx2"/>
+                </a:solidFill>
+              </a:defRPr>
+            </a:lvl8pPr>
+            <a:lvl9pPr eaLnBrk="1" hangingPunct="1">
+              <a:defRPr>
+                <a:solidFill>
+                  <a:schemeClr val="tx2"/>
+                </a:solidFill>
+              </a:defRPr>
+            </a:lvl9pPr>
+          </a:lstStyle>
+          <a:p>
+            <a:r>
+              <a:rPr lang="en-GB" sz="2000" dirty="0">
+                <a:hlinkClick r:id="rId5"/>
+              </a:rPr>
+              <a:t>Link</a:t>
+            </a:r>
+            <a:endParaRPr lang="en-IN" sz="2000" b="0" u="sng" dirty="0">
+              <a:solidFill>
+                <a:srgbClr val="0070C0"/>
+              </a:solidFill>
+            </a:endParaRPr>
+          </a:p>
+        </p:txBody>
+      </p:sp>
+    </p:spTree>
+    <p:extLst>
+      <p:ext uri="{BB962C8B-B14F-4D97-AF65-F5344CB8AC3E}">
+        <p14:creationId xmlns:p14="http://schemas.microsoft.com/office/powerpoint/2010/main" val="1421595415"/>
+      </p:ext>
+    </p:extLst>
+  </p:cSld>
+  <p:clrMapOvr>
+    <a:masterClrMapping/>
+  </p:clrMapOvr>
+  <p:timing>
+    <p:tnLst>
+      <p:par>
+        <p:cTn id="1" dur="indefinite" restart="never" nodeType="tmRoot">
+          <p:childTnLst>
+            <p:seq concurrent="1" nextAc="seek">
+              <p:cTn id="2" dur="indefinite" nodeType="mainSeq">
+                <p:childTnLst>
+                  <p:par>
+                    <p:cTn id="3" fill="hold">
+                      <p:stCondLst>
+                        <p:cond delay="indefinite"/>
+                      </p:stCondLst>
+                      <p:childTnLst>
+                        <p:par>
+                          <p:cTn id="4" fill="hold">
+                            <p:stCondLst>
+                              <p:cond delay="0"/>
+                            </p:stCondLst>
+                            <p:childTnLst>
+                              <p:par>
+                                <p:cTn id="5" presetID="42" presetClass="entr" presetSubtype="0" fill="hold" grpId="0" nodeType="clickEffect">
+                                  <p:stCondLst>
+                                    <p:cond delay="0"/>
+                                  </p:stCondLst>
+                                  <p:childTnLst>
+                                    <p:set>
+                                      <p:cBhvr>
+                                        <p:cTn id="6" dur="1" fill="hold">
+                                          <p:stCondLst>
+                                            <p:cond delay="0"/>
+                                          </p:stCondLst>
+                                        </p:cTn>
+                                        <p:tgtEl>
+                                          <p:spTgt spid="4"/>
+                                        </p:tgtEl>
+                                        <p:attrNameLst>
+                                          <p:attrName>style.visibility</p:attrName>
+                                        </p:attrNameLst>
+                                      </p:cBhvr>
+                                      <p:to>
+                                        <p:strVal val="visible"/>
+                                      </p:to>
+                                    </p:set>
+                                    <p:animEffect transition="in" filter="fade">
+                                      <p:cBhvr>
+                                        <p:cTn id="7" dur="1000"/>
+                                        <p:tgtEl>
+                                          <p:spTgt spid="4"/>
+                                        </p:tgtEl>
+                                      </p:cBhvr>
+                                    </p:animEffect>
+                                    <p:anim calcmode="lin" valueType="num">
+                                      <p:cBhvr>
+                                        <p:cTn id="8" dur="1000" fill="hold"/>
+                                        <p:tgtEl>
+                                          <p:spTgt spid="4"/>
+                                        </p:tgtEl>
+                                        <p:attrNameLst>
+                                          <p:attrName>ppt_x</p:attrName>
+                                        </p:attrNameLst>
+                                      </p:cBhvr>
+                                      <p:tavLst>
+                                        <p:tav tm="0">
+                                          <p:val>
+                                            <p:strVal val="#ppt_x"/>
+                                          </p:val>
+                                        </p:tav>
+                                        <p:tav tm="100000">
+                                          <p:val>
+                                            <p:strVal val="#ppt_x"/>
+                                          </p:val>
+                                        </p:tav>
+                                      </p:tavLst>
+                                    </p:anim>
+                                    <p:anim calcmode="lin" valueType="num">
+                                      <p:cBhvr>
+                                        <p:cTn id="9" dur="1000" fill="hold"/>
+                                        <p:tgtEl>
+                                          <p:spTgt spid="4"/>
+                                        </p:tgtEl>
+                                        <p:attrNameLst>
+                                          <p:attrName>ppt_y</p:attrName>
+                                        </p:attrNameLst>
+                                      </p:cBhvr>
+                                      <p:tavLst>
+                                        <p:tav tm="0">
+                                          <p:val>
+                                            <p:strVal val="#ppt_y+.1"/>
+                                          </p:val>
+                                        </p:tav>
+                                        <p:tav tm="100000">
+                                          <p:val>
+                                            <p:strVal val="#ppt_y"/>
+                                          </p:val>
+                                        </p:tav>
+                                      </p:tavLst>
+                                    </p:anim>
+                                  </p:childTnLst>
+                                </p:cTn>
+                              </p:par>
+                            </p:childTnLst>
+                          </p:cTn>
+                        </p:par>
+                      </p:childTnLst>
+                    </p:cTn>
+                  </p:par>
+                  <p:par>
+                    <p:cTn id="10" fill="hold">
+                      <p:stCondLst>
+                        <p:cond delay="indefinite"/>
+                      </p:stCondLst>
+                      <p:childTnLst>
+                        <p:par>
+                          <p:cTn id="11" fill="hold">
+                            <p:stCondLst>
+                              <p:cond delay="0"/>
+                            </p:stCondLst>
+                            <p:childTnLst>
+                              <p:par>
+                                <p:cTn id="12" presetID="42" presetClass="entr" presetSubtype="0" fill="hold" grpId="0" nodeType="clickEffect" nodePh="1">
+                                  <p:stCondLst>
+                                    <p:cond delay="0"/>
+                                  </p:stCondLst>
+                                  <p:endCondLst>
+                                    <p:cond evt="begin" delay="0">
+                                      <p:tn val="12"/>
+                                    </p:cond>
+                                  </p:endCondLst>
+                                  <p:childTnLst>
+                                    <p:set>
+                                      <p:cBhvr>
+                                        <p:cTn id="13" dur="1" fill="hold">
+                                          <p:stCondLst>
+                                            <p:cond delay="0"/>
+                                          </p:stCondLst>
+                                        </p:cTn>
+                                        <p:tgtEl>
+                                          <p:spTgt spid="7"/>
+                                        </p:tgtEl>
+                                        <p:attrNameLst>
+                                          <p:attrName>style.visibility</p:attrName>
+                                        </p:attrNameLst>
+                                      </p:cBhvr>
+                                      <p:to>
+                                        <p:strVal val="visible"/>
+                                      </p:to>
+                                    </p:set>
+                                    <p:animEffect transition="in" filter="fade">
+                                      <p:cBhvr>
+                                        <p:cTn id="14" dur="1000"/>
+                                        <p:tgtEl>
+                                          <p:spTgt spid="7"/>
+                                        </p:tgtEl>
+                                      </p:cBhvr>
+                                    </p:animEffect>
+                                    <p:anim calcmode="lin" valueType="num">
+                                      <p:cBhvr>
+                                        <p:cTn id="15" dur="1000" fill="hold"/>
+                                        <p:tgtEl>
+                                          <p:spTgt spid="7"/>
+                                        </p:tgtEl>
+                                        <p:attrNameLst>
+                                          <p:attrName>ppt_x</p:attrName>
+                                        </p:attrNameLst>
+                                      </p:cBhvr>
+                                      <p:tavLst>
+                                        <p:tav tm="0">
+                                          <p:val>
+                                            <p:strVal val="#ppt_x"/>
+                                          </p:val>
+                                        </p:tav>
+                                        <p:tav tm="100000">
+                                          <p:val>
+                                            <p:strVal val="#ppt_x"/>
+                                          </p:val>
+                                        </p:tav>
+                                      </p:tavLst>
+                                    </p:anim>
+                                    <p:anim calcmode="lin" valueType="num">
+                                      <p:cBhvr>
+                                        <p:cTn id="16" dur="1000" fill="hold"/>
+                                        <p:tgtEl>
+                                          <p:spTgt spid="7"/>
+                                        </p:tgtEl>
+                                        <p:attrNameLst>
+                                          <p:attrName>ppt_y</p:attrName>
+                                        </p:attrNameLst>
+                                      </p:cBhvr>
+                                      <p:tavLst>
+                                        <p:tav tm="0">
+                                          <p:val>
+                                            <p:strVal val="#ppt_y+.1"/>
+                                          </p:val>
+                                        </p:tav>
+                                        <p:tav tm="100000">
+                                          <p:val>
+                                            <p:strVal val="#ppt_y"/>
+                                          </p:val>
+                                        </p:tav>
+                                      </p:tavLst>
+                                    </p:anim>
+                                  </p:childTnLst>
+                                </p:cTn>
+                              </p:par>
+                            </p:childTnLst>
+                          </p:cTn>
+                        </p:par>
+                      </p:childTnLst>
+                    </p:cTn>
+                  </p:par>
+                  <p:par>
+                    <p:cTn id="17" fill="hold">
+                      <p:stCondLst>
+                        <p:cond delay="indefinite"/>
+                      </p:stCondLst>
+                      <p:childTnLst>
+                        <p:par>
+                          <p:cTn id="18" fill="hold">
+                            <p:stCondLst>
+                              <p:cond delay="0"/>
+                            </p:stCondLst>
+                            <p:childTnLst>
+                              <p:par>
+                                <p:cTn id="19" presetID="42" presetClass="entr" presetSubtype="0" fill="hold" grpId="0" nodeType="clickEffect" nodePh="1">
+                                  <p:stCondLst>
+                                    <p:cond delay="0"/>
+                                  </p:stCondLst>
+                                  <p:endCondLst>
+                                    <p:cond evt="begin" delay="0">
+                                      <p:tn val="19"/>
+                                    </p:cond>
+                                  </p:endCondLst>
+                                  <p:childTnLst>
+                                    <p:set>
+                                      <p:cBhvr>
+                                        <p:cTn id="20" dur="1" fill="hold">
+                                          <p:stCondLst>
+                                            <p:cond delay="0"/>
+                                          </p:stCondLst>
+                                        </p:cTn>
+                                        <p:tgtEl>
+                                          <p:spTgt spid="8"/>
+                                        </p:tgtEl>
+                                        <p:attrNameLst>
+                                          <p:attrName>style.visibility</p:attrName>
+                                        </p:attrNameLst>
+                                      </p:cBhvr>
+                                      <p:to>
+                                        <p:strVal val="visible"/>
+                                      </p:to>
+                                    </p:set>
+                                    <p:animEffect transition="in" filter="fade">
+                                      <p:cBhvr>
+                                        <p:cTn id="21" dur="1000"/>
+                                        <p:tgtEl>
+                                          <p:spTgt spid="8"/>
+                                        </p:tgtEl>
+                                      </p:cBhvr>
+                                    </p:animEffect>
+                                    <p:anim calcmode="lin" valueType="num">
+                                      <p:cBhvr>
+                                        <p:cTn id="22" dur="1000" fill="hold"/>
+                                        <p:tgtEl>
+                                          <p:spTgt spid="8"/>
+                                        </p:tgtEl>
+                                        <p:attrNameLst>
+                                          <p:attrName>ppt_x</p:attrName>
+                                        </p:attrNameLst>
+                                      </p:cBhvr>
+                                      <p:tavLst>
+                                        <p:tav tm="0">
+                                          <p:val>
+                                            <p:strVal val="#ppt_x"/>
+                                          </p:val>
+                                        </p:tav>
+                                        <p:tav tm="100000">
+                                          <p:val>
+                                            <p:strVal val="#ppt_x"/>
+                                          </p:val>
+                                        </p:tav>
+                                      </p:tavLst>
+                                    </p:anim>
+                                    <p:anim calcmode="lin" valueType="num">
+                                      <p:cBhvr>
+                                        <p:cTn id="23" dur="1000" fill="hold"/>
+                                        <p:tgtEl>
+                                          <p:spTgt spid="8"/>
+                                        </p:tgtEl>
+                                        <p:attrNameLst>
+                                          <p:attrName>ppt_y</p:attrName>
+                                        </p:attrNameLst>
+                                      </p:cBhvr>
+                                      <p:tavLst>
+                                        <p:tav tm="0">
+                                          <p:val>
+                                            <p:strVal val="#ppt_y+.1"/>
+                                          </p:val>
+                                        </p:tav>
+                                        <p:tav tm="100000">
+                                          <p:val>
+                                            <p:strVal val="#ppt_y"/>
+                                          </p:val>
+                                        </p:tav>
+                                      </p:tavLst>
+                                    </p:anim>
+                                  </p:childTnLst>
+                                </p:cTn>
+                              </p:par>
+                              <p:par>
+                                <p:cTn id="24" presetID="42" presetClass="entr" presetSubtype="0" fill="hold" grpId="0" nodeType="withEffect">
+                                  <p:stCondLst>
+                                    <p:cond delay="0"/>
+                                  </p:stCondLst>
+                                  <p:childTnLst>
+                                    <p:set>
+                                      <p:cBhvr>
+                                        <p:cTn id="25" dur="1" fill="hold">
+                                          <p:stCondLst>
+                                            <p:cond delay="0"/>
+                                          </p:stCondLst>
+                                        </p:cTn>
+                                        <p:tgtEl>
+                                          <p:spTgt spid="10">
+                                            <p:txEl>
+                                              <p:pRg st="0" end="0"/>
+                                            </p:txEl>
+                                          </p:spTgt>
+                                        </p:tgtEl>
+                                        <p:attrNameLst>
+                                          <p:attrName>style.visibility</p:attrName>
+                                        </p:attrNameLst>
+                                      </p:cBhvr>
+                                      <p:to>
+                                        <p:strVal val="visible"/>
+                                      </p:to>
+                                    </p:set>
+                                    <p:animEffect transition="in" filter="fade">
+                                      <p:cBhvr>
+                                        <p:cTn id="26" dur="1000"/>
+                                        <p:tgtEl>
+                                          <p:spTgt spid="10">
+                                            <p:txEl>
+                                              <p:pRg st="0" end="0"/>
+                                            </p:txEl>
+                                          </p:spTgt>
+                                        </p:tgtEl>
+                                      </p:cBhvr>
+                                    </p:animEffect>
+                                    <p:anim calcmode="lin" valueType="num">
+                                      <p:cBhvr>
+                                        <p:cTn id="27" dur="1000" fill="hold"/>
+                                        <p:tgtEl>
+                                          <p:spTgt spid="10">
+                                            <p:txEl>
+                                              <p:pRg st="0" end="0"/>
+                                            </p:txEl>
+                                          </p:spTgt>
+                                        </p:tgtEl>
+                                        <p:attrNameLst>
+                                          <p:attrName>ppt_x</p:attrName>
+                                        </p:attrNameLst>
+                                      </p:cBhvr>
+                                      <p:tavLst>
+                                        <p:tav tm="0">
+                                          <p:val>
+                                            <p:strVal val="#ppt_x"/>
+                                          </p:val>
+                                        </p:tav>
+                                        <p:tav tm="100000">
+                                          <p:val>
+                                            <p:strVal val="#ppt_x"/>
+                                          </p:val>
+                                        </p:tav>
+                                      </p:tavLst>
+                                    </p:anim>
+                                    <p:anim calcmode="lin" valueType="num">
+                                      <p:cBhvr>
+                                        <p:cTn id="28" dur="1000" fill="hold"/>
+                                        <p:tgtEl>
+                                          <p:spTgt spid="10">
+                                            <p:txEl>
+                                              <p:pRg st="0" end="0"/>
+                                            </p:txEl>
+                                          </p:spTgt>
+                                        </p:tgtEl>
+                                        <p:attrNameLst>
+                                          <p:attrName>ppt_y</p:attrName>
+                                        </p:attrNameLst>
+                                      </p:cBhvr>
+                                      <p:tavLst>
+                                        <p:tav tm="0">
+                                          <p:val>
+                                            <p:strVal val="#ppt_y+.1"/>
+                                          </p:val>
+                                        </p:tav>
+                                        <p:tav tm="100000">
+                                          <p:val>
+                                            <p:strVal val="#ppt_y"/>
+                                          </p:val>
+                                        </p:tav>
+                                      </p:tavLst>
+                                    </p:anim>
+                                  </p:childTnLst>
+                                </p:cTn>
+                              </p:par>
+                            </p:childTnLst>
+                          </p:cTn>
+                        </p:par>
+                      </p:childTnLst>
+                    </p:cTn>
+                  </p:par>
+                  <p:par>
+                    <p:cTn id="29" fill="hold">
+                      <p:stCondLst>
+                        <p:cond delay="indefinite"/>
+                      </p:stCondLst>
+                      <p:childTnLst>
+                        <p:par>
+                          <p:cTn id="30" fill="hold">
+                            <p:stCondLst>
+                              <p:cond delay="0"/>
+                            </p:stCondLst>
+                            <p:childTnLst>
+                              <p:par>
+                                <p:cTn id="31" presetID="42" presetClass="entr" presetSubtype="0" fill="hold" grpId="0" nodeType="clickEffect">
+                                  <p:stCondLst>
+                                    <p:cond delay="0"/>
+                                  </p:stCondLst>
+                                  <p:childTnLst>
+                                    <p:set>
+                                      <p:cBhvr>
+                                        <p:cTn id="32" dur="1" fill="hold">
+                                          <p:stCondLst>
+                                            <p:cond delay="0"/>
+                                          </p:stCondLst>
+                                        </p:cTn>
+                                        <p:tgtEl>
+                                          <p:spTgt spid="10">
+                                            <p:txEl>
+                                              <p:pRg st="2" end="2"/>
+                                            </p:txEl>
+                                          </p:spTgt>
+                                        </p:tgtEl>
+                                        <p:attrNameLst>
+                                          <p:attrName>style.visibility</p:attrName>
+                                        </p:attrNameLst>
+                                      </p:cBhvr>
+                                      <p:to>
+                                        <p:strVal val="visible"/>
+                                      </p:to>
+                                    </p:set>
+                                    <p:animEffect transition="in" filter="fade">
+                                      <p:cBhvr>
+                                        <p:cTn id="33" dur="1000"/>
+                                        <p:tgtEl>
+                                          <p:spTgt spid="10">
+                                            <p:txEl>
+                                              <p:pRg st="2" end="2"/>
+                                            </p:txEl>
+                                          </p:spTgt>
+                                        </p:tgtEl>
+                                      </p:cBhvr>
+                                    </p:animEffect>
+                                    <p:anim calcmode="lin" valueType="num">
+                                      <p:cBhvr>
+                                        <p:cTn id="34" dur="1000" fill="hold"/>
+                                        <p:tgtEl>
+                                          <p:spTgt spid="10">
+                                            <p:txEl>
+                                              <p:pRg st="2" end="2"/>
+                                            </p:txEl>
+                                          </p:spTgt>
+                                        </p:tgtEl>
+                                        <p:attrNameLst>
+                                          <p:attrName>ppt_x</p:attrName>
+                                        </p:attrNameLst>
+                                      </p:cBhvr>
+                                      <p:tavLst>
+                                        <p:tav tm="0">
+                                          <p:val>
+                                            <p:strVal val="#ppt_x"/>
+                                          </p:val>
+                                        </p:tav>
+                                        <p:tav tm="100000">
+                                          <p:val>
+                                            <p:strVal val="#ppt_x"/>
+                                          </p:val>
+                                        </p:tav>
+                                      </p:tavLst>
+                                    </p:anim>
+                                    <p:anim calcmode="lin" valueType="num">
+                                      <p:cBhvr>
+                                        <p:cTn id="35" dur="1000" fill="hold"/>
+                                        <p:tgtEl>
+                                          <p:spTgt spid="10">
+                                            <p:txEl>
+                                              <p:pRg st="2" end="2"/>
+                                            </p:txEl>
+                                          </p:spTgt>
+                                        </p:tgtEl>
+                                        <p:attrNameLst>
+                                          <p:attrName>ppt_y</p:attrName>
+                                        </p:attrNameLst>
+                                      </p:cBhvr>
+                                      <p:tavLst>
+                                        <p:tav tm="0">
+                                          <p:val>
+                                            <p:strVal val="#ppt_y+.1"/>
+                                          </p:val>
+                                        </p:tav>
+                                        <p:tav tm="100000">
+                                          <p:val>
+                                            <p:strVal val="#ppt_y"/>
+                                          </p:val>
+                                        </p:tav>
+                                      </p:tavLst>
+                                    </p:anim>
+                                  </p:childTnLst>
+                                </p:cTn>
+                              </p:par>
+                            </p:childTnLst>
+                          </p:cTn>
+                        </p:par>
+                      </p:childTnLst>
+                    </p:cTn>
+                  </p:par>
+                  <p:par>
+                    <p:cTn id="36" fill="hold">
+                      <p:stCondLst>
+                        <p:cond delay="indefinite"/>
+                      </p:stCondLst>
+                      <p:childTnLst>
+                        <p:par>
+                          <p:cTn id="37" fill="hold">
+                            <p:stCondLst>
+                              <p:cond delay="0"/>
+                            </p:stCondLst>
+                            <p:childTnLst>
+                              <p:par>
+                                <p:cTn id="38" presetID="42" presetClass="entr" presetSubtype="0" fill="hold" grpId="0" nodeType="clickEffect">
+                                  <p:stCondLst>
+                                    <p:cond delay="0"/>
+                                  </p:stCondLst>
+                                  <p:childTnLst>
+                                    <p:set>
+                                      <p:cBhvr>
+                                        <p:cTn id="39" dur="1" fill="hold">
+                                          <p:stCondLst>
+                                            <p:cond delay="0"/>
+                                          </p:stCondLst>
+                                        </p:cTn>
+                                        <p:tgtEl>
+                                          <p:spTgt spid="10">
+                                            <p:txEl>
+                                              <p:pRg st="3" end="3"/>
+                                            </p:txEl>
+                                          </p:spTgt>
+                                        </p:tgtEl>
+                                        <p:attrNameLst>
+                                          <p:attrName>style.visibility</p:attrName>
+                                        </p:attrNameLst>
+                                      </p:cBhvr>
+                                      <p:to>
+                                        <p:strVal val="visible"/>
+                                      </p:to>
+                                    </p:set>
+                                    <p:animEffect transition="in" filter="fade">
+                                      <p:cBhvr>
+                                        <p:cTn id="40" dur="1000"/>
+                                        <p:tgtEl>
+                                          <p:spTgt spid="10">
+                                            <p:txEl>
+                                              <p:pRg st="3" end="3"/>
+                                            </p:txEl>
+                                          </p:spTgt>
+                                        </p:tgtEl>
+                                      </p:cBhvr>
+                                    </p:animEffect>
+                                    <p:anim calcmode="lin" valueType="num">
+                                      <p:cBhvr>
+                                        <p:cTn id="41" dur="1000" fill="hold"/>
+                                        <p:tgtEl>
+                                          <p:spTgt spid="10">
+                                            <p:txEl>
+                                              <p:pRg st="3" end="3"/>
+                                            </p:txEl>
+                                          </p:spTgt>
+                                        </p:tgtEl>
+                                        <p:attrNameLst>
+                                          <p:attrName>ppt_x</p:attrName>
+                                        </p:attrNameLst>
+                                      </p:cBhvr>
+                                      <p:tavLst>
+                                        <p:tav tm="0">
+                                          <p:val>
+                                            <p:strVal val="#ppt_x"/>
+                                          </p:val>
+                                        </p:tav>
+                                        <p:tav tm="100000">
+                                          <p:val>
+                                            <p:strVal val="#ppt_x"/>
+                                          </p:val>
+                                        </p:tav>
+                                      </p:tavLst>
+                                    </p:anim>
+                                    <p:anim calcmode="lin" valueType="num">
+                                      <p:cBhvr>
+                                        <p:cTn id="42" dur="1000" fill="hold"/>
+                                        <p:tgtEl>
+                                          <p:spTgt spid="10">
+                                            <p:txEl>
+                                              <p:pRg st="3" end="3"/>
+                                            </p:txEl>
+                                          </p:spTgt>
+                                        </p:tgtEl>
+                                        <p:attrNameLst>
+                                          <p:attrName>ppt_y</p:attrName>
+                                        </p:attrNameLst>
+                                      </p:cBhvr>
+                                      <p:tavLst>
+                                        <p:tav tm="0">
+                                          <p:val>
+                                            <p:strVal val="#ppt_y+.1"/>
+                                          </p:val>
+                                        </p:tav>
+                                        <p:tav tm="100000">
+                                          <p:val>
+                                            <p:strVal val="#ppt_y"/>
+                                          </p:val>
+                                        </p:tav>
+                                      </p:tavLst>
+                                    </p:anim>
+                                  </p:childTnLst>
+                                </p:cTn>
+                              </p:par>
+                            </p:childTnLst>
+                          </p:cTn>
+                        </p:par>
+                      </p:childTnLst>
+                    </p:cTn>
+                  </p:par>
+                  <p:par>
+                    <p:cTn id="43" fill="hold">
+                      <p:stCondLst>
+                        <p:cond delay="indefinite"/>
+                      </p:stCondLst>
+                      <p:childTnLst>
+                        <p:par>
+                          <p:cTn id="44" fill="hold">
+                            <p:stCondLst>
+                              <p:cond delay="0"/>
+                            </p:stCondLst>
+                            <p:childTnLst>
+                              <p:par>
+                                <p:cTn id="45" presetID="42" presetClass="entr" presetSubtype="0" fill="hold" grpId="0" nodeType="clickEffect">
+                                  <p:stCondLst>
+                                    <p:cond delay="0"/>
+                                  </p:stCondLst>
+                                  <p:childTnLst>
+                                    <p:set>
+                                      <p:cBhvr>
+                                        <p:cTn id="46" dur="1" fill="hold">
+                                          <p:stCondLst>
+                                            <p:cond delay="0"/>
+                                          </p:stCondLst>
+                                        </p:cTn>
+                                        <p:tgtEl>
+                                          <p:spTgt spid="10">
+                                            <p:txEl>
+                                              <p:pRg st="4" end="4"/>
+                                            </p:txEl>
+                                          </p:spTgt>
+                                        </p:tgtEl>
+                                        <p:attrNameLst>
+                                          <p:attrName>style.visibility</p:attrName>
+                                        </p:attrNameLst>
+                                      </p:cBhvr>
+                                      <p:to>
+                                        <p:strVal val="visible"/>
+                                      </p:to>
+                                    </p:set>
+                                    <p:animEffect transition="in" filter="fade">
+                                      <p:cBhvr>
+                                        <p:cTn id="47" dur="1000"/>
+                                        <p:tgtEl>
+                                          <p:spTgt spid="10">
+                                            <p:txEl>
+                                              <p:pRg st="4" end="4"/>
+                                            </p:txEl>
+                                          </p:spTgt>
+                                        </p:tgtEl>
+                                      </p:cBhvr>
+                                    </p:animEffect>
+                                    <p:anim calcmode="lin" valueType="num">
+                                      <p:cBhvr>
+                                        <p:cTn id="48" dur="1000" fill="hold"/>
+                                        <p:tgtEl>
+                                          <p:spTgt spid="10">
+                                            <p:txEl>
+                                              <p:pRg st="4" end="4"/>
+                                            </p:txEl>
+                                          </p:spTgt>
+                                        </p:tgtEl>
+                                        <p:attrNameLst>
+                                          <p:attrName>ppt_x</p:attrName>
+                                        </p:attrNameLst>
+                                      </p:cBhvr>
+                                      <p:tavLst>
+                                        <p:tav tm="0">
+                                          <p:val>
+                                            <p:strVal val="#ppt_x"/>
+                                          </p:val>
+                                        </p:tav>
+                                        <p:tav tm="100000">
+                                          <p:val>
+                                            <p:strVal val="#ppt_x"/>
+                                          </p:val>
+                                        </p:tav>
+                                      </p:tavLst>
+                                    </p:anim>
+                                    <p:anim calcmode="lin" valueType="num">
+                                      <p:cBhvr>
+                                        <p:cTn id="49" dur="1000" fill="hold"/>
+                                        <p:tgtEl>
+                                          <p:spTgt spid="10">
+                                            <p:txEl>
+                                              <p:pRg st="4" end="4"/>
+                                            </p:txEl>
+                                          </p:spTgt>
+                                        </p:tgtEl>
+                                        <p:attrNameLst>
+                                          <p:attrName>ppt_y</p:attrName>
+                                        </p:attrNameLst>
+                                      </p:cBhvr>
+                                      <p:tavLst>
+                                        <p:tav tm="0">
+                                          <p:val>
+                                            <p:strVal val="#ppt_y+.1"/>
+                                          </p:val>
+                                        </p:tav>
+                                        <p:tav tm="100000">
+                                          <p:val>
+                                            <p:strVal val="#ppt_y"/>
+                                          </p:val>
+                                        </p:tav>
+                                      </p:tavLst>
+                                    </p:anim>
+                                  </p:childTnLst>
+                                </p:cTn>
+                              </p:par>
+                            </p:childTnLst>
+                          </p:cTn>
+                        </p:par>
+                      </p:childTnLst>
+                    </p:cTn>
+                  </p:par>
+                </p:childTnLst>
+              </p:cTn>
+              <p:prevCondLst>
+                <p:cond evt="onPrev" delay="0">
+                  <p:tgtEl>
+                    <p:sldTgt/>
+                  </p:tgtEl>
+                </p:cond>
+              </p:prevCondLst>
+              <p:nextCondLst>
+                <p:cond evt="onNext" delay="0">
+                  <p:tgtEl>
+                    <p:sldTgt/>
+                  </p:tgtEl>
+                </p:cond>
+              </p:nextCondLst>
+            </p:seq>
+          </p:childTnLst>
+        </p:cTn>
+      </p:par>
+    </p:tnLst>
+    <p:bldLst>
+      <p:bldP spid="4" grpId="0"/>
+      <p:bldP spid="7" grpId="0"/>
+      <p:bldP spid="8" grpId="0"/>
+      <p:bldP spid="10" grpId="0" build="p"/>
+    </p:bldLst>
+  </p:timing>
+</p:sld>
+</file>
+
+<file path=ppt/slides/slide11.xml><?xml version="1.0" encoding="utf-8"?>
+<p:sld xmlns:a="http://schemas.openxmlformats.org/drawingml/2006/main" xmlns:r="http://schemas.openxmlformats.org/officeDocument/2006/relationships" xmlns:p="http://schemas.openxmlformats.org/presentationml/2006/main">
+  <p:cSld>
+    <p:spTree>
+      <p:nvGrpSpPr>
         <p:cNvPr id="1" name=""/>
         <p:cNvGrpSpPr/>
         <p:nvPr/>
@@ -12411,16 +14142,56 @@
         </p:nvSpPr>
         <p:spPr>
           <a:xfrm>
-            <a:off x="2975013" y="3962573"/>
-            <a:ext cx="2139696" cy="344312"/>
+            <a:off x="2975012" y="3962573"/>
+            <a:ext cx="4553251" cy="1506072"/>
           </a:xfrm>
         </p:spPr>
         <p:txBody>
           <a:bodyPr>
-            <a:normAutofit fontScale="92500" lnSpcReduction="20000"/>
+            <a:normAutofit/>
           </a:bodyPr>
           <a:lstStyle/>
           <a:p>
+            <a:r>
+              <a:rPr lang="en-US" dirty="0"/>
+              <a:t>LinkedIn Profile : </a:t>
+            </a:r>
+            <a:r>
+              <a:rPr lang="en-US" dirty="0" err="1">
+                <a:hlinkClick r:id="rId3"/>
+              </a:rPr>
+              <a:t>ukantjadia</a:t>
+            </a:r>
+            <a:endParaRPr lang="en-US" dirty="0"/>
+          </a:p>
+          <a:p>
+            <a:r>
+              <a:rPr lang="en-US" dirty="0"/>
+              <a:t>GitHub Profile: </a:t>
+            </a:r>
+            <a:r>
+              <a:rPr lang="en-US" dirty="0" err="1">
+                <a:hlinkClick r:id="rId4"/>
+              </a:rPr>
+              <a:t>ukantjadia</a:t>
+            </a:r>
+            <a:endParaRPr lang="en-US" dirty="0"/>
+          </a:p>
+          <a:p>
+            <a:r>
+              <a:rPr lang="en-US" dirty="0"/>
+              <a:t>Code Notebook: </a:t>
+            </a:r>
+            <a:r>
+              <a:rPr lang="en-US" dirty="0">
+                <a:hlinkClick r:id="rId5"/>
+              </a:rPr>
+              <a:t>GitHub</a:t>
+            </a:r>
+            <a:r>
+              <a:rPr lang="en-US" dirty="0"/>
+              <a:t> </a:t>
+            </a:r>
             <a:endParaRPr lang="en-IN" dirty="0"/>
           </a:p>
         </p:txBody>
@@ -13065,6 +14836,1450 @@
 </file>
 
 <file path=ppt/slides/slide2.xml><?xml version="1.0" encoding="utf-8"?>
+<p:sld xmlns:a="http://schemas.openxmlformats.org/drawingml/2006/main" xmlns:r="http://schemas.openxmlformats.org/officeDocument/2006/relationships" xmlns:p="http://schemas.openxmlformats.org/presentationml/2006/main">
+  <p:cSld>
+    <p:spTree>
+      <p:nvGrpSpPr>
+        <p:cNvPr id="1" name="">
+          <a:extLst>
+            <a:ext uri="{FF2B5EF4-FFF2-40B4-BE49-F238E27FC236}">
+              <a16:creationId xmlns:a16="http://schemas.microsoft.com/office/drawing/2014/main" id="{B4EC388A-E3FE-3E06-E449-DCB00CF3A10F}"/>
+            </a:ext>
+          </a:extLst>
+        </p:cNvPr>
+        <p:cNvGrpSpPr/>
+        <p:nvPr/>
+      </p:nvGrpSpPr>
+      <p:grpSpPr>
+        <a:xfrm>
+          <a:off x="0" y="0"/>
+          <a:ext cx="0" cy="0"/>
+          <a:chOff x="0" y="0"/>
+          <a:chExt cx="0" cy="0"/>
+        </a:xfrm>
+      </p:grpSpPr>
+      <p:sp>
+        <p:nvSpPr>
+          <p:cNvPr id="3" name="Title 2">
+            <a:extLst>
+              <a:ext uri="{FF2B5EF4-FFF2-40B4-BE49-F238E27FC236}">
+                <a16:creationId xmlns:a16="http://schemas.microsoft.com/office/drawing/2014/main" id="{FA7B9524-8278-D6E0-6F6D-D647B111609B}"/>
+              </a:ext>
+            </a:extLst>
+          </p:cNvPr>
+          <p:cNvSpPr>
+            <a:spLocks noGrp="1"/>
+          </p:cNvSpPr>
+          <p:nvPr>
+            <p:ph type="title"/>
+          </p:nvPr>
+        </p:nvSpPr>
+        <p:spPr>
+          <a:xfrm>
+            <a:off x="660399" y="805213"/>
+            <a:ext cx="6276109" cy="917055"/>
+          </a:xfrm>
+        </p:spPr>
+        <p:txBody>
+          <a:bodyPr>
+            <a:normAutofit/>
+          </a:bodyPr>
+          <a:lstStyle/>
+          <a:p>
+            <a:r>
+              <a:rPr lang="en-GB" dirty="0"/>
+              <a:t>Index</a:t>
+            </a:r>
+            <a:endParaRPr lang="en-IN" dirty="0"/>
+          </a:p>
+        </p:txBody>
+      </p:sp>
+      <p:pic>
+        <p:nvPicPr>
+          <p:cNvPr id="5" name="Picture 4">
+            <a:extLst>
+              <a:ext uri="{FF2B5EF4-FFF2-40B4-BE49-F238E27FC236}">
+                <a16:creationId xmlns:a16="http://schemas.microsoft.com/office/drawing/2014/main" id="{A67006E0-70C8-3380-0927-40C38620F16C}"/>
+              </a:ext>
+            </a:extLst>
+          </p:cNvPr>
+          <p:cNvPicPr>
+            <a:picLocks noChangeAspect="1"/>
+          </p:cNvPicPr>
+          <p:nvPr/>
+        </p:nvPicPr>
+        <p:blipFill rotWithShape="1">
+          <a:blip r:embed="rId2"/>
+          <a:srcRect t="96181"/>
+          <a:stretch/>
+        </p:blipFill>
+        <p:spPr>
+          <a:xfrm>
+            <a:off x="675957" y="6471920"/>
+            <a:ext cx="2143125" cy="193040"/>
+          </a:xfrm>
+          <a:prstGeom prst="rect">
+            <a:avLst/>
+          </a:prstGeom>
+        </p:spPr>
+      </p:pic>
+      <p:pic>
+        <p:nvPicPr>
+          <p:cNvPr id="6" name="Picture 5">
+            <a:extLst>
+              <a:ext uri="{FF2B5EF4-FFF2-40B4-BE49-F238E27FC236}">
+                <a16:creationId xmlns:a16="http://schemas.microsoft.com/office/drawing/2014/main" id="{0E000DE5-310A-87E7-D994-E40A9AE4D6FB}"/>
+              </a:ext>
+            </a:extLst>
+          </p:cNvPr>
+          <p:cNvPicPr>
+            <a:picLocks noChangeAspect="1"/>
+          </p:cNvPicPr>
+          <p:nvPr/>
+        </p:nvPicPr>
+        <p:blipFill>
+          <a:blip r:embed="rId3"/>
+          <a:stretch>
+            <a:fillRect/>
+          </a:stretch>
+        </p:blipFill>
+        <p:spPr>
+          <a:xfrm>
+            <a:off x="467359" y="6410461"/>
+            <a:ext cx="3706253" cy="296092"/>
+          </a:xfrm>
+          <a:prstGeom prst="rect">
+            <a:avLst/>
+          </a:prstGeom>
+        </p:spPr>
+      </p:pic>
+      <p:sp>
+        <p:nvSpPr>
+          <p:cNvPr id="2" name="Text Placeholder 1">
+            <a:extLst>
+              <a:ext uri="{FF2B5EF4-FFF2-40B4-BE49-F238E27FC236}">
+                <a16:creationId xmlns:a16="http://schemas.microsoft.com/office/drawing/2014/main" id="{9C753B4B-2C25-E71E-E066-055645285CC4}"/>
+              </a:ext>
+            </a:extLst>
+          </p:cNvPr>
+          <p:cNvSpPr>
+            <a:spLocks noGrp="1"/>
+          </p:cNvSpPr>
+          <p:nvPr>
+            <p:ph type="body" sz="quarter" idx="12"/>
+          </p:nvPr>
+        </p:nvSpPr>
+        <p:spPr>
+          <a:xfrm>
+            <a:off x="957972" y="1722268"/>
+            <a:ext cx="7060418" cy="4942691"/>
+          </a:xfrm>
+        </p:spPr>
+        <p:txBody>
+          <a:bodyPr>
+            <a:normAutofit fontScale="85000" lnSpcReduction="20000"/>
+          </a:bodyPr>
+          <a:lstStyle/>
+          <a:p>
+            <a:r>
+              <a:rPr lang="en-US" sz="2800" dirty="0"/>
+              <a:t>Problem Statement</a:t>
+            </a:r>
+          </a:p>
+          <a:p>
+            <a:r>
+              <a:rPr lang="en-US" sz="2800" dirty="0"/>
+              <a:t>Project Description</a:t>
+            </a:r>
+          </a:p>
+          <a:p>
+            <a:r>
+              <a:rPr lang="en-US" sz="2800" dirty="0"/>
+              <a:t>Who are the End User?</a:t>
+            </a:r>
+          </a:p>
+          <a:p>
+            <a:r>
+              <a:rPr lang="en-US" sz="2800" dirty="0"/>
+              <a:t>Technology Used</a:t>
+            </a:r>
+          </a:p>
+          <a:p>
+            <a:r>
+              <a:rPr lang="en-US" sz="2800" dirty="0"/>
+              <a:t>Results</a:t>
+            </a:r>
+            <a:endParaRPr lang="en-US" sz="2600" dirty="0"/>
+          </a:p>
+          <a:p>
+            <a:pPr lvl="1"/>
+            <a:r>
+              <a:rPr lang="en-US" sz="2600" dirty="0"/>
+              <a:t>Identify the region and city with the highest sales. </a:t>
+            </a:r>
+          </a:p>
+          <a:p>
+            <a:pPr lvl="1"/>
+            <a:r>
+              <a:rPr lang="en-US" sz="2600" dirty="0"/>
+              <a:t>Ship Mode's Impact on Profitability and Sales. </a:t>
+            </a:r>
+          </a:p>
+          <a:p>
+            <a:pPr lvl="1"/>
+            <a:r>
+              <a:rPr lang="en-US" sz="2600" dirty="0"/>
+              <a:t>Analyze the category and subcategory with the highest profit.</a:t>
+            </a:r>
+          </a:p>
+          <a:p>
+            <a:pPr lvl="1"/>
+            <a:r>
+              <a:rPr lang="en-US" sz="2600" dirty="0"/>
+              <a:t> Identify the segment with the highest profit and sales.</a:t>
+            </a:r>
+          </a:p>
+          <a:p>
+            <a:r>
+              <a:rPr lang="en-US" sz="2800" dirty="0"/>
+              <a:t>Thank You!!</a:t>
+            </a:r>
+          </a:p>
+          <a:p>
+            <a:pPr lvl="1"/>
+            <a:endParaRPr lang="en-US" sz="2600" dirty="0"/>
+          </a:p>
+          <a:p>
+            <a:pPr lvl="1"/>
+            <a:endParaRPr lang="en-US" sz="2600" dirty="0"/>
+          </a:p>
+        </p:txBody>
+      </p:sp>
+    </p:spTree>
+    <p:extLst>
+      <p:ext uri="{BB962C8B-B14F-4D97-AF65-F5344CB8AC3E}">
+        <p14:creationId xmlns:p14="http://schemas.microsoft.com/office/powerpoint/2010/main" val="863638685"/>
+      </p:ext>
+    </p:extLst>
+  </p:cSld>
+  <p:clrMapOvr>
+    <a:masterClrMapping/>
+  </p:clrMapOvr>
+  <p:timing>
+    <p:tnLst>
+      <p:par>
+        <p:cTn id="1" dur="indefinite" restart="never" nodeType="tmRoot">
+          <p:childTnLst>
+            <p:seq concurrent="1" nextAc="seek">
+              <p:cTn id="2" dur="indefinite" nodeType="mainSeq">
+                <p:childTnLst>
+                  <p:par>
+                    <p:cTn id="3" fill="hold">
+                      <p:stCondLst>
+                        <p:cond delay="indefinite"/>
+                      </p:stCondLst>
+                      <p:childTnLst>
+                        <p:par>
+                          <p:cTn id="4" fill="hold">
+                            <p:stCondLst>
+                              <p:cond delay="0"/>
+                            </p:stCondLst>
+                            <p:childTnLst>
+                              <p:par>
+                                <p:cTn id="5" presetID="53" presetClass="entr" presetSubtype="16" fill="hold" grpId="0" nodeType="clickEffect">
+                                  <p:stCondLst>
+                                    <p:cond delay="0"/>
+                                  </p:stCondLst>
+                                  <p:childTnLst>
+                                    <p:set>
+                                      <p:cBhvr>
+                                        <p:cTn id="6" dur="1" fill="hold">
+                                          <p:stCondLst>
+                                            <p:cond delay="0"/>
+                                          </p:stCondLst>
+                                        </p:cTn>
+                                        <p:tgtEl>
+                                          <p:spTgt spid="3"/>
+                                        </p:tgtEl>
+                                        <p:attrNameLst>
+                                          <p:attrName>style.visibility</p:attrName>
+                                        </p:attrNameLst>
+                                      </p:cBhvr>
+                                      <p:to>
+                                        <p:strVal val="visible"/>
+                                      </p:to>
+                                    </p:set>
+                                    <p:anim calcmode="lin" valueType="num">
+                                      <p:cBhvr>
+                                        <p:cTn id="7" dur="500" fill="hold"/>
+                                        <p:tgtEl>
+                                          <p:spTgt spid="3"/>
+                                        </p:tgtEl>
+                                        <p:attrNameLst>
+                                          <p:attrName>ppt_w</p:attrName>
+                                        </p:attrNameLst>
+                                      </p:cBhvr>
+                                      <p:tavLst>
+                                        <p:tav tm="0">
+                                          <p:val>
+                                            <p:fltVal val="0"/>
+                                          </p:val>
+                                        </p:tav>
+                                        <p:tav tm="100000">
+                                          <p:val>
+                                            <p:strVal val="#ppt_w"/>
+                                          </p:val>
+                                        </p:tav>
+                                      </p:tavLst>
+                                    </p:anim>
+                                    <p:anim calcmode="lin" valueType="num">
+                                      <p:cBhvr>
+                                        <p:cTn id="8" dur="500" fill="hold"/>
+                                        <p:tgtEl>
+                                          <p:spTgt spid="3"/>
+                                        </p:tgtEl>
+                                        <p:attrNameLst>
+                                          <p:attrName>ppt_h</p:attrName>
+                                        </p:attrNameLst>
+                                      </p:cBhvr>
+                                      <p:tavLst>
+                                        <p:tav tm="0">
+                                          <p:val>
+                                            <p:fltVal val="0"/>
+                                          </p:val>
+                                        </p:tav>
+                                        <p:tav tm="100000">
+                                          <p:val>
+                                            <p:strVal val="#ppt_h"/>
+                                          </p:val>
+                                        </p:tav>
+                                      </p:tavLst>
+                                    </p:anim>
+                                    <p:animEffect transition="in" filter="fade">
+                                      <p:cBhvr>
+                                        <p:cTn id="9" dur="500"/>
+                                        <p:tgtEl>
+                                          <p:spTgt spid="3"/>
+                                        </p:tgtEl>
+                                      </p:cBhvr>
+                                    </p:animEffect>
+                                  </p:childTnLst>
+                                </p:cTn>
+                              </p:par>
+                            </p:childTnLst>
+                          </p:cTn>
+                        </p:par>
+                      </p:childTnLst>
+                    </p:cTn>
+                  </p:par>
+                  <p:par>
+                    <p:cTn id="10" fill="hold">
+                      <p:stCondLst>
+                        <p:cond delay="indefinite"/>
+                      </p:stCondLst>
+                      <p:childTnLst>
+                        <p:par>
+                          <p:cTn id="11" fill="hold">
+                            <p:stCondLst>
+                              <p:cond delay="0"/>
+                            </p:stCondLst>
+                            <p:childTnLst>
+                              <p:par>
+                                <p:cTn id="12" presetID="42" presetClass="entr" presetSubtype="0" fill="hold" grpId="0" nodeType="clickEffect">
+                                  <p:stCondLst>
+                                    <p:cond delay="0"/>
+                                  </p:stCondLst>
+                                  <p:childTnLst>
+                                    <p:set>
+                                      <p:cBhvr>
+                                        <p:cTn id="13" dur="1" fill="hold">
+                                          <p:stCondLst>
+                                            <p:cond delay="0"/>
+                                          </p:stCondLst>
+                                        </p:cTn>
+                                        <p:tgtEl>
+                                          <p:spTgt spid="2">
+                                            <p:txEl>
+                                              <p:pRg st="0" end="0"/>
+                                            </p:txEl>
+                                          </p:spTgt>
+                                        </p:tgtEl>
+                                        <p:attrNameLst>
+                                          <p:attrName>style.visibility</p:attrName>
+                                        </p:attrNameLst>
+                                      </p:cBhvr>
+                                      <p:to>
+                                        <p:strVal val="visible"/>
+                                      </p:to>
+                                    </p:set>
+                                    <p:animEffect transition="in" filter="fade">
+                                      <p:cBhvr>
+                                        <p:cTn id="14" dur="1000"/>
+                                        <p:tgtEl>
+                                          <p:spTgt spid="2">
+                                            <p:txEl>
+                                              <p:pRg st="0" end="0"/>
+                                            </p:txEl>
+                                          </p:spTgt>
+                                        </p:tgtEl>
+                                      </p:cBhvr>
+                                    </p:animEffect>
+                                    <p:anim calcmode="lin" valueType="num">
+                                      <p:cBhvr>
+                                        <p:cTn id="15" dur="1000" fill="hold"/>
+                                        <p:tgtEl>
+                                          <p:spTgt spid="2">
+                                            <p:txEl>
+                                              <p:pRg st="0" end="0"/>
+                                            </p:txEl>
+                                          </p:spTgt>
+                                        </p:tgtEl>
+                                        <p:attrNameLst>
+                                          <p:attrName>ppt_x</p:attrName>
+                                        </p:attrNameLst>
+                                      </p:cBhvr>
+                                      <p:tavLst>
+                                        <p:tav tm="0">
+                                          <p:val>
+                                            <p:strVal val="#ppt_x"/>
+                                          </p:val>
+                                        </p:tav>
+                                        <p:tav tm="100000">
+                                          <p:val>
+                                            <p:strVal val="#ppt_x"/>
+                                          </p:val>
+                                        </p:tav>
+                                      </p:tavLst>
+                                    </p:anim>
+                                    <p:anim calcmode="lin" valueType="num">
+                                      <p:cBhvr>
+                                        <p:cTn id="16" dur="1000" fill="hold"/>
+                                        <p:tgtEl>
+                                          <p:spTgt spid="2">
+                                            <p:txEl>
+                                              <p:pRg st="0" end="0"/>
+                                            </p:txEl>
+                                          </p:spTgt>
+                                        </p:tgtEl>
+                                        <p:attrNameLst>
+                                          <p:attrName>ppt_y</p:attrName>
+                                        </p:attrNameLst>
+                                      </p:cBhvr>
+                                      <p:tavLst>
+                                        <p:tav tm="0">
+                                          <p:val>
+                                            <p:strVal val="#ppt_y+.1"/>
+                                          </p:val>
+                                        </p:tav>
+                                        <p:tav tm="100000">
+                                          <p:val>
+                                            <p:strVal val="#ppt_y"/>
+                                          </p:val>
+                                        </p:tav>
+                                      </p:tavLst>
+                                    </p:anim>
+                                  </p:childTnLst>
+                                </p:cTn>
+                              </p:par>
+                            </p:childTnLst>
+                          </p:cTn>
+                        </p:par>
+                      </p:childTnLst>
+                    </p:cTn>
+                  </p:par>
+                  <p:par>
+                    <p:cTn id="17" fill="hold">
+                      <p:stCondLst>
+                        <p:cond delay="indefinite"/>
+                      </p:stCondLst>
+                      <p:childTnLst>
+                        <p:par>
+                          <p:cTn id="18" fill="hold">
+                            <p:stCondLst>
+                              <p:cond delay="0"/>
+                            </p:stCondLst>
+                            <p:childTnLst>
+                              <p:par>
+                                <p:cTn id="19" presetID="42" presetClass="entr" presetSubtype="0" fill="hold" grpId="0" nodeType="clickEffect">
+                                  <p:stCondLst>
+                                    <p:cond delay="0"/>
+                                  </p:stCondLst>
+                                  <p:childTnLst>
+                                    <p:set>
+                                      <p:cBhvr>
+                                        <p:cTn id="20" dur="1" fill="hold">
+                                          <p:stCondLst>
+                                            <p:cond delay="0"/>
+                                          </p:stCondLst>
+                                        </p:cTn>
+                                        <p:tgtEl>
+                                          <p:spTgt spid="2">
+                                            <p:txEl>
+                                              <p:pRg st="1" end="1"/>
+                                            </p:txEl>
+                                          </p:spTgt>
+                                        </p:tgtEl>
+                                        <p:attrNameLst>
+                                          <p:attrName>style.visibility</p:attrName>
+                                        </p:attrNameLst>
+                                      </p:cBhvr>
+                                      <p:to>
+                                        <p:strVal val="visible"/>
+                                      </p:to>
+                                    </p:set>
+                                    <p:animEffect transition="in" filter="fade">
+                                      <p:cBhvr>
+                                        <p:cTn id="21" dur="1000"/>
+                                        <p:tgtEl>
+                                          <p:spTgt spid="2">
+                                            <p:txEl>
+                                              <p:pRg st="1" end="1"/>
+                                            </p:txEl>
+                                          </p:spTgt>
+                                        </p:tgtEl>
+                                      </p:cBhvr>
+                                    </p:animEffect>
+                                    <p:anim calcmode="lin" valueType="num">
+                                      <p:cBhvr>
+                                        <p:cTn id="22" dur="1000" fill="hold"/>
+                                        <p:tgtEl>
+                                          <p:spTgt spid="2">
+                                            <p:txEl>
+                                              <p:pRg st="1" end="1"/>
+                                            </p:txEl>
+                                          </p:spTgt>
+                                        </p:tgtEl>
+                                        <p:attrNameLst>
+                                          <p:attrName>ppt_x</p:attrName>
+                                        </p:attrNameLst>
+                                      </p:cBhvr>
+                                      <p:tavLst>
+                                        <p:tav tm="0">
+                                          <p:val>
+                                            <p:strVal val="#ppt_x"/>
+                                          </p:val>
+                                        </p:tav>
+                                        <p:tav tm="100000">
+                                          <p:val>
+                                            <p:strVal val="#ppt_x"/>
+                                          </p:val>
+                                        </p:tav>
+                                      </p:tavLst>
+                                    </p:anim>
+                                    <p:anim calcmode="lin" valueType="num">
+                                      <p:cBhvr>
+                                        <p:cTn id="23" dur="1000" fill="hold"/>
+                                        <p:tgtEl>
+                                          <p:spTgt spid="2">
+                                            <p:txEl>
+                                              <p:pRg st="1" end="1"/>
+                                            </p:txEl>
+                                          </p:spTgt>
+                                        </p:tgtEl>
+                                        <p:attrNameLst>
+                                          <p:attrName>ppt_y</p:attrName>
+                                        </p:attrNameLst>
+                                      </p:cBhvr>
+                                      <p:tavLst>
+                                        <p:tav tm="0">
+                                          <p:val>
+                                            <p:strVal val="#ppt_y+.1"/>
+                                          </p:val>
+                                        </p:tav>
+                                        <p:tav tm="100000">
+                                          <p:val>
+                                            <p:strVal val="#ppt_y"/>
+                                          </p:val>
+                                        </p:tav>
+                                      </p:tavLst>
+                                    </p:anim>
+                                  </p:childTnLst>
+                                </p:cTn>
+                              </p:par>
+                            </p:childTnLst>
+                          </p:cTn>
+                        </p:par>
+                      </p:childTnLst>
+                    </p:cTn>
+                  </p:par>
+                  <p:par>
+                    <p:cTn id="24" fill="hold">
+                      <p:stCondLst>
+                        <p:cond delay="indefinite"/>
+                      </p:stCondLst>
+                      <p:childTnLst>
+                        <p:par>
+                          <p:cTn id="25" fill="hold">
+                            <p:stCondLst>
+                              <p:cond delay="0"/>
+                            </p:stCondLst>
+                            <p:childTnLst>
+                              <p:par>
+                                <p:cTn id="26" presetID="42" presetClass="entr" presetSubtype="0" fill="hold" grpId="0" nodeType="clickEffect">
+                                  <p:stCondLst>
+                                    <p:cond delay="0"/>
+                                  </p:stCondLst>
+                                  <p:childTnLst>
+                                    <p:set>
+                                      <p:cBhvr>
+                                        <p:cTn id="27" dur="1" fill="hold">
+                                          <p:stCondLst>
+                                            <p:cond delay="0"/>
+                                          </p:stCondLst>
+                                        </p:cTn>
+                                        <p:tgtEl>
+                                          <p:spTgt spid="2">
+                                            <p:txEl>
+                                              <p:pRg st="2" end="2"/>
+                                            </p:txEl>
+                                          </p:spTgt>
+                                        </p:tgtEl>
+                                        <p:attrNameLst>
+                                          <p:attrName>style.visibility</p:attrName>
+                                        </p:attrNameLst>
+                                      </p:cBhvr>
+                                      <p:to>
+                                        <p:strVal val="visible"/>
+                                      </p:to>
+                                    </p:set>
+                                    <p:animEffect transition="in" filter="fade">
+                                      <p:cBhvr>
+                                        <p:cTn id="28" dur="1000"/>
+                                        <p:tgtEl>
+                                          <p:spTgt spid="2">
+                                            <p:txEl>
+                                              <p:pRg st="2" end="2"/>
+                                            </p:txEl>
+                                          </p:spTgt>
+                                        </p:tgtEl>
+                                      </p:cBhvr>
+                                    </p:animEffect>
+                                    <p:anim calcmode="lin" valueType="num">
+                                      <p:cBhvr>
+                                        <p:cTn id="29" dur="1000" fill="hold"/>
+                                        <p:tgtEl>
+                                          <p:spTgt spid="2">
+                                            <p:txEl>
+                                              <p:pRg st="2" end="2"/>
+                                            </p:txEl>
+                                          </p:spTgt>
+                                        </p:tgtEl>
+                                        <p:attrNameLst>
+                                          <p:attrName>ppt_x</p:attrName>
+                                        </p:attrNameLst>
+                                      </p:cBhvr>
+                                      <p:tavLst>
+                                        <p:tav tm="0">
+                                          <p:val>
+                                            <p:strVal val="#ppt_x"/>
+                                          </p:val>
+                                        </p:tav>
+                                        <p:tav tm="100000">
+                                          <p:val>
+                                            <p:strVal val="#ppt_x"/>
+                                          </p:val>
+                                        </p:tav>
+                                      </p:tavLst>
+                                    </p:anim>
+                                    <p:anim calcmode="lin" valueType="num">
+                                      <p:cBhvr>
+                                        <p:cTn id="30" dur="1000" fill="hold"/>
+                                        <p:tgtEl>
+                                          <p:spTgt spid="2">
+                                            <p:txEl>
+                                              <p:pRg st="2" end="2"/>
+                                            </p:txEl>
+                                          </p:spTgt>
+                                        </p:tgtEl>
+                                        <p:attrNameLst>
+                                          <p:attrName>ppt_y</p:attrName>
+                                        </p:attrNameLst>
+                                      </p:cBhvr>
+                                      <p:tavLst>
+                                        <p:tav tm="0">
+                                          <p:val>
+                                            <p:strVal val="#ppt_y+.1"/>
+                                          </p:val>
+                                        </p:tav>
+                                        <p:tav tm="100000">
+                                          <p:val>
+                                            <p:strVal val="#ppt_y"/>
+                                          </p:val>
+                                        </p:tav>
+                                      </p:tavLst>
+                                    </p:anim>
+                                  </p:childTnLst>
+                                </p:cTn>
+                              </p:par>
+                            </p:childTnLst>
+                          </p:cTn>
+                        </p:par>
+                      </p:childTnLst>
+                    </p:cTn>
+                  </p:par>
+                  <p:par>
+                    <p:cTn id="31" fill="hold">
+                      <p:stCondLst>
+                        <p:cond delay="indefinite"/>
+                      </p:stCondLst>
+                      <p:childTnLst>
+                        <p:par>
+                          <p:cTn id="32" fill="hold">
+                            <p:stCondLst>
+                              <p:cond delay="0"/>
+                            </p:stCondLst>
+                            <p:childTnLst>
+                              <p:par>
+                                <p:cTn id="33" presetID="42" presetClass="entr" presetSubtype="0" fill="hold" grpId="0" nodeType="clickEffect">
+                                  <p:stCondLst>
+                                    <p:cond delay="0"/>
+                                  </p:stCondLst>
+                                  <p:childTnLst>
+                                    <p:set>
+                                      <p:cBhvr>
+                                        <p:cTn id="34" dur="1" fill="hold">
+                                          <p:stCondLst>
+                                            <p:cond delay="0"/>
+                                          </p:stCondLst>
+                                        </p:cTn>
+                                        <p:tgtEl>
+                                          <p:spTgt spid="2">
+                                            <p:txEl>
+                                              <p:pRg st="3" end="3"/>
+                                            </p:txEl>
+                                          </p:spTgt>
+                                        </p:tgtEl>
+                                        <p:attrNameLst>
+                                          <p:attrName>style.visibility</p:attrName>
+                                        </p:attrNameLst>
+                                      </p:cBhvr>
+                                      <p:to>
+                                        <p:strVal val="visible"/>
+                                      </p:to>
+                                    </p:set>
+                                    <p:animEffect transition="in" filter="fade">
+                                      <p:cBhvr>
+                                        <p:cTn id="35" dur="1000"/>
+                                        <p:tgtEl>
+                                          <p:spTgt spid="2">
+                                            <p:txEl>
+                                              <p:pRg st="3" end="3"/>
+                                            </p:txEl>
+                                          </p:spTgt>
+                                        </p:tgtEl>
+                                      </p:cBhvr>
+                                    </p:animEffect>
+                                    <p:anim calcmode="lin" valueType="num">
+                                      <p:cBhvr>
+                                        <p:cTn id="36" dur="1000" fill="hold"/>
+                                        <p:tgtEl>
+                                          <p:spTgt spid="2">
+                                            <p:txEl>
+                                              <p:pRg st="3" end="3"/>
+                                            </p:txEl>
+                                          </p:spTgt>
+                                        </p:tgtEl>
+                                        <p:attrNameLst>
+                                          <p:attrName>ppt_x</p:attrName>
+                                        </p:attrNameLst>
+                                      </p:cBhvr>
+                                      <p:tavLst>
+                                        <p:tav tm="0">
+                                          <p:val>
+                                            <p:strVal val="#ppt_x"/>
+                                          </p:val>
+                                        </p:tav>
+                                        <p:tav tm="100000">
+                                          <p:val>
+                                            <p:strVal val="#ppt_x"/>
+                                          </p:val>
+                                        </p:tav>
+                                      </p:tavLst>
+                                    </p:anim>
+                                    <p:anim calcmode="lin" valueType="num">
+                                      <p:cBhvr>
+                                        <p:cTn id="37" dur="1000" fill="hold"/>
+                                        <p:tgtEl>
+                                          <p:spTgt spid="2">
+                                            <p:txEl>
+                                              <p:pRg st="3" end="3"/>
+                                            </p:txEl>
+                                          </p:spTgt>
+                                        </p:tgtEl>
+                                        <p:attrNameLst>
+                                          <p:attrName>ppt_y</p:attrName>
+                                        </p:attrNameLst>
+                                      </p:cBhvr>
+                                      <p:tavLst>
+                                        <p:tav tm="0">
+                                          <p:val>
+                                            <p:strVal val="#ppt_y+.1"/>
+                                          </p:val>
+                                        </p:tav>
+                                        <p:tav tm="100000">
+                                          <p:val>
+                                            <p:strVal val="#ppt_y"/>
+                                          </p:val>
+                                        </p:tav>
+                                      </p:tavLst>
+                                    </p:anim>
+                                  </p:childTnLst>
+                                </p:cTn>
+                              </p:par>
+                            </p:childTnLst>
+                          </p:cTn>
+                        </p:par>
+                      </p:childTnLst>
+                    </p:cTn>
+                  </p:par>
+                  <p:par>
+                    <p:cTn id="38" fill="hold">
+                      <p:stCondLst>
+                        <p:cond delay="indefinite"/>
+                      </p:stCondLst>
+                      <p:childTnLst>
+                        <p:par>
+                          <p:cTn id="39" fill="hold">
+                            <p:stCondLst>
+                              <p:cond delay="0"/>
+                            </p:stCondLst>
+                            <p:childTnLst>
+                              <p:par>
+                                <p:cTn id="40" presetID="42" presetClass="entr" presetSubtype="0" fill="hold" grpId="0" nodeType="clickEffect">
+                                  <p:stCondLst>
+                                    <p:cond delay="0"/>
+                                  </p:stCondLst>
+                                  <p:childTnLst>
+                                    <p:set>
+                                      <p:cBhvr>
+                                        <p:cTn id="41" dur="1" fill="hold">
+                                          <p:stCondLst>
+                                            <p:cond delay="0"/>
+                                          </p:stCondLst>
+                                        </p:cTn>
+                                        <p:tgtEl>
+                                          <p:spTgt spid="2">
+                                            <p:txEl>
+                                              <p:pRg st="4" end="4"/>
+                                            </p:txEl>
+                                          </p:spTgt>
+                                        </p:tgtEl>
+                                        <p:attrNameLst>
+                                          <p:attrName>style.visibility</p:attrName>
+                                        </p:attrNameLst>
+                                      </p:cBhvr>
+                                      <p:to>
+                                        <p:strVal val="visible"/>
+                                      </p:to>
+                                    </p:set>
+                                    <p:animEffect transition="in" filter="fade">
+                                      <p:cBhvr>
+                                        <p:cTn id="42" dur="1000"/>
+                                        <p:tgtEl>
+                                          <p:spTgt spid="2">
+                                            <p:txEl>
+                                              <p:pRg st="4" end="4"/>
+                                            </p:txEl>
+                                          </p:spTgt>
+                                        </p:tgtEl>
+                                      </p:cBhvr>
+                                    </p:animEffect>
+                                    <p:anim calcmode="lin" valueType="num">
+                                      <p:cBhvr>
+                                        <p:cTn id="43" dur="1000" fill="hold"/>
+                                        <p:tgtEl>
+                                          <p:spTgt spid="2">
+                                            <p:txEl>
+                                              <p:pRg st="4" end="4"/>
+                                            </p:txEl>
+                                          </p:spTgt>
+                                        </p:tgtEl>
+                                        <p:attrNameLst>
+                                          <p:attrName>ppt_x</p:attrName>
+                                        </p:attrNameLst>
+                                      </p:cBhvr>
+                                      <p:tavLst>
+                                        <p:tav tm="0">
+                                          <p:val>
+                                            <p:strVal val="#ppt_x"/>
+                                          </p:val>
+                                        </p:tav>
+                                        <p:tav tm="100000">
+                                          <p:val>
+                                            <p:strVal val="#ppt_x"/>
+                                          </p:val>
+                                        </p:tav>
+                                      </p:tavLst>
+                                    </p:anim>
+                                    <p:anim calcmode="lin" valueType="num">
+                                      <p:cBhvr>
+                                        <p:cTn id="44" dur="1000" fill="hold"/>
+                                        <p:tgtEl>
+                                          <p:spTgt spid="2">
+                                            <p:txEl>
+                                              <p:pRg st="4" end="4"/>
+                                            </p:txEl>
+                                          </p:spTgt>
+                                        </p:tgtEl>
+                                        <p:attrNameLst>
+                                          <p:attrName>ppt_y</p:attrName>
+                                        </p:attrNameLst>
+                                      </p:cBhvr>
+                                      <p:tavLst>
+                                        <p:tav tm="0">
+                                          <p:val>
+                                            <p:strVal val="#ppt_y+.1"/>
+                                          </p:val>
+                                        </p:tav>
+                                        <p:tav tm="100000">
+                                          <p:val>
+                                            <p:strVal val="#ppt_y"/>
+                                          </p:val>
+                                        </p:tav>
+                                      </p:tavLst>
+                                    </p:anim>
+                                  </p:childTnLst>
+                                </p:cTn>
+                              </p:par>
+                              <p:par>
+                                <p:cTn id="45" presetID="42" presetClass="entr" presetSubtype="0" fill="hold" grpId="0" nodeType="withEffect">
+                                  <p:stCondLst>
+                                    <p:cond delay="0"/>
+                                  </p:stCondLst>
+                                  <p:childTnLst>
+                                    <p:set>
+                                      <p:cBhvr>
+                                        <p:cTn id="46" dur="1" fill="hold">
+                                          <p:stCondLst>
+                                            <p:cond delay="0"/>
+                                          </p:stCondLst>
+                                        </p:cTn>
+                                        <p:tgtEl>
+                                          <p:spTgt spid="2">
+                                            <p:txEl>
+                                              <p:pRg st="5" end="5"/>
+                                            </p:txEl>
+                                          </p:spTgt>
+                                        </p:tgtEl>
+                                        <p:attrNameLst>
+                                          <p:attrName>style.visibility</p:attrName>
+                                        </p:attrNameLst>
+                                      </p:cBhvr>
+                                      <p:to>
+                                        <p:strVal val="visible"/>
+                                      </p:to>
+                                    </p:set>
+                                    <p:animEffect transition="in" filter="fade">
+                                      <p:cBhvr>
+                                        <p:cTn id="47" dur="1000"/>
+                                        <p:tgtEl>
+                                          <p:spTgt spid="2">
+                                            <p:txEl>
+                                              <p:pRg st="5" end="5"/>
+                                            </p:txEl>
+                                          </p:spTgt>
+                                        </p:tgtEl>
+                                      </p:cBhvr>
+                                    </p:animEffect>
+                                    <p:anim calcmode="lin" valueType="num">
+                                      <p:cBhvr>
+                                        <p:cTn id="48" dur="1000" fill="hold"/>
+                                        <p:tgtEl>
+                                          <p:spTgt spid="2">
+                                            <p:txEl>
+                                              <p:pRg st="5" end="5"/>
+                                            </p:txEl>
+                                          </p:spTgt>
+                                        </p:tgtEl>
+                                        <p:attrNameLst>
+                                          <p:attrName>ppt_x</p:attrName>
+                                        </p:attrNameLst>
+                                      </p:cBhvr>
+                                      <p:tavLst>
+                                        <p:tav tm="0">
+                                          <p:val>
+                                            <p:strVal val="#ppt_x"/>
+                                          </p:val>
+                                        </p:tav>
+                                        <p:tav tm="100000">
+                                          <p:val>
+                                            <p:strVal val="#ppt_x"/>
+                                          </p:val>
+                                        </p:tav>
+                                      </p:tavLst>
+                                    </p:anim>
+                                    <p:anim calcmode="lin" valueType="num">
+                                      <p:cBhvr>
+                                        <p:cTn id="49" dur="1000" fill="hold"/>
+                                        <p:tgtEl>
+                                          <p:spTgt spid="2">
+                                            <p:txEl>
+                                              <p:pRg st="5" end="5"/>
+                                            </p:txEl>
+                                          </p:spTgt>
+                                        </p:tgtEl>
+                                        <p:attrNameLst>
+                                          <p:attrName>ppt_y</p:attrName>
+                                        </p:attrNameLst>
+                                      </p:cBhvr>
+                                      <p:tavLst>
+                                        <p:tav tm="0">
+                                          <p:val>
+                                            <p:strVal val="#ppt_y+.1"/>
+                                          </p:val>
+                                        </p:tav>
+                                        <p:tav tm="100000">
+                                          <p:val>
+                                            <p:strVal val="#ppt_y"/>
+                                          </p:val>
+                                        </p:tav>
+                                      </p:tavLst>
+                                    </p:anim>
+                                  </p:childTnLst>
+                                </p:cTn>
+                              </p:par>
+                              <p:par>
+                                <p:cTn id="50" presetID="42" presetClass="entr" presetSubtype="0" fill="hold" grpId="0" nodeType="withEffect">
+                                  <p:stCondLst>
+                                    <p:cond delay="0"/>
+                                  </p:stCondLst>
+                                  <p:childTnLst>
+                                    <p:set>
+                                      <p:cBhvr>
+                                        <p:cTn id="51" dur="1" fill="hold">
+                                          <p:stCondLst>
+                                            <p:cond delay="0"/>
+                                          </p:stCondLst>
+                                        </p:cTn>
+                                        <p:tgtEl>
+                                          <p:spTgt spid="2">
+                                            <p:txEl>
+                                              <p:pRg st="6" end="6"/>
+                                            </p:txEl>
+                                          </p:spTgt>
+                                        </p:tgtEl>
+                                        <p:attrNameLst>
+                                          <p:attrName>style.visibility</p:attrName>
+                                        </p:attrNameLst>
+                                      </p:cBhvr>
+                                      <p:to>
+                                        <p:strVal val="visible"/>
+                                      </p:to>
+                                    </p:set>
+                                    <p:animEffect transition="in" filter="fade">
+                                      <p:cBhvr>
+                                        <p:cTn id="52" dur="1000"/>
+                                        <p:tgtEl>
+                                          <p:spTgt spid="2">
+                                            <p:txEl>
+                                              <p:pRg st="6" end="6"/>
+                                            </p:txEl>
+                                          </p:spTgt>
+                                        </p:tgtEl>
+                                      </p:cBhvr>
+                                    </p:animEffect>
+                                    <p:anim calcmode="lin" valueType="num">
+                                      <p:cBhvr>
+                                        <p:cTn id="53" dur="1000" fill="hold"/>
+                                        <p:tgtEl>
+                                          <p:spTgt spid="2">
+                                            <p:txEl>
+                                              <p:pRg st="6" end="6"/>
+                                            </p:txEl>
+                                          </p:spTgt>
+                                        </p:tgtEl>
+                                        <p:attrNameLst>
+                                          <p:attrName>ppt_x</p:attrName>
+                                        </p:attrNameLst>
+                                      </p:cBhvr>
+                                      <p:tavLst>
+                                        <p:tav tm="0">
+                                          <p:val>
+                                            <p:strVal val="#ppt_x"/>
+                                          </p:val>
+                                        </p:tav>
+                                        <p:tav tm="100000">
+                                          <p:val>
+                                            <p:strVal val="#ppt_x"/>
+                                          </p:val>
+                                        </p:tav>
+                                      </p:tavLst>
+                                    </p:anim>
+                                    <p:anim calcmode="lin" valueType="num">
+                                      <p:cBhvr>
+                                        <p:cTn id="54" dur="1000" fill="hold"/>
+                                        <p:tgtEl>
+                                          <p:spTgt spid="2">
+                                            <p:txEl>
+                                              <p:pRg st="6" end="6"/>
+                                            </p:txEl>
+                                          </p:spTgt>
+                                        </p:tgtEl>
+                                        <p:attrNameLst>
+                                          <p:attrName>ppt_y</p:attrName>
+                                        </p:attrNameLst>
+                                      </p:cBhvr>
+                                      <p:tavLst>
+                                        <p:tav tm="0">
+                                          <p:val>
+                                            <p:strVal val="#ppt_y+.1"/>
+                                          </p:val>
+                                        </p:tav>
+                                        <p:tav tm="100000">
+                                          <p:val>
+                                            <p:strVal val="#ppt_y"/>
+                                          </p:val>
+                                        </p:tav>
+                                      </p:tavLst>
+                                    </p:anim>
+                                  </p:childTnLst>
+                                </p:cTn>
+                              </p:par>
+                              <p:par>
+                                <p:cTn id="55" presetID="42" presetClass="entr" presetSubtype="0" fill="hold" grpId="0" nodeType="withEffect">
+                                  <p:stCondLst>
+                                    <p:cond delay="0"/>
+                                  </p:stCondLst>
+                                  <p:childTnLst>
+                                    <p:set>
+                                      <p:cBhvr>
+                                        <p:cTn id="56" dur="1" fill="hold">
+                                          <p:stCondLst>
+                                            <p:cond delay="0"/>
+                                          </p:stCondLst>
+                                        </p:cTn>
+                                        <p:tgtEl>
+                                          <p:spTgt spid="2">
+                                            <p:txEl>
+                                              <p:pRg st="7" end="7"/>
+                                            </p:txEl>
+                                          </p:spTgt>
+                                        </p:tgtEl>
+                                        <p:attrNameLst>
+                                          <p:attrName>style.visibility</p:attrName>
+                                        </p:attrNameLst>
+                                      </p:cBhvr>
+                                      <p:to>
+                                        <p:strVal val="visible"/>
+                                      </p:to>
+                                    </p:set>
+                                    <p:animEffect transition="in" filter="fade">
+                                      <p:cBhvr>
+                                        <p:cTn id="57" dur="1000"/>
+                                        <p:tgtEl>
+                                          <p:spTgt spid="2">
+                                            <p:txEl>
+                                              <p:pRg st="7" end="7"/>
+                                            </p:txEl>
+                                          </p:spTgt>
+                                        </p:tgtEl>
+                                      </p:cBhvr>
+                                    </p:animEffect>
+                                    <p:anim calcmode="lin" valueType="num">
+                                      <p:cBhvr>
+                                        <p:cTn id="58" dur="1000" fill="hold"/>
+                                        <p:tgtEl>
+                                          <p:spTgt spid="2">
+                                            <p:txEl>
+                                              <p:pRg st="7" end="7"/>
+                                            </p:txEl>
+                                          </p:spTgt>
+                                        </p:tgtEl>
+                                        <p:attrNameLst>
+                                          <p:attrName>ppt_x</p:attrName>
+                                        </p:attrNameLst>
+                                      </p:cBhvr>
+                                      <p:tavLst>
+                                        <p:tav tm="0">
+                                          <p:val>
+                                            <p:strVal val="#ppt_x"/>
+                                          </p:val>
+                                        </p:tav>
+                                        <p:tav tm="100000">
+                                          <p:val>
+                                            <p:strVal val="#ppt_x"/>
+                                          </p:val>
+                                        </p:tav>
+                                      </p:tavLst>
+                                    </p:anim>
+                                    <p:anim calcmode="lin" valueType="num">
+                                      <p:cBhvr>
+                                        <p:cTn id="59" dur="1000" fill="hold"/>
+                                        <p:tgtEl>
+                                          <p:spTgt spid="2">
+                                            <p:txEl>
+                                              <p:pRg st="7" end="7"/>
+                                            </p:txEl>
+                                          </p:spTgt>
+                                        </p:tgtEl>
+                                        <p:attrNameLst>
+                                          <p:attrName>ppt_y</p:attrName>
+                                        </p:attrNameLst>
+                                      </p:cBhvr>
+                                      <p:tavLst>
+                                        <p:tav tm="0">
+                                          <p:val>
+                                            <p:strVal val="#ppt_y+.1"/>
+                                          </p:val>
+                                        </p:tav>
+                                        <p:tav tm="100000">
+                                          <p:val>
+                                            <p:strVal val="#ppt_y"/>
+                                          </p:val>
+                                        </p:tav>
+                                      </p:tavLst>
+                                    </p:anim>
+                                  </p:childTnLst>
+                                </p:cTn>
+                              </p:par>
+                              <p:par>
+                                <p:cTn id="60" presetID="42" presetClass="entr" presetSubtype="0" fill="hold" grpId="0" nodeType="withEffect">
+                                  <p:stCondLst>
+                                    <p:cond delay="0"/>
+                                  </p:stCondLst>
+                                  <p:childTnLst>
+                                    <p:set>
+                                      <p:cBhvr>
+                                        <p:cTn id="61" dur="1" fill="hold">
+                                          <p:stCondLst>
+                                            <p:cond delay="0"/>
+                                          </p:stCondLst>
+                                        </p:cTn>
+                                        <p:tgtEl>
+                                          <p:spTgt spid="2">
+                                            <p:txEl>
+                                              <p:pRg st="8" end="8"/>
+                                            </p:txEl>
+                                          </p:spTgt>
+                                        </p:tgtEl>
+                                        <p:attrNameLst>
+                                          <p:attrName>style.visibility</p:attrName>
+                                        </p:attrNameLst>
+                                      </p:cBhvr>
+                                      <p:to>
+                                        <p:strVal val="visible"/>
+                                      </p:to>
+                                    </p:set>
+                                    <p:animEffect transition="in" filter="fade">
+                                      <p:cBhvr>
+                                        <p:cTn id="62" dur="1000"/>
+                                        <p:tgtEl>
+                                          <p:spTgt spid="2">
+                                            <p:txEl>
+                                              <p:pRg st="8" end="8"/>
+                                            </p:txEl>
+                                          </p:spTgt>
+                                        </p:tgtEl>
+                                      </p:cBhvr>
+                                    </p:animEffect>
+                                    <p:anim calcmode="lin" valueType="num">
+                                      <p:cBhvr>
+                                        <p:cTn id="63" dur="1000" fill="hold"/>
+                                        <p:tgtEl>
+                                          <p:spTgt spid="2">
+                                            <p:txEl>
+                                              <p:pRg st="8" end="8"/>
+                                            </p:txEl>
+                                          </p:spTgt>
+                                        </p:tgtEl>
+                                        <p:attrNameLst>
+                                          <p:attrName>ppt_x</p:attrName>
+                                        </p:attrNameLst>
+                                      </p:cBhvr>
+                                      <p:tavLst>
+                                        <p:tav tm="0">
+                                          <p:val>
+                                            <p:strVal val="#ppt_x"/>
+                                          </p:val>
+                                        </p:tav>
+                                        <p:tav tm="100000">
+                                          <p:val>
+                                            <p:strVal val="#ppt_x"/>
+                                          </p:val>
+                                        </p:tav>
+                                      </p:tavLst>
+                                    </p:anim>
+                                    <p:anim calcmode="lin" valueType="num">
+                                      <p:cBhvr>
+                                        <p:cTn id="64" dur="1000" fill="hold"/>
+                                        <p:tgtEl>
+                                          <p:spTgt spid="2">
+                                            <p:txEl>
+                                              <p:pRg st="8" end="8"/>
+                                            </p:txEl>
+                                          </p:spTgt>
+                                        </p:tgtEl>
+                                        <p:attrNameLst>
+                                          <p:attrName>ppt_y</p:attrName>
+                                        </p:attrNameLst>
+                                      </p:cBhvr>
+                                      <p:tavLst>
+                                        <p:tav tm="0">
+                                          <p:val>
+                                            <p:strVal val="#ppt_y+.1"/>
+                                          </p:val>
+                                        </p:tav>
+                                        <p:tav tm="100000">
+                                          <p:val>
+                                            <p:strVal val="#ppt_y"/>
+                                          </p:val>
+                                        </p:tav>
+                                      </p:tavLst>
+                                    </p:anim>
+                                  </p:childTnLst>
+                                </p:cTn>
+                              </p:par>
+                            </p:childTnLst>
+                          </p:cTn>
+                        </p:par>
+                      </p:childTnLst>
+                    </p:cTn>
+                  </p:par>
+                  <p:par>
+                    <p:cTn id="65" fill="hold">
+                      <p:stCondLst>
+                        <p:cond delay="indefinite"/>
+                      </p:stCondLst>
+                      <p:childTnLst>
+                        <p:par>
+                          <p:cTn id="66" fill="hold">
+                            <p:stCondLst>
+                              <p:cond delay="0"/>
+                            </p:stCondLst>
+                            <p:childTnLst>
+                              <p:par>
+                                <p:cTn id="67" presetID="42" presetClass="entr" presetSubtype="0" fill="hold" grpId="0" nodeType="clickEffect">
+                                  <p:stCondLst>
+                                    <p:cond delay="0"/>
+                                  </p:stCondLst>
+                                  <p:childTnLst>
+                                    <p:set>
+                                      <p:cBhvr>
+                                        <p:cTn id="68" dur="1" fill="hold">
+                                          <p:stCondLst>
+                                            <p:cond delay="0"/>
+                                          </p:stCondLst>
+                                        </p:cTn>
+                                        <p:tgtEl>
+                                          <p:spTgt spid="2">
+                                            <p:txEl>
+                                              <p:pRg st="9" end="9"/>
+                                            </p:txEl>
+                                          </p:spTgt>
+                                        </p:tgtEl>
+                                        <p:attrNameLst>
+                                          <p:attrName>style.visibility</p:attrName>
+                                        </p:attrNameLst>
+                                      </p:cBhvr>
+                                      <p:to>
+                                        <p:strVal val="visible"/>
+                                      </p:to>
+                                    </p:set>
+                                    <p:animEffect transition="in" filter="fade">
+                                      <p:cBhvr>
+                                        <p:cTn id="69" dur="1000"/>
+                                        <p:tgtEl>
+                                          <p:spTgt spid="2">
+                                            <p:txEl>
+                                              <p:pRg st="9" end="9"/>
+                                            </p:txEl>
+                                          </p:spTgt>
+                                        </p:tgtEl>
+                                      </p:cBhvr>
+                                    </p:animEffect>
+                                    <p:anim calcmode="lin" valueType="num">
+                                      <p:cBhvr>
+                                        <p:cTn id="70" dur="1000" fill="hold"/>
+                                        <p:tgtEl>
+                                          <p:spTgt spid="2">
+                                            <p:txEl>
+                                              <p:pRg st="9" end="9"/>
+                                            </p:txEl>
+                                          </p:spTgt>
+                                        </p:tgtEl>
+                                        <p:attrNameLst>
+                                          <p:attrName>ppt_x</p:attrName>
+                                        </p:attrNameLst>
+                                      </p:cBhvr>
+                                      <p:tavLst>
+                                        <p:tav tm="0">
+                                          <p:val>
+                                            <p:strVal val="#ppt_x"/>
+                                          </p:val>
+                                        </p:tav>
+                                        <p:tav tm="100000">
+                                          <p:val>
+                                            <p:strVal val="#ppt_x"/>
+                                          </p:val>
+                                        </p:tav>
+                                      </p:tavLst>
+                                    </p:anim>
+                                    <p:anim calcmode="lin" valueType="num">
+                                      <p:cBhvr>
+                                        <p:cTn id="71" dur="1000" fill="hold"/>
+                                        <p:tgtEl>
+                                          <p:spTgt spid="2">
+                                            <p:txEl>
+                                              <p:pRg st="9" end="9"/>
+                                            </p:txEl>
+                                          </p:spTgt>
+                                        </p:tgtEl>
+                                        <p:attrNameLst>
+                                          <p:attrName>ppt_y</p:attrName>
+                                        </p:attrNameLst>
+                                      </p:cBhvr>
+                                      <p:tavLst>
+                                        <p:tav tm="0">
+                                          <p:val>
+                                            <p:strVal val="#ppt_y+.1"/>
+                                          </p:val>
+                                        </p:tav>
+                                        <p:tav tm="100000">
+                                          <p:val>
+                                            <p:strVal val="#ppt_y"/>
+                                          </p:val>
+                                        </p:tav>
+                                      </p:tavLst>
+                                    </p:anim>
+                                  </p:childTnLst>
+                                </p:cTn>
+                              </p:par>
+                            </p:childTnLst>
+                          </p:cTn>
+                        </p:par>
+                      </p:childTnLst>
+                    </p:cTn>
+                  </p:par>
+                </p:childTnLst>
+              </p:cTn>
+              <p:prevCondLst>
+                <p:cond evt="onPrev" delay="0">
+                  <p:tgtEl>
+                    <p:sldTgt/>
+                  </p:tgtEl>
+                </p:cond>
+              </p:prevCondLst>
+              <p:nextCondLst>
+                <p:cond evt="onNext" delay="0">
+                  <p:tgtEl>
+                    <p:sldTgt/>
+                  </p:tgtEl>
+                </p:cond>
+              </p:nextCondLst>
+            </p:seq>
+          </p:childTnLst>
+        </p:cTn>
+      </p:par>
+    </p:tnLst>
+    <p:bldLst>
+      <p:bldP spid="3" grpId="0"/>
+      <p:bldP spid="2" grpId="0" build="p"/>
+    </p:bldLst>
+  </p:timing>
+</p:sld>
+</file>
+
+<file path=ppt/slides/slide3.xml><?xml version="1.0" encoding="utf-8"?>
 <p:sld xmlns:a="http://schemas.openxmlformats.org/drawingml/2006/main" xmlns:r="http://schemas.openxmlformats.org/officeDocument/2006/relationships" xmlns:p="http://schemas.openxmlformats.org/presentationml/2006/main">
   <p:cSld>
     <p:spTree>
@@ -13483,7 +16698,7 @@
 </p:sld>
 </file>
 
-<file path=ppt/slides/slide3.xml><?xml version="1.0" encoding="utf-8"?>
+<file path=ppt/slides/slide4.xml><?xml version="1.0" encoding="utf-8"?>
 <p:sld xmlns:a="http://schemas.openxmlformats.org/drawingml/2006/main" xmlns:r="http://schemas.openxmlformats.org/officeDocument/2006/relationships" xmlns:p="http://schemas.openxmlformats.org/presentationml/2006/main">
   <p:cSld>
     <p:bg>
@@ -14267,7 +17482,7 @@
 </p:sld>
 </file>
 
-<file path=ppt/slides/slide4.xml><?xml version="1.0" encoding="utf-8"?>
+<file path=ppt/slides/slide5.xml><?xml version="1.0" encoding="utf-8"?>
 <p:sld xmlns:a="http://schemas.openxmlformats.org/drawingml/2006/main" xmlns:r="http://schemas.openxmlformats.org/officeDocument/2006/relationships" xmlns:p="http://schemas.openxmlformats.org/presentationml/2006/main">
   <p:cSld>
     <p:spTree>
@@ -14925,7 +18140,7 @@
 </p:sld>
 </file>
 
-<file path=ppt/slides/slide5.xml><?xml version="1.0" encoding="utf-8"?>
+<file path=ppt/slides/slide6.xml><?xml version="1.0" encoding="utf-8"?>
 <p:sld xmlns:a="http://schemas.openxmlformats.org/drawingml/2006/main" xmlns:r="http://schemas.openxmlformats.org/officeDocument/2006/relationships" xmlns:p="http://schemas.openxmlformats.org/presentationml/2006/main">
   <p:cSld>
     <p:bg>
@@ -16519,7 +19734,7 @@
 </p:sld>
 </file>
 
-<file path=ppt/slides/slide6.xml><?xml version="1.0" encoding="utf-8"?>
+<file path=ppt/slides/slide7.xml><?xml version="1.0" encoding="utf-8"?>
 <p:sld xmlns:a="http://schemas.openxmlformats.org/drawingml/2006/main" xmlns:r="http://schemas.openxmlformats.org/officeDocument/2006/relationships" xmlns:p="http://schemas.openxmlformats.org/presentationml/2006/main">
   <p:cSld>
     <p:spTree>
@@ -17129,8 +20344,8 @@
         </p:nvSpPr>
         <p:spPr>
           <a:xfrm>
-            <a:off x="405203" y="6056421"/>
-            <a:ext cx="2981643" cy="830997"/>
+            <a:off x="683186" y="6298754"/>
+            <a:ext cx="784404" cy="539372"/>
           </a:xfrm>
           <a:prstGeom prst="rect">
             <a:avLst/>
@@ -17214,25 +20429,12 @@
           </a:lstStyle>
           <a:p>
             <a:r>
-              <a:rPr lang="en-GB" dirty="0"/>
-              <a:t> </a:t>
+              <a:rPr lang="en-GB" sz="2000" dirty="0">
+                <a:hlinkClick r:id="rId3"/>
+              </a:rPr>
+              <a:t>Link</a:t>
             </a:r>
-            <a:r>
-              <a:rPr lang="en-GB" sz="2000" b="0" u="sng" dirty="0">
-                <a:solidFill>
-                  <a:srgbClr val="0070C0"/>
-                </a:solidFill>
-                <a:hlinkClick r:id="rId3" action="ppaction://hlinkfile">
-                  <a:extLst>
-                    <a:ext uri="{A12FA001-AC4F-418D-AE19-62706E023703}">
-                      <ahyp:hlinkClr xmlns:ahyp="http://schemas.microsoft.com/office/drawing/2018/hyperlinkcolor" val="tx"/>
-                    </a:ext>
-                  </a:extLst>
-                </a:hlinkClick>
-              </a:rPr>
-              <a:t>Demo Link</a:t>
-            </a:r>
-            <a:endParaRPr lang="en-IN" b="0" u="sng" dirty="0">
+            <a:endParaRPr lang="en-IN" sz="2000" b="0" u="sng" dirty="0">
               <a:solidFill>
                 <a:srgbClr val="0070C0"/>
               </a:solidFill>
@@ -17250,7 +20452,7 @@
             </a:extLst>
           </p:cNvPr>
           <p:cNvSpPr>
-            <a:spLocks noGrp="1"/>
+            <a:spLocks noGrp="1" noRot="1" noMove="1" noResize="1" noEditPoints="1" noAdjustHandles="1" noChangeArrowheads="1" noChangeShapeType="1"/>
           </p:cNvSpPr>
           <p:nvPr>
             <p:ph type="body" sz="quarter" idx="12"/>
@@ -18749,7 +21951,7 @@
 </p:sld>
 </file>
 
-<file path=ppt/slides/slide7.xml><?xml version="1.0" encoding="utf-8"?>
+<file path=ppt/slides/slide8.xml><?xml version="1.0" encoding="utf-8"?>
 <p:sld xmlns:a="http://schemas.openxmlformats.org/drawingml/2006/main" xmlns:r="http://schemas.openxmlformats.org/officeDocument/2006/relationships" xmlns:p="http://schemas.openxmlformats.org/presentationml/2006/main">
   <p:cSld>
     <p:spTree>
@@ -19349,8 +22551,8 @@
           </a:p>
         </p:txBody>
       </p:sp>
-      <mc:AlternateContent xmlns:mc="http://schemas.openxmlformats.org/markup-compatibility/2006">
-        <mc:Choice xmlns:a14="http://schemas.microsoft.com/office/drawing/2010/main" Requires="a14">
+      <mc:AlternateContent xmlns:mc="http://schemas.openxmlformats.org/markup-compatibility/2006" xmlns:a14="http://schemas.microsoft.com/office/drawing/2010/main">
+        <mc:Choice Requires="a14">
           <p:sp>
             <p:nvSpPr>
               <p:cNvPr id="10" name="Text Placeholder 1">
@@ -19696,7 +22898,7 @@
             </p:txBody>
           </p:sp>
         </mc:Choice>
-        <mc:Fallback>
+        <mc:Fallback xmlns="">
           <p:sp>
             <p:nvSpPr>
               <p:cNvPr id="10" name="Text Placeholder 1">
@@ -20047,6 +23249,120 @@
           </a:graphicData>
         </a:graphic>
       </p:graphicFrame>
+      <p:sp>
+        <p:nvSpPr>
+          <p:cNvPr id="2" name="Title 3">
+            <a:extLst>
+              <a:ext uri="{FF2B5EF4-FFF2-40B4-BE49-F238E27FC236}">
+                <a16:creationId xmlns:a16="http://schemas.microsoft.com/office/drawing/2014/main" id="{CAD98630-B0C1-A297-8970-30DC0709D126}"/>
+              </a:ext>
+            </a:extLst>
+          </p:cNvPr>
+          <p:cNvSpPr txBox="1">
+            <a:spLocks/>
+          </p:cNvSpPr>
+          <p:nvPr/>
+        </p:nvSpPr>
+        <p:spPr>
+          <a:xfrm>
+            <a:off x="382110" y="6298754"/>
+            <a:ext cx="784404" cy="539372"/>
+          </a:xfrm>
+          <a:prstGeom prst="rect">
+            <a:avLst/>
+          </a:prstGeom>
+        </p:spPr>
+        <p:txBody>
+          <a:bodyPr vert="horz" lIns="91440" tIns="45720" rIns="91440" bIns="45720" rtlCol="0" anchor="t">
+            <a:normAutofit/>
+          </a:bodyPr>
+          <a:lstStyle>
+            <a:lvl1pPr algn="l" defTabSz="457200" rtl="0" eaLnBrk="1" latinLnBrk="0" hangingPunct="1">
+              <a:spcBef>
+                <a:spcPct val="0"/>
+              </a:spcBef>
+              <a:buNone/>
+              <a:defRPr sz="4800" b="1" kern="1200">
+                <a:solidFill>
+                  <a:schemeClr val="tx1"/>
+                </a:solidFill>
+                <a:latin typeface="+mj-lt"/>
+                <a:ea typeface="+mj-ea"/>
+                <a:cs typeface="+mj-cs"/>
+              </a:defRPr>
+            </a:lvl1pPr>
+            <a:lvl2pPr eaLnBrk="1" hangingPunct="1">
+              <a:defRPr>
+                <a:solidFill>
+                  <a:schemeClr val="tx2"/>
+                </a:solidFill>
+              </a:defRPr>
+            </a:lvl2pPr>
+            <a:lvl3pPr eaLnBrk="1" hangingPunct="1">
+              <a:defRPr>
+                <a:solidFill>
+                  <a:schemeClr val="tx2"/>
+                </a:solidFill>
+              </a:defRPr>
+            </a:lvl3pPr>
+            <a:lvl4pPr eaLnBrk="1" hangingPunct="1">
+              <a:defRPr>
+                <a:solidFill>
+                  <a:schemeClr val="tx2"/>
+                </a:solidFill>
+              </a:defRPr>
+            </a:lvl4pPr>
+            <a:lvl5pPr eaLnBrk="1" hangingPunct="1">
+              <a:defRPr>
+                <a:solidFill>
+                  <a:schemeClr val="tx2"/>
+                </a:solidFill>
+              </a:defRPr>
+            </a:lvl5pPr>
+            <a:lvl6pPr eaLnBrk="1" hangingPunct="1">
+              <a:defRPr>
+                <a:solidFill>
+                  <a:schemeClr val="tx2"/>
+                </a:solidFill>
+              </a:defRPr>
+            </a:lvl6pPr>
+            <a:lvl7pPr eaLnBrk="1" hangingPunct="1">
+              <a:defRPr>
+                <a:solidFill>
+                  <a:schemeClr val="tx2"/>
+                </a:solidFill>
+              </a:defRPr>
+            </a:lvl7pPr>
+            <a:lvl8pPr eaLnBrk="1" hangingPunct="1">
+              <a:defRPr>
+                <a:solidFill>
+                  <a:schemeClr val="tx2"/>
+                </a:solidFill>
+              </a:defRPr>
+            </a:lvl8pPr>
+            <a:lvl9pPr eaLnBrk="1" hangingPunct="1">
+              <a:defRPr>
+                <a:solidFill>
+                  <a:schemeClr val="tx2"/>
+                </a:solidFill>
+              </a:defRPr>
+            </a:lvl9pPr>
+          </a:lstStyle>
+          <a:p>
+            <a:r>
+              <a:rPr lang="en-GB" sz="2000" dirty="0">
+                <a:hlinkClick r:id="rId6"/>
+              </a:rPr>
+              <a:t>Link</a:t>
+            </a:r>
+            <a:endParaRPr lang="en-IN" sz="2000" b="0" u="sng" dirty="0">
+              <a:solidFill>
+                <a:srgbClr val="0070C0"/>
+              </a:solidFill>
+            </a:endParaRPr>
+          </a:p>
+        </p:txBody>
+      </p:sp>
     </p:spTree>
     <p:extLst>
       <p:ext uri="{BB962C8B-B14F-4D97-AF65-F5344CB8AC3E}">
@@ -21354,7 +24670,7 @@
 </p:sld>
 </file>
 
-<file path=ppt/slides/slide8.xml><?xml version="1.0" encoding="utf-8"?>
+<file path=ppt/slides/slide9.xml><?xml version="1.0" encoding="utf-8"?>
 <p:sld xmlns:a="http://schemas.openxmlformats.org/drawingml/2006/main" xmlns:r="http://schemas.openxmlformats.org/officeDocument/2006/relationships" xmlns:p="http://schemas.openxmlformats.org/presentationml/2006/main">
   <p:cSld>
     <p:spTree>
@@ -22137,6 +25453,120 @@
           </a:prstGeom>
         </p:spPr>
       </p:pic>
+      <p:sp>
+        <p:nvSpPr>
+          <p:cNvPr id="2" name="Title 3">
+            <a:extLst>
+              <a:ext uri="{FF2B5EF4-FFF2-40B4-BE49-F238E27FC236}">
+                <a16:creationId xmlns:a16="http://schemas.microsoft.com/office/drawing/2014/main" id="{29D0CA50-CEB0-BE81-3847-7A862A1AEAB4}"/>
+              </a:ext>
+            </a:extLst>
+          </p:cNvPr>
+          <p:cNvSpPr txBox="1">
+            <a:spLocks/>
+          </p:cNvSpPr>
+          <p:nvPr/>
+        </p:nvSpPr>
+        <p:spPr>
+          <a:xfrm>
+            <a:off x="382110" y="6298754"/>
+            <a:ext cx="784404" cy="539372"/>
+          </a:xfrm>
+          <a:prstGeom prst="rect">
+            <a:avLst/>
+          </a:prstGeom>
+        </p:spPr>
+        <p:txBody>
+          <a:bodyPr vert="horz" lIns="91440" tIns="45720" rIns="91440" bIns="45720" rtlCol="0" anchor="t">
+            <a:normAutofit/>
+          </a:bodyPr>
+          <a:lstStyle>
+            <a:lvl1pPr algn="l" defTabSz="457200" rtl="0" eaLnBrk="1" latinLnBrk="0" hangingPunct="1">
+              <a:spcBef>
+                <a:spcPct val="0"/>
+              </a:spcBef>
+              <a:buNone/>
+              <a:defRPr sz="4800" b="1" kern="1200">
+                <a:solidFill>
+                  <a:schemeClr val="tx1"/>
+                </a:solidFill>
+                <a:latin typeface="+mj-lt"/>
+                <a:ea typeface="+mj-ea"/>
+                <a:cs typeface="+mj-cs"/>
+              </a:defRPr>
+            </a:lvl1pPr>
+            <a:lvl2pPr eaLnBrk="1" hangingPunct="1">
+              <a:defRPr>
+                <a:solidFill>
+                  <a:schemeClr val="tx2"/>
+                </a:solidFill>
+              </a:defRPr>
+            </a:lvl2pPr>
+            <a:lvl3pPr eaLnBrk="1" hangingPunct="1">
+              <a:defRPr>
+                <a:solidFill>
+                  <a:schemeClr val="tx2"/>
+                </a:solidFill>
+              </a:defRPr>
+            </a:lvl3pPr>
+            <a:lvl4pPr eaLnBrk="1" hangingPunct="1">
+              <a:defRPr>
+                <a:solidFill>
+                  <a:schemeClr val="tx2"/>
+                </a:solidFill>
+              </a:defRPr>
+            </a:lvl4pPr>
+            <a:lvl5pPr eaLnBrk="1" hangingPunct="1">
+              <a:defRPr>
+                <a:solidFill>
+                  <a:schemeClr val="tx2"/>
+                </a:solidFill>
+              </a:defRPr>
+            </a:lvl5pPr>
+            <a:lvl6pPr eaLnBrk="1" hangingPunct="1">
+              <a:defRPr>
+                <a:solidFill>
+                  <a:schemeClr val="tx2"/>
+                </a:solidFill>
+              </a:defRPr>
+            </a:lvl6pPr>
+            <a:lvl7pPr eaLnBrk="1" hangingPunct="1">
+              <a:defRPr>
+                <a:solidFill>
+                  <a:schemeClr val="tx2"/>
+                </a:solidFill>
+              </a:defRPr>
+            </a:lvl7pPr>
+            <a:lvl8pPr eaLnBrk="1" hangingPunct="1">
+              <a:defRPr>
+                <a:solidFill>
+                  <a:schemeClr val="tx2"/>
+                </a:solidFill>
+              </a:defRPr>
+            </a:lvl8pPr>
+            <a:lvl9pPr eaLnBrk="1" hangingPunct="1">
+              <a:defRPr>
+                <a:solidFill>
+                  <a:schemeClr val="tx2"/>
+                </a:solidFill>
+              </a:defRPr>
+            </a:lvl9pPr>
+          </a:lstStyle>
+          <a:p>
+            <a:r>
+              <a:rPr lang="en-GB" sz="2000" dirty="0">
+                <a:hlinkClick r:id="rId4"/>
+              </a:rPr>
+              <a:t>Link</a:t>
+            </a:r>
+            <a:endParaRPr lang="en-IN" sz="2000" b="0" u="sng" dirty="0">
+              <a:solidFill>
+                <a:srgbClr val="0070C0"/>
+              </a:solidFill>
+            </a:endParaRPr>
+          </a:p>
+        </p:txBody>
+      </p:sp>
     </p:spTree>
     <p:extLst>
       <p:ext uri="{BB962C8B-B14F-4D97-AF65-F5344CB8AC3E}">
@@ -22974,1621 +26404,6 @@
                                           <p:spTgt spid="10">
                                             <p:txEl>
                                               <p:pRg st="3" end="3"/>
-                                            </p:txEl>
-                                          </p:spTgt>
-                                        </p:tgtEl>
-                                        <p:attrNameLst>
-                                          <p:attrName>ppt_y</p:attrName>
-                                        </p:attrNameLst>
-                                      </p:cBhvr>
-                                      <p:tavLst>
-                                        <p:tav tm="0">
-                                          <p:val>
-                                            <p:strVal val="#ppt_y+.1"/>
-                                          </p:val>
-                                        </p:tav>
-                                        <p:tav tm="100000">
-                                          <p:val>
-                                            <p:strVal val="#ppt_y"/>
-                                          </p:val>
-                                        </p:tav>
-                                      </p:tavLst>
-                                    </p:anim>
-                                  </p:childTnLst>
-                                </p:cTn>
-                              </p:par>
-                            </p:childTnLst>
-                          </p:cTn>
-                        </p:par>
-                      </p:childTnLst>
-                    </p:cTn>
-                  </p:par>
-                </p:childTnLst>
-              </p:cTn>
-              <p:prevCondLst>
-                <p:cond evt="onPrev" delay="0">
-                  <p:tgtEl>
-                    <p:sldTgt/>
-                  </p:tgtEl>
-                </p:cond>
-              </p:prevCondLst>
-              <p:nextCondLst>
-                <p:cond evt="onNext" delay="0">
-                  <p:tgtEl>
-                    <p:sldTgt/>
-                  </p:tgtEl>
-                </p:cond>
-              </p:nextCondLst>
-            </p:seq>
-          </p:childTnLst>
-        </p:cTn>
-      </p:par>
-    </p:tnLst>
-    <p:bldLst>
-      <p:bldP spid="4" grpId="0"/>
-      <p:bldP spid="7" grpId="0"/>
-      <p:bldP spid="8" grpId="0"/>
-      <p:bldP spid="10" grpId="0" build="p"/>
-    </p:bldLst>
-  </p:timing>
-</p:sld>
-</file>
-
-<file path=ppt/slides/slide9.xml><?xml version="1.0" encoding="utf-8"?>
-<p:sld xmlns:a="http://schemas.openxmlformats.org/drawingml/2006/main" xmlns:r="http://schemas.openxmlformats.org/officeDocument/2006/relationships" xmlns:p="http://schemas.openxmlformats.org/presentationml/2006/main">
-  <p:cSld>
-    <p:spTree>
-      <p:nvGrpSpPr>
-        <p:cNvPr id="1" name="">
-          <a:extLst>
-            <a:ext uri="{FF2B5EF4-FFF2-40B4-BE49-F238E27FC236}">
-              <a16:creationId xmlns:a16="http://schemas.microsoft.com/office/drawing/2014/main" id="{2D88209F-A405-802F-796B-F50E807905C5}"/>
-            </a:ext>
-          </a:extLst>
-        </p:cNvPr>
-        <p:cNvGrpSpPr/>
-        <p:nvPr/>
-      </p:nvGrpSpPr>
-      <p:grpSpPr>
-        <a:xfrm>
-          <a:off x="0" y="0"/>
-          <a:ext cx="0" cy="0"/>
-          <a:chOff x="0" y="0"/>
-          <a:chExt cx="0" cy="0"/>
-        </a:xfrm>
-      </p:grpSpPr>
-      <p:pic>
-        <p:nvPicPr>
-          <p:cNvPr id="5" name="Picture 4">
-            <a:extLst>
-              <a:ext uri="{FF2B5EF4-FFF2-40B4-BE49-F238E27FC236}">
-                <a16:creationId xmlns:a16="http://schemas.microsoft.com/office/drawing/2014/main" id="{447FD97A-9C10-832F-C0DC-9161BC37901C}"/>
-              </a:ext>
-            </a:extLst>
-          </p:cNvPr>
-          <p:cNvPicPr>
-            <a:picLocks noChangeAspect="1"/>
-          </p:cNvPicPr>
-          <p:nvPr/>
-        </p:nvPicPr>
-        <p:blipFill rotWithShape="1">
-          <a:blip r:embed="rId2"/>
-          <a:srcRect t="96181"/>
-          <a:stretch/>
-        </p:blipFill>
-        <p:spPr>
-          <a:xfrm>
-            <a:off x="675957" y="6471920"/>
-            <a:ext cx="2143125" cy="193040"/>
-          </a:xfrm>
-          <a:prstGeom prst="rect">
-            <a:avLst/>
-          </a:prstGeom>
-        </p:spPr>
-      </p:pic>
-      <p:sp>
-        <p:nvSpPr>
-          <p:cNvPr id="4" name="Title 3">
-            <a:extLst>
-              <a:ext uri="{FF2B5EF4-FFF2-40B4-BE49-F238E27FC236}">
-                <a16:creationId xmlns:a16="http://schemas.microsoft.com/office/drawing/2014/main" id="{CCE1141B-317A-A837-47A3-04C2A28037FE}"/>
-              </a:ext>
-            </a:extLst>
-          </p:cNvPr>
-          <p:cNvSpPr>
-            <a:spLocks noGrp="1"/>
-          </p:cNvSpPr>
-          <p:nvPr>
-            <p:ph type="title"/>
-          </p:nvPr>
-        </p:nvSpPr>
-        <p:spPr>
-          <a:xfrm>
-            <a:off x="675957" y="151384"/>
-            <a:ext cx="2981643" cy="830997"/>
-          </a:xfrm>
-        </p:spPr>
-        <p:txBody>
-          <a:bodyPr>
-            <a:normAutofit/>
-          </a:bodyPr>
-          <a:lstStyle/>
-          <a:p>
-            <a:r>
-              <a:rPr lang="en-GB" dirty="0"/>
-              <a:t>RESULTS </a:t>
-            </a:r>
-            <a:endParaRPr lang="en-IN" dirty="0"/>
-          </a:p>
-        </p:txBody>
-      </p:sp>
-      <p:sp>
-        <p:nvSpPr>
-          <p:cNvPr id="7" name="Text Placeholder 30">
-            <a:extLst>
-              <a:ext uri="{FF2B5EF4-FFF2-40B4-BE49-F238E27FC236}">
-                <a16:creationId xmlns:a16="http://schemas.microsoft.com/office/drawing/2014/main" id="{5A1F13B4-E8A2-721D-3C58-FA2C859138AD}"/>
-              </a:ext>
-            </a:extLst>
-          </p:cNvPr>
-          <p:cNvSpPr txBox="1">
-            <a:spLocks/>
-          </p:cNvSpPr>
-          <p:nvPr/>
-        </p:nvSpPr>
-        <p:spPr>
-          <a:xfrm>
-            <a:off x="320982" y="1275371"/>
-            <a:ext cx="3343561" cy="666078"/>
-          </a:xfrm>
-          <a:prstGeom prst="rect">
-            <a:avLst/>
-          </a:prstGeom>
-        </p:spPr>
-        <p:txBody>
-          <a:bodyPr vert="horz" lIns="91440" tIns="45720" rIns="91440" bIns="45720" rtlCol="0">
-            <a:normAutofit/>
-          </a:bodyPr>
-          <a:lstStyle>
-            <a:lvl1pPr marL="0" indent="0" algn="ctr" defTabSz="457200" rtl="0" eaLnBrk="1" latinLnBrk="0" hangingPunct="1">
-              <a:spcBef>
-                <a:spcPts val="1000"/>
-              </a:spcBef>
-              <a:spcAft>
-                <a:spcPts val="0"/>
-              </a:spcAft>
-              <a:buClr>
-                <a:schemeClr val="accent1"/>
-              </a:buClr>
-              <a:buSzPct val="80000"/>
-              <a:buFont typeface="Wingdings 3" charset="2"/>
-              <a:buNone/>
-              <a:defRPr lang="en-US" sz="1600" kern="1200" dirty="0" smtClean="0">
-                <a:solidFill>
-                  <a:schemeClr val="tx1"/>
-                </a:solidFill>
-                <a:latin typeface="+mn-lt"/>
-                <a:ea typeface="+mn-ea"/>
-                <a:cs typeface="+mn-cs"/>
-              </a:defRPr>
-            </a:lvl1pPr>
-            <a:lvl2pPr marL="742950" indent="-285750" algn="l" defTabSz="457200" rtl="0" eaLnBrk="1" latinLnBrk="0" hangingPunct="1">
-              <a:spcBef>
-                <a:spcPts val="1000"/>
-              </a:spcBef>
-              <a:spcAft>
-                <a:spcPts val="0"/>
-              </a:spcAft>
-              <a:buClr>
-                <a:schemeClr val="accent1"/>
-              </a:buClr>
-              <a:buSzPct val="80000"/>
-              <a:buFont typeface="Wingdings 3" charset="2"/>
-              <a:buChar char=""/>
-              <a:defRPr sz="1600" kern="1200">
-                <a:solidFill>
-                  <a:schemeClr val="tx1">
-                    <a:lumMod val="75000"/>
-                    <a:lumOff val="25000"/>
-                  </a:schemeClr>
-                </a:solidFill>
-                <a:latin typeface="+mn-lt"/>
-                <a:ea typeface="+mn-ea"/>
-                <a:cs typeface="+mn-cs"/>
-              </a:defRPr>
-            </a:lvl2pPr>
-            <a:lvl3pPr marL="1143000" indent="-228600" algn="l" defTabSz="457200" rtl="0" eaLnBrk="1" latinLnBrk="0" hangingPunct="1">
-              <a:spcBef>
-                <a:spcPts val="1000"/>
-              </a:spcBef>
-              <a:spcAft>
-                <a:spcPts val="0"/>
-              </a:spcAft>
-              <a:buClr>
-                <a:schemeClr val="accent1"/>
-              </a:buClr>
-              <a:buSzPct val="80000"/>
-              <a:buFont typeface="Wingdings 3" charset="2"/>
-              <a:buChar char=""/>
-              <a:defRPr sz="1400" kern="1200">
-                <a:solidFill>
-                  <a:schemeClr val="tx1">
-                    <a:lumMod val="75000"/>
-                    <a:lumOff val="25000"/>
-                  </a:schemeClr>
-                </a:solidFill>
-                <a:latin typeface="+mn-lt"/>
-                <a:ea typeface="+mn-ea"/>
-                <a:cs typeface="+mn-cs"/>
-              </a:defRPr>
-            </a:lvl3pPr>
-            <a:lvl4pPr marL="1600200" indent="-228600" algn="l" defTabSz="457200" rtl="0" eaLnBrk="1" latinLnBrk="0" hangingPunct="1">
-              <a:spcBef>
-                <a:spcPts val="1000"/>
-              </a:spcBef>
-              <a:spcAft>
-                <a:spcPts val="0"/>
-              </a:spcAft>
-              <a:buClr>
-                <a:schemeClr val="accent1"/>
-              </a:buClr>
-              <a:buSzPct val="80000"/>
-              <a:buFont typeface="Wingdings 3" charset="2"/>
-              <a:buChar char=""/>
-              <a:defRPr sz="1200" kern="1200">
-                <a:solidFill>
-                  <a:schemeClr val="tx1">
-                    <a:lumMod val="75000"/>
-                    <a:lumOff val="25000"/>
-                  </a:schemeClr>
-                </a:solidFill>
-                <a:latin typeface="+mn-lt"/>
-                <a:ea typeface="+mn-ea"/>
-                <a:cs typeface="+mn-cs"/>
-              </a:defRPr>
-            </a:lvl4pPr>
-            <a:lvl5pPr marL="2057400" indent="-228600" algn="l" defTabSz="457200" rtl="0" eaLnBrk="1" latinLnBrk="0" hangingPunct="1">
-              <a:spcBef>
-                <a:spcPts val="1000"/>
-              </a:spcBef>
-              <a:spcAft>
-                <a:spcPts val="0"/>
-              </a:spcAft>
-              <a:buClr>
-                <a:schemeClr val="accent1"/>
-              </a:buClr>
-              <a:buSzPct val="80000"/>
-              <a:buFont typeface="Wingdings 3" charset="2"/>
-              <a:buChar char=""/>
-              <a:defRPr sz="1200" kern="1200">
-                <a:solidFill>
-                  <a:schemeClr val="tx1">
-                    <a:lumMod val="75000"/>
-                    <a:lumOff val="25000"/>
-                  </a:schemeClr>
-                </a:solidFill>
-                <a:latin typeface="+mn-lt"/>
-                <a:ea typeface="+mn-ea"/>
-                <a:cs typeface="+mn-cs"/>
-              </a:defRPr>
-            </a:lvl5pPr>
-            <a:lvl6pPr marL="2514600" indent="-228600" algn="l" defTabSz="457200" rtl="0" eaLnBrk="1" latinLnBrk="0" hangingPunct="1">
-              <a:spcBef>
-                <a:spcPts val="1000"/>
-              </a:spcBef>
-              <a:spcAft>
-                <a:spcPts val="0"/>
-              </a:spcAft>
-              <a:buClr>
-                <a:schemeClr val="accent1"/>
-              </a:buClr>
-              <a:buSzPct val="80000"/>
-              <a:buFont typeface="Wingdings 3" charset="2"/>
-              <a:buChar char=""/>
-              <a:defRPr sz="1200" kern="1200">
-                <a:solidFill>
-                  <a:schemeClr val="tx1">
-                    <a:lumMod val="75000"/>
-                    <a:lumOff val="25000"/>
-                  </a:schemeClr>
-                </a:solidFill>
-                <a:latin typeface="+mn-lt"/>
-                <a:ea typeface="+mn-ea"/>
-                <a:cs typeface="+mn-cs"/>
-              </a:defRPr>
-            </a:lvl6pPr>
-            <a:lvl7pPr marL="2971800" indent="-228600" algn="l" defTabSz="457200" rtl="0" eaLnBrk="1" latinLnBrk="0" hangingPunct="1">
-              <a:spcBef>
-                <a:spcPts val="1000"/>
-              </a:spcBef>
-              <a:spcAft>
-                <a:spcPts val="0"/>
-              </a:spcAft>
-              <a:buClr>
-                <a:schemeClr val="accent1"/>
-              </a:buClr>
-              <a:buSzPct val="80000"/>
-              <a:buFont typeface="Wingdings 3" charset="2"/>
-              <a:buChar char=""/>
-              <a:defRPr sz="1200" kern="1200">
-                <a:solidFill>
-                  <a:schemeClr val="tx1">
-                    <a:lumMod val="75000"/>
-                    <a:lumOff val="25000"/>
-                  </a:schemeClr>
-                </a:solidFill>
-                <a:latin typeface="+mn-lt"/>
-                <a:ea typeface="+mn-ea"/>
-                <a:cs typeface="+mn-cs"/>
-              </a:defRPr>
-            </a:lvl7pPr>
-            <a:lvl8pPr marL="3429000" indent="-228600" algn="l" defTabSz="457200" rtl="0" eaLnBrk="1" latinLnBrk="0" hangingPunct="1">
-              <a:spcBef>
-                <a:spcPts val="1000"/>
-              </a:spcBef>
-              <a:spcAft>
-                <a:spcPts val="0"/>
-              </a:spcAft>
-              <a:buClr>
-                <a:schemeClr val="accent1"/>
-              </a:buClr>
-              <a:buSzPct val="80000"/>
-              <a:buFont typeface="Wingdings 3" charset="2"/>
-              <a:buChar char=""/>
-              <a:defRPr sz="1200" kern="1200">
-                <a:solidFill>
-                  <a:schemeClr val="tx1">
-                    <a:lumMod val="75000"/>
-                    <a:lumOff val="25000"/>
-                  </a:schemeClr>
-                </a:solidFill>
-                <a:latin typeface="+mn-lt"/>
-                <a:ea typeface="+mn-ea"/>
-                <a:cs typeface="+mn-cs"/>
-              </a:defRPr>
-            </a:lvl8pPr>
-            <a:lvl9pPr marL="3886200" indent="-228600" algn="l" defTabSz="457200" rtl="0" eaLnBrk="1" latinLnBrk="0" hangingPunct="1">
-              <a:spcBef>
-                <a:spcPts val="1000"/>
-              </a:spcBef>
-              <a:spcAft>
-                <a:spcPts val="0"/>
-              </a:spcAft>
-              <a:buClr>
-                <a:schemeClr val="accent1"/>
-              </a:buClr>
-              <a:buSzPct val="80000"/>
-              <a:buFont typeface="Wingdings 3" charset="2"/>
-              <a:buChar char=""/>
-              <a:defRPr sz="1200" kern="1200">
-                <a:solidFill>
-                  <a:schemeClr val="tx1">
-                    <a:lumMod val="75000"/>
-                    <a:lumOff val="25000"/>
-                  </a:schemeClr>
-                </a:solidFill>
-                <a:latin typeface="+mn-lt"/>
-                <a:ea typeface="+mn-ea"/>
-                <a:cs typeface="+mn-cs"/>
-              </a:defRPr>
-            </a:lvl9pPr>
-          </a:lstStyle>
-          <a:p>
-            <a:endParaRPr lang="en-GB" sz="2000" dirty="0"/>
-          </a:p>
-        </p:txBody>
-      </p:sp>
-      <p:sp>
-        <p:nvSpPr>
-          <p:cNvPr id="8" name="Text Placeholder 30">
-            <a:extLst>
-              <a:ext uri="{FF2B5EF4-FFF2-40B4-BE49-F238E27FC236}">
-                <a16:creationId xmlns:a16="http://schemas.microsoft.com/office/drawing/2014/main" id="{835F3608-C60A-2A1E-3DFB-EA8DB1CCC6A0}"/>
-              </a:ext>
-            </a:extLst>
-          </p:cNvPr>
-          <p:cNvSpPr txBox="1">
-            <a:spLocks/>
-          </p:cNvSpPr>
-          <p:nvPr/>
-        </p:nvSpPr>
-        <p:spPr>
-          <a:xfrm>
-            <a:off x="4345694" y="1275371"/>
-            <a:ext cx="3343561" cy="666078"/>
-          </a:xfrm>
-          <a:prstGeom prst="rect">
-            <a:avLst/>
-          </a:prstGeom>
-        </p:spPr>
-        <p:txBody>
-          <a:bodyPr vert="horz" lIns="91440" tIns="45720" rIns="91440" bIns="45720" rtlCol="0">
-            <a:normAutofit/>
-          </a:bodyPr>
-          <a:lstStyle>
-            <a:lvl1pPr marL="0" indent="0" algn="ctr" defTabSz="457200" rtl="0" eaLnBrk="1" latinLnBrk="0" hangingPunct="1">
-              <a:spcBef>
-                <a:spcPts val="1000"/>
-              </a:spcBef>
-              <a:spcAft>
-                <a:spcPts val="0"/>
-              </a:spcAft>
-              <a:buClr>
-                <a:schemeClr val="accent1"/>
-              </a:buClr>
-              <a:buSzPct val="80000"/>
-              <a:buFont typeface="Wingdings 3" charset="2"/>
-              <a:buNone/>
-              <a:defRPr lang="en-US" sz="1600" kern="1200" dirty="0" smtClean="0">
-                <a:solidFill>
-                  <a:schemeClr val="tx1"/>
-                </a:solidFill>
-                <a:latin typeface="+mn-lt"/>
-                <a:ea typeface="+mn-ea"/>
-                <a:cs typeface="+mn-cs"/>
-              </a:defRPr>
-            </a:lvl1pPr>
-            <a:lvl2pPr marL="742950" indent="-285750" algn="l" defTabSz="457200" rtl="0" eaLnBrk="1" latinLnBrk="0" hangingPunct="1">
-              <a:spcBef>
-                <a:spcPts val="1000"/>
-              </a:spcBef>
-              <a:spcAft>
-                <a:spcPts val="0"/>
-              </a:spcAft>
-              <a:buClr>
-                <a:schemeClr val="accent1"/>
-              </a:buClr>
-              <a:buSzPct val="80000"/>
-              <a:buFont typeface="Wingdings 3" charset="2"/>
-              <a:buChar char=""/>
-              <a:defRPr sz="1600" kern="1200">
-                <a:solidFill>
-                  <a:schemeClr val="tx1">
-                    <a:lumMod val="75000"/>
-                    <a:lumOff val="25000"/>
-                  </a:schemeClr>
-                </a:solidFill>
-                <a:latin typeface="+mn-lt"/>
-                <a:ea typeface="+mn-ea"/>
-                <a:cs typeface="+mn-cs"/>
-              </a:defRPr>
-            </a:lvl2pPr>
-            <a:lvl3pPr marL="1143000" indent="-228600" algn="l" defTabSz="457200" rtl="0" eaLnBrk="1" latinLnBrk="0" hangingPunct="1">
-              <a:spcBef>
-                <a:spcPts val="1000"/>
-              </a:spcBef>
-              <a:spcAft>
-                <a:spcPts val="0"/>
-              </a:spcAft>
-              <a:buClr>
-                <a:schemeClr val="accent1"/>
-              </a:buClr>
-              <a:buSzPct val="80000"/>
-              <a:buFont typeface="Wingdings 3" charset="2"/>
-              <a:buChar char=""/>
-              <a:defRPr sz="1400" kern="1200">
-                <a:solidFill>
-                  <a:schemeClr val="tx1">
-                    <a:lumMod val="75000"/>
-                    <a:lumOff val="25000"/>
-                  </a:schemeClr>
-                </a:solidFill>
-                <a:latin typeface="+mn-lt"/>
-                <a:ea typeface="+mn-ea"/>
-                <a:cs typeface="+mn-cs"/>
-              </a:defRPr>
-            </a:lvl3pPr>
-            <a:lvl4pPr marL="1600200" indent="-228600" algn="l" defTabSz="457200" rtl="0" eaLnBrk="1" latinLnBrk="0" hangingPunct="1">
-              <a:spcBef>
-                <a:spcPts val="1000"/>
-              </a:spcBef>
-              <a:spcAft>
-                <a:spcPts val="0"/>
-              </a:spcAft>
-              <a:buClr>
-                <a:schemeClr val="accent1"/>
-              </a:buClr>
-              <a:buSzPct val="80000"/>
-              <a:buFont typeface="Wingdings 3" charset="2"/>
-              <a:buChar char=""/>
-              <a:defRPr sz="1200" kern="1200">
-                <a:solidFill>
-                  <a:schemeClr val="tx1">
-                    <a:lumMod val="75000"/>
-                    <a:lumOff val="25000"/>
-                  </a:schemeClr>
-                </a:solidFill>
-                <a:latin typeface="+mn-lt"/>
-                <a:ea typeface="+mn-ea"/>
-                <a:cs typeface="+mn-cs"/>
-              </a:defRPr>
-            </a:lvl4pPr>
-            <a:lvl5pPr marL="2057400" indent="-228600" algn="l" defTabSz="457200" rtl="0" eaLnBrk="1" latinLnBrk="0" hangingPunct="1">
-              <a:spcBef>
-                <a:spcPts val="1000"/>
-              </a:spcBef>
-              <a:spcAft>
-                <a:spcPts val="0"/>
-              </a:spcAft>
-              <a:buClr>
-                <a:schemeClr val="accent1"/>
-              </a:buClr>
-              <a:buSzPct val="80000"/>
-              <a:buFont typeface="Wingdings 3" charset="2"/>
-              <a:buChar char=""/>
-              <a:defRPr sz="1200" kern="1200">
-                <a:solidFill>
-                  <a:schemeClr val="tx1">
-                    <a:lumMod val="75000"/>
-                    <a:lumOff val="25000"/>
-                  </a:schemeClr>
-                </a:solidFill>
-                <a:latin typeface="+mn-lt"/>
-                <a:ea typeface="+mn-ea"/>
-                <a:cs typeface="+mn-cs"/>
-              </a:defRPr>
-            </a:lvl5pPr>
-            <a:lvl6pPr marL="2514600" indent="-228600" algn="l" defTabSz="457200" rtl="0" eaLnBrk="1" latinLnBrk="0" hangingPunct="1">
-              <a:spcBef>
-                <a:spcPts val="1000"/>
-              </a:spcBef>
-              <a:spcAft>
-                <a:spcPts val="0"/>
-              </a:spcAft>
-              <a:buClr>
-                <a:schemeClr val="accent1"/>
-              </a:buClr>
-              <a:buSzPct val="80000"/>
-              <a:buFont typeface="Wingdings 3" charset="2"/>
-              <a:buChar char=""/>
-              <a:defRPr sz="1200" kern="1200">
-                <a:solidFill>
-                  <a:schemeClr val="tx1">
-                    <a:lumMod val="75000"/>
-                    <a:lumOff val="25000"/>
-                  </a:schemeClr>
-                </a:solidFill>
-                <a:latin typeface="+mn-lt"/>
-                <a:ea typeface="+mn-ea"/>
-                <a:cs typeface="+mn-cs"/>
-              </a:defRPr>
-            </a:lvl6pPr>
-            <a:lvl7pPr marL="2971800" indent="-228600" algn="l" defTabSz="457200" rtl="0" eaLnBrk="1" latinLnBrk="0" hangingPunct="1">
-              <a:spcBef>
-                <a:spcPts val="1000"/>
-              </a:spcBef>
-              <a:spcAft>
-                <a:spcPts val="0"/>
-              </a:spcAft>
-              <a:buClr>
-                <a:schemeClr val="accent1"/>
-              </a:buClr>
-              <a:buSzPct val="80000"/>
-              <a:buFont typeface="Wingdings 3" charset="2"/>
-              <a:buChar char=""/>
-              <a:defRPr sz="1200" kern="1200">
-                <a:solidFill>
-                  <a:schemeClr val="tx1">
-                    <a:lumMod val="75000"/>
-                    <a:lumOff val="25000"/>
-                  </a:schemeClr>
-                </a:solidFill>
-                <a:latin typeface="+mn-lt"/>
-                <a:ea typeface="+mn-ea"/>
-                <a:cs typeface="+mn-cs"/>
-              </a:defRPr>
-            </a:lvl7pPr>
-            <a:lvl8pPr marL="3429000" indent="-228600" algn="l" defTabSz="457200" rtl="0" eaLnBrk="1" latinLnBrk="0" hangingPunct="1">
-              <a:spcBef>
-                <a:spcPts val="1000"/>
-              </a:spcBef>
-              <a:spcAft>
-                <a:spcPts val="0"/>
-              </a:spcAft>
-              <a:buClr>
-                <a:schemeClr val="accent1"/>
-              </a:buClr>
-              <a:buSzPct val="80000"/>
-              <a:buFont typeface="Wingdings 3" charset="2"/>
-              <a:buChar char=""/>
-              <a:defRPr sz="1200" kern="1200">
-                <a:solidFill>
-                  <a:schemeClr val="tx1">
-                    <a:lumMod val="75000"/>
-                    <a:lumOff val="25000"/>
-                  </a:schemeClr>
-                </a:solidFill>
-                <a:latin typeface="+mn-lt"/>
-                <a:ea typeface="+mn-ea"/>
-                <a:cs typeface="+mn-cs"/>
-              </a:defRPr>
-            </a:lvl8pPr>
-            <a:lvl9pPr marL="3886200" indent="-228600" algn="l" defTabSz="457200" rtl="0" eaLnBrk="1" latinLnBrk="0" hangingPunct="1">
-              <a:spcBef>
-                <a:spcPts val="1000"/>
-              </a:spcBef>
-              <a:spcAft>
-                <a:spcPts val="0"/>
-              </a:spcAft>
-              <a:buClr>
-                <a:schemeClr val="accent1"/>
-              </a:buClr>
-              <a:buSzPct val="80000"/>
-              <a:buFont typeface="Wingdings 3" charset="2"/>
-              <a:buChar char=""/>
-              <a:defRPr sz="1200" kern="1200">
-                <a:solidFill>
-                  <a:schemeClr val="tx1">
-                    <a:lumMod val="75000"/>
-                    <a:lumOff val="25000"/>
-                  </a:schemeClr>
-                </a:solidFill>
-                <a:latin typeface="+mn-lt"/>
-                <a:ea typeface="+mn-ea"/>
-                <a:cs typeface="+mn-cs"/>
-              </a:defRPr>
-            </a:lvl9pPr>
-          </a:lstStyle>
-          <a:p>
-            <a:endParaRPr lang="en-GB" sz="2000" dirty="0"/>
-          </a:p>
-        </p:txBody>
-      </p:sp>
-      <p:sp>
-        <p:nvSpPr>
-          <p:cNvPr id="10" name="Text Placeholder 1">
-            <a:extLst>
-              <a:ext uri="{FF2B5EF4-FFF2-40B4-BE49-F238E27FC236}">
-                <a16:creationId xmlns:a16="http://schemas.microsoft.com/office/drawing/2014/main" id="{1D88BCCE-E0FA-773D-BC82-D998437674AE}"/>
-              </a:ext>
-            </a:extLst>
-          </p:cNvPr>
-          <p:cNvSpPr>
-            <a:spLocks noGrp="1"/>
-          </p:cNvSpPr>
-          <p:nvPr>
-            <p:ph type="body" sz="quarter" idx="12"/>
-          </p:nvPr>
-        </p:nvSpPr>
-        <p:spPr>
-          <a:xfrm>
-            <a:off x="675957" y="815506"/>
-            <a:ext cx="4055841" cy="5487640"/>
-          </a:xfrm>
-        </p:spPr>
-        <p:txBody>
-          <a:bodyPr>
-            <a:noAutofit/>
-          </a:bodyPr>
-          <a:lstStyle/>
-          <a:p>
-            <a:pPr marL="0" indent="0">
-              <a:buNone/>
-            </a:pPr>
-            <a:r>
-              <a:rPr lang="en-US" dirty="0"/>
-              <a:t>Identify the segment with the highest profit and sales.</a:t>
-            </a:r>
-          </a:p>
-          <a:p>
-            <a:pPr marL="0" indent="0">
-              <a:buNone/>
-            </a:pPr>
-            <a:endParaRPr lang="en-US" dirty="0"/>
-          </a:p>
-          <a:p>
-            <a:pPr marL="0" lvl="0" indent="0">
-              <a:buClr>
-                <a:srgbClr val="2E946B"/>
-              </a:buClr>
-              <a:buNone/>
-            </a:pPr>
-            <a:r>
-              <a:rPr lang="en-US" b="1" u="sng" dirty="0">
-                <a:solidFill>
-                  <a:prstClr val="black">
-                    <a:lumMod val="75000"/>
-                    <a:lumOff val="25000"/>
-                  </a:prstClr>
-                </a:solidFill>
-              </a:rPr>
-              <a:t>Insight</a:t>
-            </a:r>
-          </a:p>
-          <a:p>
-            <a:pPr>
-              <a:buClr>
-                <a:srgbClr val="2E946B"/>
-              </a:buClr>
-            </a:pPr>
-            <a:r>
-              <a:rPr lang="en-US" dirty="0">
-                <a:solidFill>
-                  <a:prstClr val="black">
-                    <a:lumMod val="75000"/>
-                    <a:lumOff val="25000"/>
-                  </a:prstClr>
-                </a:solidFill>
-              </a:rPr>
-              <a:t>Consumer segment has the highest profit and sales.</a:t>
-            </a:r>
-          </a:p>
-          <a:p>
-            <a:pPr>
-              <a:buClr>
-                <a:srgbClr val="2E946B"/>
-              </a:buClr>
-            </a:pPr>
-            <a:r>
-              <a:rPr lang="en-US" dirty="0">
-                <a:solidFill>
-                  <a:prstClr val="black">
-                    <a:lumMod val="75000"/>
-                    <a:lumOff val="25000"/>
-                  </a:prstClr>
-                </a:solidFill>
-              </a:rPr>
-              <a:t>As the differences between the profit and sales segments are less, it shows a good </a:t>
-            </a:r>
-            <a:r>
-              <a:rPr lang="en-US" dirty="0"/>
-              <a:t>healthy balance between profitability and sales performance.</a:t>
-            </a:r>
-            <a:r>
-              <a:rPr lang="en-US" dirty="0">
-                <a:solidFill>
-                  <a:prstClr val="black">
-                    <a:lumMod val="75000"/>
-                    <a:lumOff val="25000"/>
-                  </a:prstClr>
-                </a:solidFill>
-              </a:rPr>
-              <a:t> </a:t>
-            </a:r>
-          </a:p>
-          <a:p>
-            <a:pPr>
-              <a:buClr>
-                <a:srgbClr val="2E946B"/>
-              </a:buClr>
-            </a:pPr>
-            <a:endParaRPr lang="en-US" dirty="0">
-              <a:solidFill>
-                <a:prstClr val="black">
-                  <a:lumMod val="75000"/>
-                  <a:lumOff val="25000"/>
-                </a:prstClr>
-              </a:solidFill>
-            </a:endParaRPr>
-          </a:p>
-          <a:p>
-            <a:pPr>
-              <a:buClr>
-                <a:srgbClr val="2E946B"/>
-              </a:buClr>
-            </a:pPr>
-            <a:endParaRPr lang="en-US" dirty="0">
-              <a:solidFill>
-                <a:prstClr val="black">
-                  <a:lumMod val="75000"/>
-                  <a:lumOff val="25000"/>
-                </a:prstClr>
-              </a:solidFill>
-            </a:endParaRPr>
-          </a:p>
-          <a:p>
-            <a:pPr>
-              <a:buClr>
-                <a:srgbClr val="2E946B"/>
-              </a:buClr>
-            </a:pPr>
-            <a:endParaRPr lang="en-US" dirty="0">
-              <a:solidFill>
-                <a:prstClr val="black">
-                  <a:lumMod val="75000"/>
-                  <a:lumOff val="25000"/>
-                </a:prstClr>
-              </a:solidFill>
-            </a:endParaRPr>
-          </a:p>
-        </p:txBody>
-      </p:sp>
-      <p:pic>
-        <p:nvPicPr>
-          <p:cNvPr id="3" name="Picture 2">
-            <a:extLst>
-              <a:ext uri="{FF2B5EF4-FFF2-40B4-BE49-F238E27FC236}">
-                <a16:creationId xmlns:a16="http://schemas.microsoft.com/office/drawing/2014/main" id="{9117F147-8AA9-024C-7FBA-AC5EE37B3491}"/>
-              </a:ext>
-            </a:extLst>
-          </p:cNvPr>
-          <p:cNvPicPr>
-            <a:picLocks noChangeAspect="1"/>
-          </p:cNvPicPr>
-          <p:nvPr/>
-        </p:nvPicPr>
-        <p:blipFill rotWithShape="1">
-          <a:blip r:embed="rId3"/>
-          <a:srcRect l="20610" r="13937"/>
-          <a:stretch/>
-        </p:blipFill>
-        <p:spPr>
-          <a:xfrm>
-            <a:off x="5178089" y="56562"/>
-            <a:ext cx="4784230" cy="3372438"/>
-          </a:xfrm>
-          <a:prstGeom prst="rect">
-            <a:avLst/>
-          </a:prstGeom>
-        </p:spPr>
-      </p:pic>
-      <p:pic>
-        <p:nvPicPr>
-          <p:cNvPr id="9" name="Picture 8">
-            <a:extLst>
-              <a:ext uri="{FF2B5EF4-FFF2-40B4-BE49-F238E27FC236}">
-                <a16:creationId xmlns:a16="http://schemas.microsoft.com/office/drawing/2014/main" id="{DD884D85-8838-28F1-B21B-068EB0BFB4FF}"/>
-              </a:ext>
-            </a:extLst>
-          </p:cNvPr>
-          <p:cNvPicPr>
-            <a:picLocks noChangeAspect="1"/>
-          </p:cNvPicPr>
-          <p:nvPr/>
-        </p:nvPicPr>
-        <p:blipFill rotWithShape="1">
-          <a:blip r:embed="rId4"/>
-          <a:srcRect l="22075" r="17150"/>
-          <a:stretch/>
-        </p:blipFill>
-        <p:spPr>
-          <a:xfrm>
-            <a:off x="7570204" y="3429000"/>
-            <a:ext cx="4578338" cy="3372438"/>
-          </a:xfrm>
-          <a:prstGeom prst="rect">
-            <a:avLst/>
-          </a:prstGeom>
-        </p:spPr>
-      </p:pic>
-    </p:spTree>
-    <p:extLst>
-      <p:ext uri="{BB962C8B-B14F-4D97-AF65-F5344CB8AC3E}">
-        <p14:creationId xmlns:p14="http://schemas.microsoft.com/office/powerpoint/2010/main" val="1421595415"/>
-      </p:ext>
-    </p:extLst>
-  </p:cSld>
-  <p:clrMapOvr>
-    <a:masterClrMapping/>
-  </p:clrMapOvr>
-  <p:timing>
-    <p:tnLst>
-      <p:par>
-        <p:cTn id="1" dur="indefinite" restart="never" nodeType="tmRoot">
-          <p:childTnLst>
-            <p:seq concurrent="1" nextAc="seek">
-              <p:cTn id="2" dur="indefinite" nodeType="mainSeq">
-                <p:childTnLst>
-                  <p:par>
-                    <p:cTn id="3" fill="hold">
-                      <p:stCondLst>
-                        <p:cond delay="indefinite"/>
-                      </p:stCondLst>
-                      <p:childTnLst>
-                        <p:par>
-                          <p:cTn id="4" fill="hold">
-                            <p:stCondLst>
-                              <p:cond delay="0"/>
-                            </p:stCondLst>
-                            <p:childTnLst>
-                              <p:par>
-                                <p:cTn id="5" presetID="42" presetClass="entr" presetSubtype="0" fill="hold" grpId="0" nodeType="clickEffect">
-                                  <p:stCondLst>
-                                    <p:cond delay="0"/>
-                                  </p:stCondLst>
-                                  <p:childTnLst>
-                                    <p:set>
-                                      <p:cBhvr>
-                                        <p:cTn id="6" dur="1" fill="hold">
-                                          <p:stCondLst>
-                                            <p:cond delay="0"/>
-                                          </p:stCondLst>
-                                        </p:cTn>
-                                        <p:tgtEl>
-                                          <p:spTgt spid="4"/>
-                                        </p:tgtEl>
-                                        <p:attrNameLst>
-                                          <p:attrName>style.visibility</p:attrName>
-                                        </p:attrNameLst>
-                                      </p:cBhvr>
-                                      <p:to>
-                                        <p:strVal val="visible"/>
-                                      </p:to>
-                                    </p:set>
-                                    <p:animEffect transition="in" filter="fade">
-                                      <p:cBhvr>
-                                        <p:cTn id="7" dur="1000"/>
-                                        <p:tgtEl>
-                                          <p:spTgt spid="4"/>
-                                        </p:tgtEl>
-                                      </p:cBhvr>
-                                    </p:animEffect>
-                                    <p:anim calcmode="lin" valueType="num">
-                                      <p:cBhvr>
-                                        <p:cTn id="8" dur="1000" fill="hold"/>
-                                        <p:tgtEl>
-                                          <p:spTgt spid="4"/>
-                                        </p:tgtEl>
-                                        <p:attrNameLst>
-                                          <p:attrName>ppt_x</p:attrName>
-                                        </p:attrNameLst>
-                                      </p:cBhvr>
-                                      <p:tavLst>
-                                        <p:tav tm="0">
-                                          <p:val>
-                                            <p:strVal val="#ppt_x"/>
-                                          </p:val>
-                                        </p:tav>
-                                        <p:tav tm="100000">
-                                          <p:val>
-                                            <p:strVal val="#ppt_x"/>
-                                          </p:val>
-                                        </p:tav>
-                                      </p:tavLst>
-                                    </p:anim>
-                                    <p:anim calcmode="lin" valueType="num">
-                                      <p:cBhvr>
-                                        <p:cTn id="9" dur="1000" fill="hold"/>
-                                        <p:tgtEl>
-                                          <p:spTgt spid="4"/>
-                                        </p:tgtEl>
-                                        <p:attrNameLst>
-                                          <p:attrName>ppt_y</p:attrName>
-                                        </p:attrNameLst>
-                                      </p:cBhvr>
-                                      <p:tavLst>
-                                        <p:tav tm="0">
-                                          <p:val>
-                                            <p:strVal val="#ppt_y+.1"/>
-                                          </p:val>
-                                        </p:tav>
-                                        <p:tav tm="100000">
-                                          <p:val>
-                                            <p:strVal val="#ppt_y"/>
-                                          </p:val>
-                                        </p:tav>
-                                      </p:tavLst>
-                                    </p:anim>
-                                  </p:childTnLst>
-                                </p:cTn>
-                              </p:par>
-                            </p:childTnLst>
-                          </p:cTn>
-                        </p:par>
-                      </p:childTnLst>
-                    </p:cTn>
-                  </p:par>
-                  <p:par>
-                    <p:cTn id="10" fill="hold">
-                      <p:stCondLst>
-                        <p:cond delay="indefinite"/>
-                      </p:stCondLst>
-                      <p:childTnLst>
-                        <p:par>
-                          <p:cTn id="11" fill="hold">
-                            <p:stCondLst>
-                              <p:cond delay="0"/>
-                            </p:stCondLst>
-                            <p:childTnLst>
-                              <p:par>
-                                <p:cTn id="12" presetID="42" presetClass="entr" presetSubtype="0" fill="hold" grpId="0" nodeType="clickEffect" nodePh="1">
-                                  <p:stCondLst>
-                                    <p:cond delay="0"/>
-                                  </p:stCondLst>
-                                  <p:endCondLst>
-                                    <p:cond evt="begin" delay="0">
-                                      <p:tn val="12"/>
-                                    </p:cond>
-                                  </p:endCondLst>
-                                  <p:childTnLst>
-                                    <p:set>
-                                      <p:cBhvr>
-                                        <p:cTn id="13" dur="1" fill="hold">
-                                          <p:stCondLst>
-                                            <p:cond delay="0"/>
-                                          </p:stCondLst>
-                                        </p:cTn>
-                                        <p:tgtEl>
-                                          <p:spTgt spid="7"/>
-                                        </p:tgtEl>
-                                        <p:attrNameLst>
-                                          <p:attrName>style.visibility</p:attrName>
-                                        </p:attrNameLst>
-                                      </p:cBhvr>
-                                      <p:to>
-                                        <p:strVal val="visible"/>
-                                      </p:to>
-                                    </p:set>
-                                    <p:animEffect transition="in" filter="fade">
-                                      <p:cBhvr>
-                                        <p:cTn id="14" dur="1000"/>
-                                        <p:tgtEl>
-                                          <p:spTgt spid="7"/>
-                                        </p:tgtEl>
-                                      </p:cBhvr>
-                                    </p:animEffect>
-                                    <p:anim calcmode="lin" valueType="num">
-                                      <p:cBhvr>
-                                        <p:cTn id="15" dur="1000" fill="hold"/>
-                                        <p:tgtEl>
-                                          <p:spTgt spid="7"/>
-                                        </p:tgtEl>
-                                        <p:attrNameLst>
-                                          <p:attrName>ppt_x</p:attrName>
-                                        </p:attrNameLst>
-                                      </p:cBhvr>
-                                      <p:tavLst>
-                                        <p:tav tm="0">
-                                          <p:val>
-                                            <p:strVal val="#ppt_x"/>
-                                          </p:val>
-                                        </p:tav>
-                                        <p:tav tm="100000">
-                                          <p:val>
-                                            <p:strVal val="#ppt_x"/>
-                                          </p:val>
-                                        </p:tav>
-                                      </p:tavLst>
-                                    </p:anim>
-                                    <p:anim calcmode="lin" valueType="num">
-                                      <p:cBhvr>
-                                        <p:cTn id="16" dur="1000" fill="hold"/>
-                                        <p:tgtEl>
-                                          <p:spTgt spid="7"/>
-                                        </p:tgtEl>
-                                        <p:attrNameLst>
-                                          <p:attrName>ppt_y</p:attrName>
-                                        </p:attrNameLst>
-                                      </p:cBhvr>
-                                      <p:tavLst>
-                                        <p:tav tm="0">
-                                          <p:val>
-                                            <p:strVal val="#ppt_y+.1"/>
-                                          </p:val>
-                                        </p:tav>
-                                        <p:tav tm="100000">
-                                          <p:val>
-                                            <p:strVal val="#ppt_y"/>
-                                          </p:val>
-                                        </p:tav>
-                                      </p:tavLst>
-                                    </p:anim>
-                                  </p:childTnLst>
-                                </p:cTn>
-                              </p:par>
-                            </p:childTnLst>
-                          </p:cTn>
-                        </p:par>
-                      </p:childTnLst>
-                    </p:cTn>
-                  </p:par>
-                  <p:par>
-                    <p:cTn id="17" fill="hold">
-                      <p:stCondLst>
-                        <p:cond delay="indefinite"/>
-                      </p:stCondLst>
-                      <p:childTnLst>
-                        <p:par>
-                          <p:cTn id="18" fill="hold">
-                            <p:stCondLst>
-                              <p:cond delay="0"/>
-                            </p:stCondLst>
-                            <p:childTnLst>
-                              <p:par>
-                                <p:cTn id="19" presetID="42" presetClass="entr" presetSubtype="0" fill="hold" grpId="0" nodeType="clickEffect" nodePh="1">
-                                  <p:stCondLst>
-                                    <p:cond delay="0"/>
-                                  </p:stCondLst>
-                                  <p:endCondLst>
-                                    <p:cond evt="begin" delay="0">
-                                      <p:tn val="19"/>
-                                    </p:cond>
-                                  </p:endCondLst>
-                                  <p:childTnLst>
-                                    <p:set>
-                                      <p:cBhvr>
-                                        <p:cTn id="20" dur="1" fill="hold">
-                                          <p:stCondLst>
-                                            <p:cond delay="0"/>
-                                          </p:stCondLst>
-                                        </p:cTn>
-                                        <p:tgtEl>
-                                          <p:spTgt spid="8"/>
-                                        </p:tgtEl>
-                                        <p:attrNameLst>
-                                          <p:attrName>style.visibility</p:attrName>
-                                        </p:attrNameLst>
-                                      </p:cBhvr>
-                                      <p:to>
-                                        <p:strVal val="visible"/>
-                                      </p:to>
-                                    </p:set>
-                                    <p:animEffect transition="in" filter="fade">
-                                      <p:cBhvr>
-                                        <p:cTn id="21" dur="1000"/>
-                                        <p:tgtEl>
-                                          <p:spTgt spid="8"/>
-                                        </p:tgtEl>
-                                      </p:cBhvr>
-                                    </p:animEffect>
-                                    <p:anim calcmode="lin" valueType="num">
-                                      <p:cBhvr>
-                                        <p:cTn id="22" dur="1000" fill="hold"/>
-                                        <p:tgtEl>
-                                          <p:spTgt spid="8"/>
-                                        </p:tgtEl>
-                                        <p:attrNameLst>
-                                          <p:attrName>ppt_x</p:attrName>
-                                        </p:attrNameLst>
-                                      </p:cBhvr>
-                                      <p:tavLst>
-                                        <p:tav tm="0">
-                                          <p:val>
-                                            <p:strVal val="#ppt_x"/>
-                                          </p:val>
-                                        </p:tav>
-                                        <p:tav tm="100000">
-                                          <p:val>
-                                            <p:strVal val="#ppt_x"/>
-                                          </p:val>
-                                        </p:tav>
-                                      </p:tavLst>
-                                    </p:anim>
-                                    <p:anim calcmode="lin" valueType="num">
-                                      <p:cBhvr>
-                                        <p:cTn id="23" dur="1000" fill="hold"/>
-                                        <p:tgtEl>
-                                          <p:spTgt spid="8"/>
-                                        </p:tgtEl>
-                                        <p:attrNameLst>
-                                          <p:attrName>ppt_y</p:attrName>
-                                        </p:attrNameLst>
-                                      </p:cBhvr>
-                                      <p:tavLst>
-                                        <p:tav tm="0">
-                                          <p:val>
-                                            <p:strVal val="#ppt_y+.1"/>
-                                          </p:val>
-                                        </p:tav>
-                                        <p:tav tm="100000">
-                                          <p:val>
-                                            <p:strVal val="#ppt_y"/>
-                                          </p:val>
-                                        </p:tav>
-                                      </p:tavLst>
-                                    </p:anim>
-                                  </p:childTnLst>
-                                </p:cTn>
-                              </p:par>
-                              <p:par>
-                                <p:cTn id="24" presetID="42" presetClass="entr" presetSubtype="0" fill="hold" grpId="0" nodeType="withEffect">
-                                  <p:stCondLst>
-                                    <p:cond delay="0"/>
-                                  </p:stCondLst>
-                                  <p:childTnLst>
-                                    <p:set>
-                                      <p:cBhvr>
-                                        <p:cTn id="25" dur="1" fill="hold">
-                                          <p:stCondLst>
-                                            <p:cond delay="0"/>
-                                          </p:stCondLst>
-                                        </p:cTn>
-                                        <p:tgtEl>
-                                          <p:spTgt spid="10">
-                                            <p:txEl>
-                                              <p:pRg st="0" end="0"/>
-                                            </p:txEl>
-                                          </p:spTgt>
-                                        </p:tgtEl>
-                                        <p:attrNameLst>
-                                          <p:attrName>style.visibility</p:attrName>
-                                        </p:attrNameLst>
-                                      </p:cBhvr>
-                                      <p:to>
-                                        <p:strVal val="visible"/>
-                                      </p:to>
-                                    </p:set>
-                                    <p:animEffect transition="in" filter="fade">
-                                      <p:cBhvr>
-                                        <p:cTn id="26" dur="1000"/>
-                                        <p:tgtEl>
-                                          <p:spTgt spid="10">
-                                            <p:txEl>
-                                              <p:pRg st="0" end="0"/>
-                                            </p:txEl>
-                                          </p:spTgt>
-                                        </p:tgtEl>
-                                      </p:cBhvr>
-                                    </p:animEffect>
-                                    <p:anim calcmode="lin" valueType="num">
-                                      <p:cBhvr>
-                                        <p:cTn id="27" dur="1000" fill="hold"/>
-                                        <p:tgtEl>
-                                          <p:spTgt spid="10">
-                                            <p:txEl>
-                                              <p:pRg st="0" end="0"/>
-                                            </p:txEl>
-                                          </p:spTgt>
-                                        </p:tgtEl>
-                                        <p:attrNameLst>
-                                          <p:attrName>ppt_x</p:attrName>
-                                        </p:attrNameLst>
-                                      </p:cBhvr>
-                                      <p:tavLst>
-                                        <p:tav tm="0">
-                                          <p:val>
-                                            <p:strVal val="#ppt_x"/>
-                                          </p:val>
-                                        </p:tav>
-                                        <p:tav tm="100000">
-                                          <p:val>
-                                            <p:strVal val="#ppt_x"/>
-                                          </p:val>
-                                        </p:tav>
-                                      </p:tavLst>
-                                    </p:anim>
-                                    <p:anim calcmode="lin" valueType="num">
-                                      <p:cBhvr>
-                                        <p:cTn id="28" dur="1000" fill="hold"/>
-                                        <p:tgtEl>
-                                          <p:spTgt spid="10">
-                                            <p:txEl>
-                                              <p:pRg st="0" end="0"/>
-                                            </p:txEl>
-                                          </p:spTgt>
-                                        </p:tgtEl>
-                                        <p:attrNameLst>
-                                          <p:attrName>ppt_y</p:attrName>
-                                        </p:attrNameLst>
-                                      </p:cBhvr>
-                                      <p:tavLst>
-                                        <p:tav tm="0">
-                                          <p:val>
-                                            <p:strVal val="#ppt_y+.1"/>
-                                          </p:val>
-                                        </p:tav>
-                                        <p:tav tm="100000">
-                                          <p:val>
-                                            <p:strVal val="#ppt_y"/>
-                                          </p:val>
-                                        </p:tav>
-                                      </p:tavLst>
-                                    </p:anim>
-                                  </p:childTnLst>
-                                </p:cTn>
-                              </p:par>
-                            </p:childTnLst>
-                          </p:cTn>
-                        </p:par>
-                      </p:childTnLst>
-                    </p:cTn>
-                  </p:par>
-                  <p:par>
-                    <p:cTn id="29" fill="hold">
-                      <p:stCondLst>
-                        <p:cond delay="indefinite"/>
-                      </p:stCondLst>
-                      <p:childTnLst>
-                        <p:par>
-                          <p:cTn id="30" fill="hold">
-                            <p:stCondLst>
-                              <p:cond delay="0"/>
-                            </p:stCondLst>
-                            <p:childTnLst>
-                              <p:par>
-                                <p:cTn id="31" presetID="42" presetClass="entr" presetSubtype="0" fill="hold" grpId="0" nodeType="clickEffect">
-                                  <p:stCondLst>
-                                    <p:cond delay="0"/>
-                                  </p:stCondLst>
-                                  <p:childTnLst>
-                                    <p:set>
-                                      <p:cBhvr>
-                                        <p:cTn id="32" dur="1" fill="hold">
-                                          <p:stCondLst>
-                                            <p:cond delay="0"/>
-                                          </p:stCondLst>
-                                        </p:cTn>
-                                        <p:tgtEl>
-                                          <p:spTgt spid="10">
-                                            <p:txEl>
-                                              <p:pRg st="2" end="2"/>
-                                            </p:txEl>
-                                          </p:spTgt>
-                                        </p:tgtEl>
-                                        <p:attrNameLst>
-                                          <p:attrName>style.visibility</p:attrName>
-                                        </p:attrNameLst>
-                                      </p:cBhvr>
-                                      <p:to>
-                                        <p:strVal val="visible"/>
-                                      </p:to>
-                                    </p:set>
-                                    <p:animEffect transition="in" filter="fade">
-                                      <p:cBhvr>
-                                        <p:cTn id="33" dur="1000"/>
-                                        <p:tgtEl>
-                                          <p:spTgt spid="10">
-                                            <p:txEl>
-                                              <p:pRg st="2" end="2"/>
-                                            </p:txEl>
-                                          </p:spTgt>
-                                        </p:tgtEl>
-                                      </p:cBhvr>
-                                    </p:animEffect>
-                                    <p:anim calcmode="lin" valueType="num">
-                                      <p:cBhvr>
-                                        <p:cTn id="34" dur="1000" fill="hold"/>
-                                        <p:tgtEl>
-                                          <p:spTgt spid="10">
-                                            <p:txEl>
-                                              <p:pRg st="2" end="2"/>
-                                            </p:txEl>
-                                          </p:spTgt>
-                                        </p:tgtEl>
-                                        <p:attrNameLst>
-                                          <p:attrName>ppt_x</p:attrName>
-                                        </p:attrNameLst>
-                                      </p:cBhvr>
-                                      <p:tavLst>
-                                        <p:tav tm="0">
-                                          <p:val>
-                                            <p:strVal val="#ppt_x"/>
-                                          </p:val>
-                                        </p:tav>
-                                        <p:tav tm="100000">
-                                          <p:val>
-                                            <p:strVal val="#ppt_x"/>
-                                          </p:val>
-                                        </p:tav>
-                                      </p:tavLst>
-                                    </p:anim>
-                                    <p:anim calcmode="lin" valueType="num">
-                                      <p:cBhvr>
-                                        <p:cTn id="35" dur="1000" fill="hold"/>
-                                        <p:tgtEl>
-                                          <p:spTgt spid="10">
-                                            <p:txEl>
-                                              <p:pRg st="2" end="2"/>
-                                            </p:txEl>
-                                          </p:spTgt>
-                                        </p:tgtEl>
-                                        <p:attrNameLst>
-                                          <p:attrName>ppt_y</p:attrName>
-                                        </p:attrNameLst>
-                                      </p:cBhvr>
-                                      <p:tavLst>
-                                        <p:tav tm="0">
-                                          <p:val>
-                                            <p:strVal val="#ppt_y+.1"/>
-                                          </p:val>
-                                        </p:tav>
-                                        <p:tav tm="100000">
-                                          <p:val>
-                                            <p:strVal val="#ppt_y"/>
-                                          </p:val>
-                                        </p:tav>
-                                      </p:tavLst>
-                                    </p:anim>
-                                  </p:childTnLst>
-                                </p:cTn>
-                              </p:par>
-                            </p:childTnLst>
-                          </p:cTn>
-                        </p:par>
-                      </p:childTnLst>
-                    </p:cTn>
-                  </p:par>
-                  <p:par>
-                    <p:cTn id="36" fill="hold">
-                      <p:stCondLst>
-                        <p:cond delay="indefinite"/>
-                      </p:stCondLst>
-                      <p:childTnLst>
-                        <p:par>
-                          <p:cTn id="37" fill="hold">
-                            <p:stCondLst>
-                              <p:cond delay="0"/>
-                            </p:stCondLst>
-                            <p:childTnLst>
-                              <p:par>
-                                <p:cTn id="38" presetID="42" presetClass="entr" presetSubtype="0" fill="hold" grpId="0" nodeType="clickEffect">
-                                  <p:stCondLst>
-                                    <p:cond delay="0"/>
-                                  </p:stCondLst>
-                                  <p:childTnLst>
-                                    <p:set>
-                                      <p:cBhvr>
-                                        <p:cTn id="39" dur="1" fill="hold">
-                                          <p:stCondLst>
-                                            <p:cond delay="0"/>
-                                          </p:stCondLst>
-                                        </p:cTn>
-                                        <p:tgtEl>
-                                          <p:spTgt spid="10">
-                                            <p:txEl>
-                                              <p:pRg st="3" end="3"/>
-                                            </p:txEl>
-                                          </p:spTgt>
-                                        </p:tgtEl>
-                                        <p:attrNameLst>
-                                          <p:attrName>style.visibility</p:attrName>
-                                        </p:attrNameLst>
-                                      </p:cBhvr>
-                                      <p:to>
-                                        <p:strVal val="visible"/>
-                                      </p:to>
-                                    </p:set>
-                                    <p:animEffect transition="in" filter="fade">
-                                      <p:cBhvr>
-                                        <p:cTn id="40" dur="1000"/>
-                                        <p:tgtEl>
-                                          <p:spTgt spid="10">
-                                            <p:txEl>
-                                              <p:pRg st="3" end="3"/>
-                                            </p:txEl>
-                                          </p:spTgt>
-                                        </p:tgtEl>
-                                      </p:cBhvr>
-                                    </p:animEffect>
-                                    <p:anim calcmode="lin" valueType="num">
-                                      <p:cBhvr>
-                                        <p:cTn id="41" dur="1000" fill="hold"/>
-                                        <p:tgtEl>
-                                          <p:spTgt spid="10">
-                                            <p:txEl>
-                                              <p:pRg st="3" end="3"/>
-                                            </p:txEl>
-                                          </p:spTgt>
-                                        </p:tgtEl>
-                                        <p:attrNameLst>
-                                          <p:attrName>ppt_x</p:attrName>
-                                        </p:attrNameLst>
-                                      </p:cBhvr>
-                                      <p:tavLst>
-                                        <p:tav tm="0">
-                                          <p:val>
-                                            <p:strVal val="#ppt_x"/>
-                                          </p:val>
-                                        </p:tav>
-                                        <p:tav tm="100000">
-                                          <p:val>
-                                            <p:strVal val="#ppt_x"/>
-                                          </p:val>
-                                        </p:tav>
-                                      </p:tavLst>
-                                    </p:anim>
-                                    <p:anim calcmode="lin" valueType="num">
-                                      <p:cBhvr>
-                                        <p:cTn id="42" dur="1000" fill="hold"/>
-                                        <p:tgtEl>
-                                          <p:spTgt spid="10">
-                                            <p:txEl>
-                                              <p:pRg st="3" end="3"/>
-                                            </p:txEl>
-                                          </p:spTgt>
-                                        </p:tgtEl>
-                                        <p:attrNameLst>
-                                          <p:attrName>ppt_y</p:attrName>
-                                        </p:attrNameLst>
-                                      </p:cBhvr>
-                                      <p:tavLst>
-                                        <p:tav tm="0">
-                                          <p:val>
-                                            <p:strVal val="#ppt_y+.1"/>
-                                          </p:val>
-                                        </p:tav>
-                                        <p:tav tm="100000">
-                                          <p:val>
-                                            <p:strVal val="#ppt_y"/>
-                                          </p:val>
-                                        </p:tav>
-                                      </p:tavLst>
-                                    </p:anim>
-                                  </p:childTnLst>
-                                </p:cTn>
-                              </p:par>
-                            </p:childTnLst>
-                          </p:cTn>
-                        </p:par>
-                      </p:childTnLst>
-                    </p:cTn>
-                  </p:par>
-                  <p:par>
-                    <p:cTn id="43" fill="hold">
-                      <p:stCondLst>
-                        <p:cond delay="indefinite"/>
-                      </p:stCondLst>
-                      <p:childTnLst>
-                        <p:par>
-                          <p:cTn id="44" fill="hold">
-                            <p:stCondLst>
-                              <p:cond delay="0"/>
-                            </p:stCondLst>
-                            <p:childTnLst>
-                              <p:par>
-                                <p:cTn id="45" presetID="42" presetClass="entr" presetSubtype="0" fill="hold" grpId="0" nodeType="clickEffect">
-                                  <p:stCondLst>
-                                    <p:cond delay="0"/>
-                                  </p:stCondLst>
-                                  <p:childTnLst>
-                                    <p:set>
-                                      <p:cBhvr>
-                                        <p:cTn id="46" dur="1" fill="hold">
-                                          <p:stCondLst>
-                                            <p:cond delay="0"/>
-                                          </p:stCondLst>
-                                        </p:cTn>
-                                        <p:tgtEl>
-                                          <p:spTgt spid="10">
-                                            <p:txEl>
-                                              <p:pRg st="4" end="4"/>
-                                            </p:txEl>
-                                          </p:spTgt>
-                                        </p:tgtEl>
-                                        <p:attrNameLst>
-                                          <p:attrName>style.visibility</p:attrName>
-                                        </p:attrNameLst>
-                                      </p:cBhvr>
-                                      <p:to>
-                                        <p:strVal val="visible"/>
-                                      </p:to>
-                                    </p:set>
-                                    <p:animEffect transition="in" filter="fade">
-                                      <p:cBhvr>
-                                        <p:cTn id="47" dur="1000"/>
-                                        <p:tgtEl>
-                                          <p:spTgt spid="10">
-                                            <p:txEl>
-                                              <p:pRg st="4" end="4"/>
-                                            </p:txEl>
-                                          </p:spTgt>
-                                        </p:tgtEl>
-                                      </p:cBhvr>
-                                    </p:animEffect>
-                                    <p:anim calcmode="lin" valueType="num">
-                                      <p:cBhvr>
-                                        <p:cTn id="48" dur="1000" fill="hold"/>
-                                        <p:tgtEl>
-                                          <p:spTgt spid="10">
-                                            <p:txEl>
-                                              <p:pRg st="4" end="4"/>
-                                            </p:txEl>
-                                          </p:spTgt>
-                                        </p:tgtEl>
-                                        <p:attrNameLst>
-                                          <p:attrName>ppt_x</p:attrName>
-                                        </p:attrNameLst>
-                                      </p:cBhvr>
-                                      <p:tavLst>
-                                        <p:tav tm="0">
-                                          <p:val>
-                                            <p:strVal val="#ppt_x"/>
-                                          </p:val>
-                                        </p:tav>
-                                        <p:tav tm="100000">
-                                          <p:val>
-                                            <p:strVal val="#ppt_x"/>
-                                          </p:val>
-                                        </p:tav>
-                                      </p:tavLst>
-                                    </p:anim>
-                                    <p:anim calcmode="lin" valueType="num">
-                                      <p:cBhvr>
-                                        <p:cTn id="49" dur="1000" fill="hold"/>
-                                        <p:tgtEl>
-                                          <p:spTgt spid="10">
-                                            <p:txEl>
-                                              <p:pRg st="4" end="4"/>
                                             </p:txEl>
                                           </p:spTgt>
                                         </p:tgtEl>
@@ -25497,24 +27312,6 @@
 </file>
 
 <file path=customXml/item1.xml><?xml version="1.0" encoding="utf-8"?>
-<p:properties xmlns:p="http://schemas.microsoft.com/office/2006/metadata/properties" xmlns:xsi="http://www.w3.org/2001/XMLSchema-instance" xmlns:pc="http://schemas.microsoft.com/office/infopath/2007/PartnerControls">
-  <documentManagement>
-    <Status xmlns="71af3243-3dd4-4a8d-8c0d-dd76da1f02a5">Not started</Status>
-    <MediaServiceKeyPoints xmlns="71af3243-3dd4-4a8d-8c0d-dd76da1f02a5" xsi:nil="true"/>
-  </documentManagement>
-</p:properties>
-</file>
-
-<file path=customXml/item2.xml><?xml version="1.0" encoding="utf-8"?>
-<?mso-contentType ?>
-<FormTemplates xmlns="http://schemas.microsoft.com/sharepoint/v3/contenttype/forms">
-  <Display>DocumentLibraryForm</Display>
-  <Edit>DocumentLibraryForm</Edit>
-  <New>DocumentLibraryForm</New>
-</FormTemplates>
-</file>
-
-<file path=customXml/item3.xml><?xml version="1.0" encoding="utf-8"?>
 <ct:contentTypeSchema xmlns:ct="http://schemas.microsoft.com/office/2006/metadata/contentType" xmlns:ma="http://schemas.microsoft.com/office/2006/metadata/properties/metaAttributes" ct:_="" ma:_="" ma:contentTypeName="Document" ma:contentTypeID="0x01010079F111ED35F8CC479449609E8A0923A6" ma:contentTypeVersion="12" ma:contentTypeDescription="Create a new document." ma:contentTypeScope="" ma:versionID="426e97fa315356fffbdcd9876fe988c2">
   <xsd:schema xmlns:xsd="http://www.w3.org/2001/XMLSchema" xmlns:xs="http://www.w3.org/2001/XMLSchema" xmlns:p="http://schemas.microsoft.com/office/2006/metadata/properties" xmlns:ns2="71af3243-3dd4-4a8d-8c0d-dd76da1f02a5" xmlns:ns3="16c05727-aa75-4e4a-9b5f-8a80a1165891" targetNamespace="http://schemas.microsoft.com/office/2006/metadata/properties" ma:root="true" ma:fieldsID="14b8f0def80e6d70ce3def20c90759ae" ns2:_="" ns3:_="">
     <xsd:import namespace="71af3243-3dd4-4a8d-8c0d-dd76da1f02a5"/>
@@ -25735,25 +27532,25 @@
 </ct:contentTypeSchema>
 </file>
 
-<file path=customXml/itemProps1.xml><?xml version="1.0" encoding="utf-8"?>
-<ds:datastoreItem xmlns:ds="http://schemas.openxmlformats.org/officeDocument/2006/customXml" ds:itemID="{4DEA9014-ED64-4558-B1E1-D03F0EE32BEB}">
-  <ds:schemaRefs>
-    <ds:schemaRef ds:uri="http://schemas.microsoft.com/office/2006/metadata/properties"/>
-    <ds:schemaRef ds:uri="http://schemas.microsoft.com/office/infopath/2007/PartnerControls"/>
-    <ds:schemaRef ds:uri="71af3243-3dd4-4a8d-8c0d-dd76da1f02a5"/>
-  </ds:schemaRefs>
-</ds:datastoreItem>
+<file path=customXml/item2.xml><?xml version="1.0" encoding="utf-8"?>
+<?mso-contentType ?>
+<FormTemplates xmlns="http://schemas.microsoft.com/sharepoint/v3/contenttype/forms">
+  <Display>DocumentLibraryForm</Display>
+  <Edit>DocumentLibraryForm</Edit>
+  <New>DocumentLibraryForm</New>
+</FormTemplates>
 </file>
 
-<file path=customXml/itemProps2.xml><?xml version="1.0" encoding="utf-8"?>
-<ds:datastoreItem xmlns:ds="http://schemas.openxmlformats.org/officeDocument/2006/customXml" ds:itemID="{05D99ABA-76CE-4A8E-B5F0-C051B96628DE}">
-  <ds:schemaRefs>
-    <ds:schemaRef ds:uri="http://schemas.microsoft.com/sharepoint/v3/contenttype/forms"/>
-  </ds:schemaRefs>
-</ds:datastoreItem>
+<file path=customXml/item3.xml><?xml version="1.0" encoding="utf-8"?>
+<p:properties xmlns:p="http://schemas.microsoft.com/office/2006/metadata/properties" xmlns:xsi="http://www.w3.org/2001/XMLSchema-instance" xmlns:pc="http://schemas.microsoft.com/office/infopath/2007/PartnerControls">
+  <documentManagement>
+    <Status xmlns="71af3243-3dd4-4a8d-8c0d-dd76da1f02a5">Not started</Status>
+    <MediaServiceKeyPoints xmlns="71af3243-3dd4-4a8d-8c0d-dd76da1f02a5" xsi:nil="true"/>
+  </documentManagement>
+</p:properties>
 </file>
 
-<file path=customXml/itemProps3.xml><?xml version="1.0" encoding="utf-8"?>
+<file path=customXml/itemProps1.xml><?xml version="1.0" encoding="utf-8"?>
 <ds:datastoreItem xmlns:ds="http://schemas.openxmlformats.org/officeDocument/2006/customXml" ds:itemID="{B19EB750-A6DA-4BE8-B87B-FC499FE73360}">
   <ds:schemaRefs>
     <ds:schemaRef ds:uri="http://schemas.microsoft.com/office/2006/metadata/contentType"/>
@@ -25770,4 +27567,22 @@
     <ds:schemaRef ds:uri="http://schemas.microsoft.com/internal/obd"/>
   </ds:schemaRefs>
 </ds:datastoreItem>
+</file>
+
+<file path=customXml/itemProps2.xml><?xml version="1.0" encoding="utf-8"?>
+<ds:datastoreItem xmlns:ds="http://schemas.openxmlformats.org/officeDocument/2006/customXml" ds:itemID="{05D99ABA-76CE-4A8E-B5F0-C051B96628DE}">
+  <ds:schemaRefs>
+    <ds:schemaRef ds:uri="http://schemas.microsoft.com/sharepoint/v3/contenttype/forms"/>
+  </ds:schemaRefs>
+</ds:datastoreItem>
+</file>
+
+<file path=customXml/itemProps3.xml><?xml version="1.0" encoding="utf-8"?>
+<ds:datastoreItem xmlns:ds="http://schemas.openxmlformats.org/officeDocument/2006/customXml" ds:itemID="{4DEA9014-ED64-4558-B1E1-D03F0EE32BEB}">
+  <ds:schemaRefs>
+    <ds:schemaRef ds:uri="http://schemas.microsoft.com/office/2006/metadata/properties"/>
+    <ds:schemaRef ds:uri="http://schemas.microsoft.com/office/infopath/2007/PartnerControls"/>
+    <ds:schemaRef ds:uri="71af3243-3dd4-4a8d-8c0d-dd76da1f02a5"/>
+  </ds:schemaRefs>
+</ds:datastoreItem>
 </file>
--- a/retail-data-analysis.pptx
+++ b/retail-data-analysis.pptx
@@ -278,7 +278,7 @@
           <a:p>
             <a:fld id="{EF1077DB-935E-4A0A-947A-D283B9F9F452}" type="datetimeFigureOut">
               <a:rPr lang="en-US" smtClean="0"/>
-              <a:t>3/3/2024</a:t>
+              <a:t>3/9/2024</a:t>
             </a:fld>
             <a:endParaRPr lang="en-US" dirty="0"/>
           </a:p>
@@ -455,7 +455,7 @@
           <a:p>
             <a:fld id="{2D9EC30E-1A71-4188-9BE7-E2A64929A436}" type="datetimeFigureOut">
               <a:rPr lang="en-US" noProof="0" smtClean="0"/>
-              <a:t>3/3/2024</a:t>
+              <a:t>3/9/2024</a:t>
             </a:fld>
             <a:endParaRPr lang="en-US" noProof="0" dirty="0"/>
           </a:p>
@@ -1552,7 +1552,7 @@
             <a:fld id="{B61BEF0D-F0BB-DE4B-95CE-6DB70DBA9567}" type="datetimeFigureOut">
               <a:rPr lang="en-US" smtClean="0"/>
               <a:pPr/>
-              <a:t>3/3/2024</a:t>
+              <a:t>3/9/2024</a:t>
             </a:fld>
             <a:endParaRPr lang="en-US" dirty="0"/>
           </a:p>
@@ -1806,7 +1806,7 @@
             <a:fld id="{B61BEF0D-F0BB-DE4B-95CE-6DB70DBA9567}" type="datetimeFigureOut">
               <a:rPr lang="en-US" smtClean="0"/>
               <a:pPr/>
-              <a:t>3/3/2024</a:t>
+              <a:t>3/9/2024</a:t>
             </a:fld>
             <a:endParaRPr lang="en-US" dirty="0"/>
           </a:p>
@@ -2123,7 +2123,7 @@
             <a:fld id="{B61BEF0D-F0BB-DE4B-95CE-6DB70DBA9567}" type="datetimeFigureOut">
               <a:rPr lang="en-US" smtClean="0"/>
               <a:pPr/>
-              <a:t>3/3/2024</a:t>
+              <a:t>3/9/2024</a:t>
             </a:fld>
             <a:endParaRPr lang="en-US" dirty="0"/>
           </a:p>
@@ -2459,7 +2459,7 @@
             <a:fld id="{B61BEF0D-F0BB-DE4B-95CE-6DB70DBA9567}" type="datetimeFigureOut">
               <a:rPr lang="en-US" smtClean="0"/>
               <a:pPr/>
-              <a:t>3/3/2024</a:t>
+              <a:t>3/9/2024</a:t>
             </a:fld>
             <a:endParaRPr lang="en-US" dirty="0"/>
           </a:p>
@@ -2776,7 +2776,7 @@
             <a:fld id="{B61BEF0D-F0BB-DE4B-95CE-6DB70DBA9567}" type="datetimeFigureOut">
               <a:rPr lang="en-US" smtClean="0"/>
               <a:pPr/>
-              <a:t>3/3/2024</a:t>
+              <a:t>3/9/2024</a:t>
             </a:fld>
             <a:endParaRPr lang="en-US" dirty="0"/>
           </a:p>
@@ -3172,7 +3172,7 @@
             <a:fld id="{B61BEF0D-F0BB-DE4B-95CE-6DB70DBA9567}" type="datetimeFigureOut">
               <a:rPr lang="en-US" smtClean="0"/>
               <a:pPr/>
-              <a:t>3/3/2024</a:t>
+              <a:t>3/9/2024</a:t>
             </a:fld>
             <a:endParaRPr lang="en-US" dirty="0"/>
           </a:p>
@@ -3344,7 +3344,7 @@
           <a:p>
             <a:fld id="{55C6B4A9-1611-4792-9094-5F34BCA07E0B}" type="datetimeFigureOut">
               <a:rPr lang="en-US" smtClean="0"/>
-              <a:t>3/3/2024</a:t>
+              <a:t>3/9/2024</a:t>
             </a:fld>
             <a:endParaRPr lang="en-US" dirty="0"/>
           </a:p>
@@ -3526,7 +3526,7 @@
             <a:fld id="{B61BEF0D-F0BB-DE4B-95CE-6DB70DBA9567}" type="datetimeFigureOut">
               <a:rPr lang="en-US" smtClean="0"/>
               <a:pPr/>
-              <a:t>3/3/2024</a:t>
+              <a:t>3/9/2024</a:t>
             </a:fld>
             <a:endParaRPr lang="en-US" dirty="0"/>
           </a:p>
@@ -5255,7 +5255,7 @@
             <a:fld id="{B61BEF0D-F0BB-DE4B-95CE-6DB70DBA9567}" type="datetimeFigureOut">
               <a:rPr lang="en-US" smtClean="0"/>
               <a:pPr/>
-              <a:t>3/3/2024</a:t>
+              <a:t>3/9/2024</a:t>
             </a:fld>
             <a:endParaRPr lang="en-US" dirty="0"/>
           </a:p>
@@ -6990,7 +6990,7 @@
             <a:fld id="{B61BEF0D-F0BB-DE4B-95CE-6DB70DBA9567}" type="datetimeFigureOut">
               <a:rPr lang="en-US" smtClean="0"/>
               <a:pPr/>
-              <a:t>3/3/2024</a:t>
+              <a:t>3/9/2024</a:t>
             </a:fld>
             <a:endParaRPr lang="en-US" dirty="0"/>
           </a:p>
@@ -7224,7 +7224,7 @@
           <a:p>
             <a:fld id="{EB712588-04B1-427B-82EE-E8DB90309F08}" type="datetimeFigureOut">
               <a:rPr lang="en-US" smtClean="0"/>
-              <a:t>3/3/2024</a:t>
+              <a:t>3/9/2024</a:t>
             </a:fld>
             <a:endParaRPr lang="en-US" dirty="0"/>
           </a:p>
@@ -7600,7 +7600,7 @@
             <a:fld id="{B61BEF0D-F0BB-DE4B-95CE-6DB70DBA9567}" type="datetimeFigureOut">
               <a:rPr lang="en-US" smtClean="0"/>
               <a:pPr/>
-              <a:t>3/3/2024</a:t>
+              <a:t>3/9/2024</a:t>
             </a:fld>
             <a:endParaRPr lang="en-US" dirty="0"/>
           </a:p>
@@ -7726,7 +7726,7 @@
             <a:fld id="{B61BEF0D-F0BB-DE4B-95CE-6DB70DBA9567}" type="datetimeFigureOut">
               <a:rPr lang="en-US" smtClean="0"/>
               <a:pPr/>
-              <a:t>3/3/2024</a:t>
+              <a:t>3/9/2024</a:t>
             </a:fld>
             <a:endParaRPr lang="en-US" dirty="0"/>
           </a:p>
@@ -7824,7 +7824,7 @@
             <a:fld id="{B61BEF0D-F0BB-DE4B-95CE-6DB70DBA9567}" type="datetimeFigureOut">
               <a:rPr lang="en-US" smtClean="0"/>
               <a:pPr/>
-              <a:t>3/3/2024</a:t>
+              <a:t>3/9/2024</a:t>
             </a:fld>
             <a:endParaRPr lang="en-US" dirty="0"/>
           </a:p>
@@ -8081,7 +8081,7 @@
           <a:p>
             <a:fld id="{42A54C80-263E-416B-A8E0-580EDEADCBDC}" type="datetimeFigureOut">
               <a:rPr lang="en-US" smtClean="0"/>
-              <a:t>3/3/2024</a:t>
+              <a:t>3/9/2024</a:t>
             </a:fld>
             <a:endParaRPr lang="en-US" dirty="0"/>
           </a:p>
@@ -8389,7 +8389,7 @@
             <a:fld id="{B61BEF0D-F0BB-DE4B-95CE-6DB70DBA9567}" type="datetimeFigureOut">
               <a:rPr lang="en-US" smtClean="0"/>
               <a:pPr/>
-              <a:t>3/3/2024</a:t>
+              <a:t>3/9/2024</a:t>
             </a:fld>
             <a:endParaRPr lang="en-US" dirty="0"/>
           </a:p>
@@ -9093,7 +9093,7 @@
             <a:fld id="{B61BEF0D-F0BB-DE4B-95CE-6DB70DBA9567}" type="datetimeFigureOut">
               <a:rPr lang="en-US" smtClean="0"/>
               <a:pPr/>
-              <a:t>3/3/2024</a:t>
+              <a:t>3/9/2024</a:t>
             </a:fld>
             <a:endParaRPr lang="en-US" dirty="0"/>
           </a:p>
@@ -9304,7 +9304,7 @@
                 </a:solidFill>
               </a:rPr>
               <a:pPr/>
-              <a:t>3/3/2024</a:t>
+              <a:t>3/9/2024</a:t>
             </a:fld>
             <a:endParaRPr lang="en-US" sz="1100" dirty="0">
               <a:solidFill>
@@ -10085,7 +10085,7 @@
                   <a:schemeClr val="tx1"/>
                 </a:solidFill>
               </a:rPr>
-              <a:t>AICTE Internship Student Registration ID) : STU616311a1eeaaa1633882529 </a:t>
+              <a:t>AICTE Internship Student Registration ID) : *****************</a:t>
             </a:r>
             <a:endParaRPr lang="en-IN" b="0" dirty="0">
               <a:solidFill>
@@ -12779,41 +12779,6 @@
       </p:sp>
       <p:sp>
         <p:nvSpPr>
-          <p:cNvPr id="31" name="Text Placeholder 30">
-            <a:extLst>
-              <a:ext uri="{FF2B5EF4-FFF2-40B4-BE49-F238E27FC236}">
-                <a16:creationId xmlns:a16="http://schemas.microsoft.com/office/drawing/2014/main" id="{97AB1F14-3A1E-4057-A473-9975BA59F012}"/>
-              </a:ext>
-            </a:extLst>
-          </p:cNvPr>
-          <p:cNvSpPr>
-            <a:spLocks noGrp="1"/>
-          </p:cNvSpPr>
-          <p:nvPr>
-            <p:ph type="body" sz="quarter" idx="13"/>
-          </p:nvPr>
-        </p:nvSpPr>
-        <p:spPr>
-          <a:xfrm>
-            <a:off x="3727865" y="4641925"/>
-            <a:ext cx="2139695" cy="1108635"/>
-          </a:xfrm>
-        </p:spPr>
-        <p:txBody>
-          <a:bodyPr>
-            <a:normAutofit/>
-          </a:bodyPr>
-          <a:lstStyle/>
-          <a:p>
-            <a:r>
-              <a:rPr lang="en-US" dirty="0"/>
-              <a:t>.</a:t>
-            </a:r>
-          </a:p>
-        </p:txBody>
-      </p:sp>
-      <p:sp>
-        <p:nvSpPr>
           <p:cNvPr id="17" name="Text Placeholder 28">
             <a:extLst>
               <a:ext uri="{FF2B5EF4-FFF2-40B4-BE49-F238E27FC236}">
@@ -13833,265 +13798,6 @@
           </a:lstStyle>
           <a:p>
             <a:endParaRPr lang="en-GB" dirty="0"/>
-          </a:p>
-        </p:txBody>
-      </p:sp>
-      <p:sp>
-        <p:nvSpPr>
-          <p:cNvPr id="32" name="Text Placeholder 30">
-            <a:extLst>
-              <a:ext uri="{FF2B5EF4-FFF2-40B4-BE49-F238E27FC236}">
-                <a16:creationId xmlns:a16="http://schemas.microsoft.com/office/drawing/2014/main" id="{B993AB29-3A3A-4473-8AC8-86E859C97321}"/>
-              </a:ext>
-            </a:extLst>
-          </p:cNvPr>
-          <p:cNvSpPr txBox="1">
-            <a:spLocks/>
-          </p:cNvSpPr>
-          <p:nvPr/>
-        </p:nvSpPr>
-        <p:spPr>
-          <a:xfrm>
-            <a:off x="8591363" y="4641925"/>
-            <a:ext cx="2139695" cy="1108635"/>
-          </a:xfrm>
-          <a:prstGeom prst="rect">
-            <a:avLst/>
-          </a:prstGeom>
-        </p:spPr>
-        <p:txBody>
-          <a:bodyPr vert="horz" lIns="91440" tIns="45720" rIns="91440" bIns="45720" rtlCol="0">
-            <a:normAutofit/>
-          </a:bodyPr>
-          <a:lstStyle>
-            <a:lvl1pPr marL="0" indent="0" algn="ctr" defTabSz="457200" rtl="0" eaLnBrk="1" latinLnBrk="0" hangingPunct="1">
-              <a:spcBef>
-                <a:spcPts val="1000"/>
-              </a:spcBef>
-              <a:spcAft>
-                <a:spcPts val="0"/>
-              </a:spcAft>
-              <a:buClr>
-                <a:schemeClr val="accent1"/>
-              </a:buClr>
-              <a:buSzPct val="80000"/>
-              <a:buFont typeface="Wingdings 3" charset="2"/>
-              <a:buNone/>
-              <a:defRPr lang="en-US" sz="1600" kern="1200" dirty="0" smtClean="0">
-                <a:solidFill>
-                  <a:schemeClr val="tx1"/>
-                </a:solidFill>
-                <a:latin typeface="+mn-lt"/>
-                <a:ea typeface="+mn-ea"/>
-                <a:cs typeface="+mn-cs"/>
-              </a:defRPr>
-            </a:lvl1pPr>
-            <a:lvl2pPr marL="742950" indent="-285750" algn="l" defTabSz="457200" rtl="0" eaLnBrk="1" latinLnBrk="0" hangingPunct="1">
-              <a:spcBef>
-                <a:spcPts val="1000"/>
-              </a:spcBef>
-              <a:spcAft>
-                <a:spcPts val="0"/>
-              </a:spcAft>
-              <a:buClr>
-                <a:schemeClr val="accent1"/>
-              </a:buClr>
-              <a:buSzPct val="80000"/>
-              <a:buFont typeface="Wingdings 3" charset="2"/>
-              <a:buChar char=""/>
-              <a:defRPr sz="1600" kern="1200">
-                <a:solidFill>
-                  <a:schemeClr val="tx1">
-                    <a:lumMod val="75000"/>
-                    <a:lumOff val="25000"/>
-                  </a:schemeClr>
-                </a:solidFill>
-                <a:latin typeface="+mn-lt"/>
-                <a:ea typeface="+mn-ea"/>
-                <a:cs typeface="+mn-cs"/>
-              </a:defRPr>
-            </a:lvl2pPr>
-            <a:lvl3pPr marL="1143000" indent="-228600" algn="l" defTabSz="457200" rtl="0" eaLnBrk="1" latinLnBrk="0" hangingPunct="1">
-              <a:spcBef>
-                <a:spcPts val="1000"/>
-              </a:spcBef>
-              <a:spcAft>
-                <a:spcPts val="0"/>
-              </a:spcAft>
-              <a:buClr>
-                <a:schemeClr val="accent1"/>
-              </a:buClr>
-              <a:buSzPct val="80000"/>
-              <a:buFont typeface="Wingdings 3" charset="2"/>
-              <a:buChar char=""/>
-              <a:defRPr sz="1400" kern="1200">
-                <a:solidFill>
-                  <a:schemeClr val="tx1">
-                    <a:lumMod val="75000"/>
-                    <a:lumOff val="25000"/>
-                  </a:schemeClr>
-                </a:solidFill>
-                <a:latin typeface="+mn-lt"/>
-                <a:ea typeface="+mn-ea"/>
-                <a:cs typeface="+mn-cs"/>
-              </a:defRPr>
-            </a:lvl3pPr>
-            <a:lvl4pPr marL="1600200" indent="-228600" algn="l" defTabSz="457200" rtl="0" eaLnBrk="1" latinLnBrk="0" hangingPunct="1">
-              <a:spcBef>
-                <a:spcPts val="1000"/>
-              </a:spcBef>
-              <a:spcAft>
-                <a:spcPts val="0"/>
-              </a:spcAft>
-              <a:buClr>
-                <a:schemeClr val="accent1"/>
-              </a:buClr>
-              <a:buSzPct val="80000"/>
-              <a:buFont typeface="Wingdings 3" charset="2"/>
-              <a:buChar char=""/>
-              <a:defRPr sz="1200" kern="1200">
-                <a:solidFill>
-                  <a:schemeClr val="tx1">
-                    <a:lumMod val="75000"/>
-                    <a:lumOff val="25000"/>
-                  </a:schemeClr>
-                </a:solidFill>
-                <a:latin typeface="+mn-lt"/>
-                <a:ea typeface="+mn-ea"/>
-                <a:cs typeface="+mn-cs"/>
-              </a:defRPr>
-            </a:lvl4pPr>
-            <a:lvl5pPr marL="2057400" indent="-228600" algn="l" defTabSz="457200" rtl="0" eaLnBrk="1" latinLnBrk="0" hangingPunct="1">
-              <a:spcBef>
-                <a:spcPts val="1000"/>
-              </a:spcBef>
-              <a:spcAft>
-                <a:spcPts val="0"/>
-              </a:spcAft>
-              <a:buClr>
-                <a:schemeClr val="accent1"/>
-              </a:buClr>
-              <a:buSzPct val="80000"/>
-              <a:buFont typeface="Wingdings 3" charset="2"/>
-              <a:buChar char=""/>
-              <a:defRPr sz="1200" kern="1200">
-                <a:solidFill>
-                  <a:schemeClr val="tx1">
-                    <a:lumMod val="75000"/>
-                    <a:lumOff val="25000"/>
-                  </a:schemeClr>
-                </a:solidFill>
-                <a:latin typeface="+mn-lt"/>
-                <a:ea typeface="+mn-ea"/>
-                <a:cs typeface="+mn-cs"/>
-              </a:defRPr>
-            </a:lvl5pPr>
-            <a:lvl6pPr marL="2514600" indent="-228600" algn="l" defTabSz="457200" rtl="0" eaLnBrk="1" latinLnBrk="0" hangingPunct="1">
-              <a:spcBef>
-                <a:spcPts val="1000"/>
-              </a:spcBef>
-              <a:spcAft>
-                <a:spcPts val="0"/>
-              </a:spcAft>
-              <a:buClr>
-                <a:schemeClr val="accent1"/>
-              </a:buClr>
-              <a:buSzPct val="80000"/>
-              <a:buFont typeface="Wingdings 3" charset="2"/>
-              <a:buChar char=""/>
-              <a:defRPr sz="1200" kern="1200">
-                <a:solidFill>
-                  <a:schemeClr val="tx1">
-                    <a:lumMod val="75000"/>
-                    <a:lumOff val="25000"/>
-                  </a:schemeClr>
-                </a:solidFill>
-                <a:latin typeface="+mn-lt"/>
-                <a:ea typeface="+mn-ea"/>
-                <a:cs typeface="+mn-cs"/>
-              </a:defRPr>
-            </a:lvl6pPr>
-            <a:lvl7pPr marL="2971800" indent="-228600" algn="l" defTabSz="457200" rtl="0" eaLnBrk="1" latinLnBrk="0" hangingPunct="1">
-              <a:spcBef>
-                <a:spcPts val="1000"/>
-              </a:spcBef>
-              <a:spcAft>
-                <a:spcPts val="0"/>
-              </a:spcAft>
-              <a:buClr>
-                <a:schemeClr val="accent1"/>
-              </a:buClr>
-              <a:buSzPct val="80000"/>
-              <a:buFont typeface="Wingdings 3" charset="2"/>
-              <a:buChar char=""/>
-              <a:defRPr sz="1200" kern="1200">
-                <a:solidFill>
-                  <a:schemeClr val="tx1">
-                    <a:lumMod val="75000"/>
-                    <a:lumOff val="25000"/>
-                  </a:schemeClr>
-                </a:solidFill>
-                <a:latin typeface="+mn-lt"/>
-                <a:ea typeface="+mn-ea"/>
-                <a:cs typeface="+mn-cs"/>
-              </a:defRPr>
-            </a:lvl7pPr>
-            <a:lvl8pPr marL="3429000" indent="-228600" algn="l" defTabSz="457200" rtl="0" eaLnBrk="1" latinLnBrk="0" hangingPunct="1">
-              <a:spcBef>
-                <a:spcPts val="1000"/>
-              </a:spcBef>
-              <a:spcAft>
-                <a:spcPts val="0"/>
-              </a:spcAft>
-              <a:buClr>
-                <a:schemeClr val="accent1"/>
-              </a:buClr>
-              <a:buSzPct val="80000"/>
-              <a:buFont typeface="Wingdings 3" charset="2"/>
-              <a:buChar char=""/>
-              <a:defRPr sz="1200" kern="1200">
-                <a:solidFill>
-                  <a:schemeClr val="tx1">
-                    <a:lumMod val="75000"/>
-                    <a:lumOff val="25000"/>
-                  </a:schemeClr>
-                </a:solidFill>
-                <a:latin typeface="+mn-lt"/>
-                <a:ea typeface="+mn-ea"/>
-                <a:cs typeface="+mn-cs"/>
-              </a:defRPr>
-            </a:lvl8pPr>
-            <a:lvl9pPr marL="3886200" indent="-228600" algn="l" defTabSz="457200" rtl="0" eaLnBrk="1" latinLnBrk="0" hangingPunct="1">
-              <a:spcBef>
-                <a:spcPts val="1000"/>
-              </a:spcBef>
-              <a:spcAft>
-                <a:spcPts val="0"/>
-              </a:spcAft>
-              <a:buClr>
-                <a:schemeClr val="accent1"/>
-              </a:buClr>
-              <a:buSzPct val="80000"/>
-              <a:buFont typeface="Wingdings 3" charset="2"/>
-              <a:buChar char=""/>
-              <a:defRPr sz="1200" kern="1200">
-                <a:solidFill>
-                  <a:schemeClr val="tx1">
-                    <a:lumMod val="75000"/>
-                    <a:lumOff val="25000"/>
-                  </a:schemeClr>
-                </a:solidFill>
-                <a:latin typeface="+mn-lt"/>
-                <a:ea typeface="+mn-ea"/>
-                <a:cs typeface="+mn-cs"/>
-              </a:defRPr>
-            </a:lvl9pPr>
-          </a:lstStyle>
-          <a:p>
-            <a:r>
-              <a:rPr lang="en-GB" dirty="0"/>
-              <a:t>.</a:t>
-            </a:r>
           </a:p>
         </p:txBody>
       </p:sp>
@@ -14142,7 +13848,7 @@
         </p:nvSpPr>
         <p:spPr>
           <a:xfrm>
-            <a:off x="2975012" y="3962573"/>
+            <a:off x="3170321" y="2723220"/>
             <a:ext cx="4553251" cy="1506072"/>
           </a:xfrm>
         </p:spPr>
@@ -14326,15 +14032,10 @@
                             </p:stCondLst>
                             <p:childTnLst>
                               <p:par>
-                                <p:cTn id="12" presetID="12" presetClass="entr" presetSubtype="4" fill="hold" grpId="0" nodeType="clickEffect" nodePh="1">
+                                <p:cTn id="12" presetID="42" presetClass="entr" presetSubtype="0" fill="hold" grpId="0" nodeType="clickEffect">
                                   <p:stCondLst>
                                     <p:cond delay="0"/>
                                   </p:stCondLst>
-                                  <p:endCondLst>
-                                    <p:cond evt="begin" delay="0">
-                                      <p:tn val="12"/>
-                                    </p:cond>
-                                  </p:endCondLst>
                                   <p:childTnLst>
                                     <p:set>
                                       <p:cBhvr>
@@ -14344,7 +14045,11 @@
                                           </p:stCondLst>
                                         </p:cTn>
                                         <p:tgtEl>
-                                          <p:spTgt spid="17"/>
+                                          <p:spTgt spid="12">
+                                            <p:txEl>
+                                              <p:pRg st="0" end="0"/>
+                                            </p:txEl>
+                                          </p:spTgt>
                                         </p:tgtEl>
                                         <p:attrNameLst>
                                           <p:attrName>style.visibility</p:attrName>
@@ -14354,11 +14059,54 @@
                                         <p:strVal val="visible"/>
                                       </p:to>
                                     </p:set>
+                                    <p:animEffect transition="in" filter="fade">
+                                      <p:cBhvr>
+                                        <p:cTn id="14" dur="1000"/>
+                                        <p:tgtEl>
+                                          <p:spTgt spid="12">
+                                            <p:txEl>
+                                              <p:pRg st="0" end="0"/>
+                                            </p:txEl>
+                                          </p:spTgt>
+                                        </p:tgtEl>
+                                      </p:cBhvr>
+                                    </p:animEffect>
                                     <p:anim calcmode="lin" valueType="num">
-                                      <p:cBhvr additive="base">
-                                        <p:cTn id="14" dur="500"/>
-                                        <p:tgtEl>
-                                          <p:spTgt spid="17"/>
+                                      <p:cBhvr>
+                                        <p:cTn id="15" dur="1000" fill="hold"/>
+                                        <p:tgtEl>
+                                          <p:spTgt spid="12">
+                                            <p:txEl>
+                                              <p:pRg st="0" end="0"/>
+                                            </p:txEl>
+                                          </p:spTgt>
+                                        </p:tgtEl>
+                                        <p:attrNameLst>
+                                          <p:attrName>ppt_x</p:attrName>
+                                        </p:attrNameLst>
+                                      </p:cBhvr>
+                                      <p:tavLst>
+                                        <p:tav tm="0">
+                                          <p:val>
+                                            <p:strVal val="#ppt_x"/>
+                                          </p:val>
+                                        </p:tav>
+                                        <p:tav tm="100000">
+                                          <p:val>
+                                            <p:strVal val="#ppt_x"/>
+                                          </p:val>
+                                        </p:tav>
+                                      </p:tavLst>
+                                    </p:anim>
+                                    <p:anim calcmode="lin" valueType="num">
+                                      <p:cBhvr>
+                                        <p:cTn id="16" dur="1000" fill="hold"/>
+                                        <p:tgtEl>
+                                          <p:spTgt spid="12">
+                                            <p:txEl>
+                                              <p:pRg st="0" end="0"/>
+                                            </p:txEl>
+                                          </p:spTgt>
                                         </p:tgtEl>
                                         <p:attrNameLst>
                                           <p:attrName>ppt_y</p:attrName>
@@ -14367,7 +14115,7 @@
                                       <p:tavLst>
                                         <p:tav tm="0">
                                           <p:val>
-                                            <p:strVal val="#ppt_y+#ppt_h*1.125000"/>
+                                            <p:strVal val="#ppt_y+.1"/>
                                           </p:val>
                                         </p:tav>
                                         <p:tav tm="100000">
@@ -14377,14 +14125,6 @@
                                         </p:tav>
                                       </p:tavLst>
                                     </p:anim>
-                                    <p:animEffect transition="in" filter="wipe(up)">
-                                      <p:cBhvr>
-                                        <p:cTn id="15" dur="500"/>
-                                        <p:tgtEl>
-                                          <p:spTgt spid="17"/>
-                                        </p:tgtEl>
-                                      </p:cBhvr>
-                                    </p:animEffect>
                                   </p:childTnLst>
                                 </p:cTn>
                               </p:par>
@@ -14395,34 +14135,34 @@
                     </p:cTn>
                   </p:par>
                   <p:par>
-                    <p:cTn id="16" fill="hold">
+                    <p:cTn id="17" fill="hold">
                       <p:stCondLst>
                         <p:cond delay="indefinite"/>
                       </p:stCondLst>
                       <p:childTnLst>
                         <p:par>
-                          <p:cTn id="17" fill="hold">
+                          <p:cTn id="18" fill="hold">
                             <p:stCondLst>
                               <p:cond delay="0"/>
                             </p:stCondLst>
                             <p:childTnLst>
                               <p:par>
-                                <p:cTn id="18" presetID="12" presetClass="entr" presetSubtype="4" fill="hold" grpId="0" nodeType="clickEffect">
+                                <p:cTn id="19" presetID="42" presetClass="entr" presetSubtype="0" fill="hold" grpId="0" nodeType="clickEffect">
                                   <p:stCondLst>
                                     <p:cond delay="0"/>
                                   </p:stCondLst>
                                   <p:childTnLst>
                                     <p:set>
                                       <p:cBhvr>
-                                        <p:cTn id="19" dur="1" fill="hold">
+                                        <p:cTn id="20" dur="1" fill="hold">
                                           <p:stCondLst>
                                             <p:cond delay="0"/>
                                           </p:stCondLst>
                                         </p:cTn>
                                         <p:tgtEl>
-                                          <p:spTgt spid="31">
+                                          <p:spTgt spid="12">
                                             <p:txEl>
-                                              <p:pRg st="0" end="0"/>
+                                              <p:pRg st="1" end="1"/>
                                             </p:txEl>
                                           </p:spTgt>
                                         </p:tgtEl>
@@ -14434,13 +14174,52 @@
                                         <p:strVal val="visible"/>
                                       </p:to>
                                     </p:set>
+                                    <p:animEffect transition="in" filter="fade">
+                                      <p:cBhvr>
+                                        <p:cTn id="21" dur="1000"/>
+                                        <p:tgtEl>
+                                          <p:spTgt spid="12">
+                                            <p:txEl>
+                                              <p:pRg st="1" end="1"/>
+                                            </p:txEl>
+                                          </p:spTgt>
+                                        </p:tgtEl>
+                                      </p:cBhvr>
+                                    </p:animEffect>
                                     <p:anim calcmode="lin" valueType="num">
-                                      <p:cBhvr additive="base">
-                                        <p:cTn id="20" dur="500"/>
-                                        <p:tgtEl>
-                                          <p:spTgt spid="31">
+                                      <p:cBhvr>
+                                        <p:cTn id="22" dur="1000" fill="hold"/>
+                                        <p:tgtEl>
+                                          <p:spTgt spid="12">
                                             <p:txEl>
-                                              <p:pRg st="0" end="0"/>
+                                              <p:pRg st="1" end="1"/>
+                                            </p:txEl>
+                                          </p:spTgt>
+                                        </p:tgtEl>
+                                        <p:attrNameLst>
+                                          <p:attrName>ppt_x</p:attrName>
+                                        </p:attrNameLst>
+                                      </p:cBhvr>
+                                      <p:tavLst>
+                                        <p:tav tm="0">
+                                          <p:val>
+                                            <p:strVal val="#ppt_x"/>
+                                          </p:val>
+                                        </p:tav>
+                                        <p:tav tm="100000">
+                                          <p:val>
+                                            <p:strVal val="#ppt_x"/>
+                                          </p:val>
+                                        </p:tav>
+                                      </p:tavLst>
+                                    </p:anim>
+                                    <p:anim calcmode="lin" valueType="num">
+                                      <p:cBhvr>
+                                        <p:cTn id="23" dur="1000" fill="hold"/>
+                                        <p:tgtEl>
+                                          <p:spTgt spid="12">
+                                            <p:txEl>
+                                              <p:pRg st="1" end="1"/>
                                             </p:txEl>
                                           </p:spTgt>
                                         </p:tgtEl>
@@ -14451,7 +14230,7 @@
                                       <p:tavLst>
                                         <p:tav tm="0">
                                           <p:val>
-                                            <p:strVal val="#ppt_y+#ppt_h*1.125000"/>
+                                            <p:strVal val="#ppt_y+.1"/>
                                           </p:val>
                                         </p:tav>
                                         <p:tav tm="100000">
@@ -14461,18 +14240,6 @@
                                         </p:tav>
                                       </p:tavLst>
                                     </p:anim>
-                                    <p:animEffect transition="in" filter="wipe(up)">
-                                      <p:cBhvr>
-                                        <p:cTn id="21" dur="500"/>
-                                        <p:tgtEl>
-                                          <p:spTgt spid="31">
-                                            <p:txEl>
-                                              <p:pRg st="0" end="0"/>
-                                            </p:txEl>
-                                          </p:spTgt>
-                                        </p:tgtEl>
-                                      </p:cBhvr>
-                                    </p:animEffect>
                                   </p:childTnLst>
                                 </p:cTn>
                               </p:par>
@@ -14483,275 +14250,36 @@
                     </p:cTn>
                   </p:par>
                   <p:par>
-                    <p:cTn id="22" fill="hold">
+                    <p:cTn id="24" fill="hold">
                       <p:stCondLst>
                         <p:cond delay="indefinite"/>
                       </p:stCondLst>
                       <p:childTnLst>
                         <p:par>
-                          <p:cTn id="23" fill="hold">
+                          <p:cTn id="25" fill="hold">
                             <p:stCondLst>
                               <p:cond delay="0"/>
                             </p:stCondLst>
                             <p:childTnLst>
                               <p:par>
-                                <p:cTn id="24" presetID="12" presetClass="entr" presetSubtype="4" fill="hold" grpId="0" nodeType="clickEffect" nodePh="1">
-                                  <p:stCondLst>
-                                    <p:cond delay="0"/>
-                                  </p:stCondLst>
-                                  <p:endCondLst>
-                                    <p:cond evt="begin" delay="0">
-                                      <p:tn val="24"/>
-                                    </p:cond>
-                                  </p:endCondLst>
-                                  <p:childTnLst>
-                                    <p:set>
-                                      <p:cBhvr>
-                                        <p:cTn id="25" dur="1" fill="hold">
-                                          <p:stCondLst>
-                                            <p:cond delay="0"/>
-                                          </p:stCondLst>
-                                        </p:cTn>
-                                        <p:tgtEl>
-                                          <p:spTgt spid="20"/>
-                                        </p:tgtEl>
-                                        <p:attrNameLst>
-                                          <p:attrName>style.visibility</p:attrName>
-                                        </p:attrNameLst>
-                                      </p:cBhvr>
-                                      <p:to>
-                                        <p:strVal val="visible"/>
-                                      </p:to>
-                                    </p:set>
-                                    <p:anim calcmode="lin" valueType="num">
-                                      <p:cBhvr additive="base">
-                                        <p:cTn id="26" dur="500"/>
-                                        <p:tgtEl>
-                                          <p:spTgt spid="20"/>
-                                        </p:tgtEl>
-                                        <p:attrNameLst>
-                                          <p:attrName>ppt_y</p:attrName>
-                                        </p:attrNameLst>
-                                      </p:cBhvr>
-                                      <p:tavLst>
-                                        <p:tav tm="0">
-                                          <p:val>
-                                            <p:strVal val="#ppt_y+#ppt_h*1.125000"/>
-                                          </p:val>
-                                        </p:tav>
-                                        <p:tav tm="100000">
-                                          <p:val>
-                                            <p:strVal val="#ppt_y"/>
-                                          </p:val>
-                                        </p:tav>
-                                      </p:tavLst>
-                                    </p:anim>
-                                    <p:animEffect transition="in" filter="wipe(up)">
-                                      <p:cBhvr>
-                                        <p:cTn id="27" dur="500"/>
-                                        <p:tgtEl>
-                                          <p:spTgt spid="20"/>
-                                        </p:tgtEl>
-                                      </p:cBhvr>
-                                    </p:animEffect>
-                                  </p:childTnLst>
-                                </p:cTn>
-                              </p:par>
-                            </p:childTnLst>
-                          </p:cTn>
-                        </p:par>
-                      </p:childTnLst>
-                    </p:cTn>
-                  </p:par>
-                  <p:par>
-                    <p:cTn id="28" fill="hold">
-                      <p:stCondLst>
-                        <p:cond delay="indefinite"/>
-                      </p:stCondLst>
-                      <p:childTnLst>
-                        <p:par>
-                          <p:cTn id="29" fill="hold">
-                            <p:stCondLst>
-                              <p:cond delay="0"/>
-                            </p:stCondLst>
-                            <p:childTnLst>
-                              <p:par>
-                                <p:cTn id="30" presetID="12" presetClass="entr" presetSubtype="4" fill="hold" grpId="0" nodeType="clickEffect" nodePh="1">
-                                  <p:stCondLst>
-                                    <p:cond delay="0"/>
-                                  </p:stCondLst>
-                                  <p:endCondLst>
-                                    <p:cond evt="begin" delay="0">
-                                      <p:tn val="30"/>
-                                    </p:cond>
-                                  </p:endCondLst>
-                                  <p:childTnLst>
-                                    <p:set>
-                                      <p:cBhvr>
-                                        <p:cTn id="31" dur="1" fill="hold">
-                                          <p:stCondLst>
-                                            <p:cond delay="0"/>
-                                          </p:stCondLst>
-                                        </p:cTn>
-                                        <p:tgtEl>
-                                          <p:spTgt spid="30"/>
-                                        </p:tgtEl>
-                                        <p:attrNameLst>
-                                          <p:attrName>style.visibility</p:attrName>
-                                        </p:attrNameLst>
-                                      </p:cBhvr>
-                                      <p:to>
-                                        <p:strVal val="visible"/>
-                                      </p:to>
-                                    </p:set>
-                                    <p:anim calcmode="lin" valueType="num">
-                                      <p:cBhvr additive="base">
-                                        <p:cTn id="32" dur="500"/>
-                                        <p:tgtEl>
-                                          <p:spTgt spid="30"/>
-                                        </p:tgtEl>
-                                        <p:attrNameLst>
-                                          <p:attrName>ppt_y</p:attrName>
-                                        </p:attrNameLst>
-                                      </p:cBhvr>
-                                      <p:tavLst>
-                                        <p:tav tm="0">
-                                          <p:val>
-                                            <p:strVal val="#ppt_y+#ppt_h*1.125000"/>
-                                          </p:val>
-                                        </p:tav>
-                                        <p:tav tm="100000">
-                                          <p:val>
-                                            <p:strVal val="#ppt_y"/>
-                                          </p:val>
-                                        </p:tav>
-                                      </p:tavLst>
-                                    </p:anim>
-                                    <p:animEffect transition="in" filter="wipe(up)">
-                                      <p:cBhvr>
-                                        <p:cTn id="33" dur="500"/>
-                                        <p:tgtEl>
-                                          <p:spTgt spid="30"/>
-                                        </p:tgtEl>
-                                      </p:cBhvr>
-                                    </p:animEffect>
-                                  </p:childTnLst>
-                                </p:cTn>
-                              </p:par>
-                            </p:childTnLst>
-                          </p:cTn>
-                        </p:par>
-                      </p:childTnLst>
-                    </p:cTn>
-                  </p:par>
-                  <p:par>
-                    <p:cTn id="34" fill="hold">
-                      <p:stCondLst>
-                        <p:cond delay="indefinite"/>
-                      </p:stCondLst>
-                      <p:childTnLst>
-                        <p:par>
-                          <p:cTn id="35" fill="hold">
-                            <p:stCondLst>
-                              <p:cond delay="0"/>
-                            </p:stCondLst>
-                            <p:childTnLst>
-                              <p:par>
-                                <p:cTn id="36" presetID="12" presetClass="entr" presetSubtype="4" fill="hold" grpId="0" nodeType="clickEffect" nodePh="1">
-                                  <p:stCondLst>
-                                    <p:cond delay="0"/>
-                                  </p:stCondLst>
-                                  <p:endCondLst>
-                                    <p:cond evt="begin" delay="0">
-                                      <p:tn val="36"/>
-                                    </p:cond>
-                                  </p:endCondLst>
-                                  <p:childTnLst>
-                                    <p:set>
-                                      <p:cBhvr>
-                                        <p:cTn id="37" dur="1" fill="hold">
-                                          <p:stCondLst>
-                                            <p:cond delay="0"/>
-                                          </p:stCondLst>
-                                        </p:cTn>
-                                        <p:tgtEl>
-                                          <p:spTgt spid="23"/>
-                                        </p:tgtEl>
-                                        <p:attrNameLst>
-                                          <p:attrName>style.visibility</p:attrName>
-                                        </p:attrNameLst>
-                                      </p:cBhvr>
-                                      <p:to>
-                                        <p:strVal val="visible"/>
-                                      </p:to>
-                                    </p:set>
-                                    <p:anim calcmode="lin" valueType="num">
-                                      <p:cBhvr additive="base">
-                                        <p:cTn id="38" dur="500"/>
-                                        <p:tgtEl>
-                                          <p:spTgt spid="23"/>
-                                        </p:tgtEl>
-                                        <p:attrNameLst>
-                                          <p:attrName>ppt_y</p:attrName>
-                                        </p:attrNameLst>
-                                      </p:cBhvr>
-                                      <p:tavLst>
-                                        <p:tav tm="0">
-                                          <p:val>
-                                            <p:strVal val="#ppt_y+#ppt_h*1.125000"/>
-                                          </p:val>
-                                        </p:tav>
-                                        <p:tav tm="100000">
-                                          <p:val>
-                                            <p:strVal val="#ppt_y"/>
-                                          </p:val>
-                                        </p:tav>
-                                      </p:tavLst>
-                                    </p:anim>
-                                    <p:animEffect transition="in" filter="wipe(up)">
-                                      <p:cBhvr>
-                                        <p:cTn id="39" dur="500"/>
-                                        <p:tgtEl>
-                                          <p:spTgt spid="23"/>
-                                        </p:tgtEl>
-                                      </p:cBhvr>
-                                    </p:animEffect>
-                                  </p:childTnLst>
-                                </p:cTn>
-                              </p:par>
-                            </p:childTnLst>
-                          </p:cTn>
-                        </p:par>
-                      </p:childTnLst>
-                    </p:cTn>
-                  </p:par>
-                  <p:par>
-                    <p:cTn id="40" fill="hold">
-                      <p:stCondLst>
-                        <p:cond delay="indefinite"/>
-                      </p:stCondLst>
-                      <p:childTnLst>
-                        <p:par>
-                          <p:cTn id="41" fill="hold">
-                            <p:stCondLst>
-                              <p:cond delay="0"/>
-                            </p:stCondLst>
-                            <p:childTnLst>
-                              <p:par>
-                                <p:cTn id="42" presetID="12" presetClass="entr" presetSubtype="4" fill="hold" grpId="0" nodeType="clickEffect">
+                                <p:cTn id="26" presetID="42" presetClass="entr" presetSubtype="0" fill="hold" grpId="0" nodeType="clickEffect">
                                   <p:stCondLst>
                                     <p:cond delay="0"/>
                                   </p:stCondLst>
                                   <p:childTnLst>
                                     <p:set>
                                       <p:cBhvr>
-                                        <p:cTn id="43" dur="1" fill="hold">
+                                        <p:cTn id="27" dur="1" fill="hold">
                                           <p:stCondLst>
                                             <p:cond delay="0"/>
                                           </p:stCondLst>
                                         </p:cTn>
                                         <p:tgtEl>
-                                          <p:spTgt spid="32"/>
+                                          <p:spTgt spid="12">
+                                            <p:txEl>
+                                              <p:pRg st="2" end="2"/>
+                                            </p:txEl>
+                                          </p:spTgt>
                                         </p:tgtEl>
                                         <p:attrNameLst>
                                           <p:attrName>style.visibility</p:attrName>
@@ -14761,11 +14289,54 @@
                                         <p:strVal val="visible"/>
                                       </p:to>
                                     </p:set>
+                                    <p:animEffect transition="in" filter="fade">
+                                      <p:cBhvr>
+                                        <p:cTn id="28" dur="1000"/>
+                                        <p:tgtEl>
+                                          <p:spTgt spid="12">
+                                            <p:txEl>
+                                              <p:pRg st="2" end="2"/>
+                                            </p:txEl>
+                                          </p:spTgt>
+                                        </p:tgtEl>
+                                      </p:cBhvr>
+                                    </p:animEffect>
                                     <p:anim calcmode="lin" valueType="num">
-                                      <p:cBhvr additive="base">
-                                        <p:cTn id="44" dur="500"/>
-                                        <p:tgtEl>
-                                          <p:spTgt spid="32"/>
+                                      <p:cBhvr>
+                                        <p:cTn id="29" dur="1000" fill="hold"/>
+                                        <p:tgtEl>
+                                          <p:spTgt spid="12">
+                                            <p:txEl>
+                                              <p:pRg st="2" end="2"/>
+                                            </p:txEl>
+                                          </p:spTgt>
+                                        </p:tgtEl>
+                                        <p:attrNameLst>
+                                          <p:attrName>ppt_x</p:attrName>
+                                        </p:attrNameLst>
+                                      </p:cBhvr>
+                                      <p:tavLst>
+                                        <p:tav tm="0">
+                                          <p:val>
+                                            <p:strVal val="#ppt_x"/>
+                                          </p:val>
+                                        </p:tav>
+                                        <p:tav tm="100000">
+                                          <p:val>
+                                            <p:strVal val="#ppt_x"/>
+                                          </p:val>
+                                        </p:tav>
+                                      </p:tavLst>
+                                    </p:anim>
+                                    <p:anim calcmode="lin" valueType="num">
+                                      <p:cBhvr>
+                                        <p:cTn id="30" dur="1000" fill="hold"/>
+                                        <p:tgtEl>
+                                          <p:spTgt spid="12">
+                                            <p:txEl>
+                                              <p:pRg st="2" end="2"/>
+                                            </p:txEl>
+                                          </p:spTgt>
                                         </p:tgtEl>
                                         <p:attrNameLst>
                                           <p:attrName>ppt_y</p:attrName>
@@ -14774,7 +14345,7 @@
                                       <p:tavLst>
                                         <p:tav tm="0">
                                           <p:val>
-                                            <p:strVal val="#ppt_y+#ppt_h*1.125000"/>
+                                            <p:strVal val="#ppt_y+.1"/>
                                           </p:val>
                                         </p:tav>
                                         <p:tav tm="100000">
@@ -14784,14 +14355,6 @@
                                         </p:tav>
                                       </p:tavLst>
                                     </p:anim>
-                                    <p:animEffect transition="in" filter="wipe(up)">
-                                      <p:cBhvr>
-                                        <p:cTn id="45" dur="500"/>
-                                        <p:tgtEl>
-                                          <p:spTgt spid="32"/>
-                                        </p:tgtEl>
-                                      </p:cBhvr>
-                                    </p:animEffect>
                                   </p:childTnLst>
                                 </p:cTn>
                               </p:par>
@@ -14824,12 +14387,7 @@
     </p:tnLst>
     <p:bldLst>
       <p:bldP spid="3" grpId="0"/>
-      <p:bldP spid="31" grpId="0" build="p"/>
-      <p:bldP spid="17" grpId="0"/>
-      <p:bldP spid="20" grpId="0"/>
-      <p:bldP spid="23" grpId="0"/>
-      <p:bldP spid="30" grpId="0"/>
-      <p:bldP spid="32" grpId="0"/>
+      <p:bldP spid="12" grpId="0" uiExpand="1" build="p"/>
     </p:bldLst>
   </p:timing>
 </p:sld>
@@ -18082,6 +17640,236 @@
                                           <p:spTgt spid="2">
                                             <p:txEl>
                                               <p:pRg st="2" end="2"/>
+                                            </p:txEl>
+                                          </p:spTgt>
+                                        </p:tgtEl>
+                                        <p:attrNameLst>
+                                          <p:attrName>ppt_y</p:attrName>
+                                        </p:attrNameLst>
+                                      </p:cBhvr>
+                                      <p:tavLst>
+                                        <p:tav tm="0">
+                                          <p:val>
+                                            <p:strVal val="#ppt_y+.1"/>
+                                          </p:val>
+                                        </p:tav>
+                                        <p:tav tm="100000">
+                                          <p:val>
+                                            <p:strVal val="#ppt_y"/>
+                                          </p:val>
+                                        </p:tav>
+                                      </p:tavLst>
+                                    </p:anim>
+                                  </p:childTnLst>
+                                </p:cTn>
+                              </p:par>
+                            </p:childTnLst>
+                          </p:cTn>
+                        </p:par>
+                      </p:childTnLst>
+                    </p:cTn>
+                  </p:par>
+                  <p:par>
+                    <p:cTn id="31" fill="hold">
+                      <p:stCondLst>
+                        <p:cond delay="indefinite"/>
+                      </p:stCondLst>
+                      <p:childTnLst>
+                        <p:par>
+                          <p:cTn id="32" fill="hold">
+                            <p:stCondLst>
+                              <p:cond delay="0"/>
+                            </p:stCondLst>
+                            <p:childTnLst>
+                              <p:par>
+                                <p:cTn id="33" presetID="42" presetClass="entr" presetSubtype="0" fill="hold" nodeType="clickEffect">
+                                  <p:stCondLst>
+                                    <p:cond delay="0"/>
+                                  </p:stCondLst>
+                                  <p:childTnLst>
+                                    <p:set>
+                                      <p:cBhvr>
+                                        <p:cTn id="34" dur="1" fill="hold">
+                                          <p:stCondLst>
+                                            <p:cond delay="0"/>
+                                          </p:stCondLst>
+                                        </p:cTn>
+                                        <p:tgtEl>
+                                          <p:spTgt spid="2">
+                                            <p:txEl>
+                                              <p:pRg st="3" end="3"/>
+                                            </p:txEl>
+                                          </p:spTgt>
+                                        </p:tgtEl>
+                                        <p:attrNameLst>
+                                          <p:attrName>style.visibility</p:attrName>
+                                        </p:attrNameLst>
+                                      </p:cBhvr>
+                                      <p:to>
+                                        <p:strVal val="visible"/>
+                                      </p:to>
+                                    </p:set>
+                                    <p:animEffect transition="in" filter="fade">
+                                      <p:cBhvr>
+                                        <p:cTn id="35" dur="1000"/>
+                                        <p:tgtEl>
+                                          <p:spTgt spid="2">
+                                            <p:txEl>
+                                              <p:pRg st="3" end="3"/>
+                                            </p:txEl>
+                                          </p:spTgt>
+                                        </p:tgtEl>
+                                      </p:cBhvr>
+                                    </p:animEffect>
+                                    <p:anim calcmode="lin" valueType="num">
+                                      <p:cBhvr>
+                                        <p:cTn id="36" dur="1000" fill="hold"/>
+                                        <p:tgtEl>
+                                          <p:spTgt spid="2">
+                                            <p:txEl>
+                                              <p:pRg st="3" end="3"/>
+                                            </p:txEl>
+                                          </p:spTgt>
+                                        </p:tgtEl>
+                                        <p:attrNameLst>
+                                          <p:attrName>ppt_x</p:attrName>
+                                        </p:attrNameLst>
+                                      </p:cBhvr>
+                                      <p:tavLst>
+                                        <p:tav tm="0">
+                                          <p:val>
+                                            <p:strVal val="#ppt_x"/>
+                                          </p:val>
+                                        </p:tav>
+                                        <p:tav tm="100000">
+                                          <p:val>
+                                            <p:strVal val="#ppt_x"/>
+                                          </p:val>
+                                        </p:tav>
+                                      </p:tavLst>
+                                    </p:anim>
+                                    <p:anim calcmode="lin" valueType="num">
+                                      <p:cBhvr>
+                                        <p:cTn id="37" dur="1000" fill="hold"/>
+                                        <p:tgtEl>
+                                          <p:spTgt spid="2">
+                                            <p:txEl>
+                                              <p:pRg st="3" end="3"/>
+                                            </p:txEl>
+                                          </p:spTgt>
+                                        </p:tgtEl>
+                                        <p:attrNameLst>
+                                          <p:attrName>ppt_y</p:attrName>
+                                        </p:attrNameLst>
+                                      </p:cBhvr>
+                                      <p:tavLst>
+                                        <p:tav tm="0">
+                                          <p:val>
+                                            <p:strVal val="#ppt_y+.1"/>
+                                          </p:val>
+                                        </p:tav>
+                                        <p:tav tm="100000">
+                                          <p:val>
+                                            <p:strVal val="#ppt_y"/>
+                                          </p:val>
+                                        </p:tav>
+                                      </p:tavLst>
+                                    </p:anim>
+                                  </p:childTnLst>
+                                </p:cTn>
+                              </p:par>
+                            </p:childTnLst>
+                          </p:cTn>
+                        </p:par>
+                      </p:childTnLst>
+                    </p:cTn>
+                  </p:par>
+                  <p:par>
+                    <p:cTn id="38" fill="hold">
+                      <p:stCondLst>
+                        <p:cond delay="indefinite"/>
+                      </p:stCondLst>
+                      <p:childTnLst>
+                        <p:par>
+                          <p:cTn id="39" fill="hold">
+                            <p:stCondLst>
+                              <p:cond delay="0"/>
+                            </p:stCondLst>
+                            <p:childTnLst>
+                              <p:par>
+                                <p:cTn id="40" presetID="42" presetClass="entr" presetSubtype="0" fill="hold" nodeType="clickEffect">
+                                  <p:stCondLst>
+                                    <p:cond delay="0"/>
+                                  </p:stCondLst>
+                                  <p:childTnLst>
+                                    <p:set>
+                                      <p:cBhvr>
+                                        <p:cTn id="41" dur="1" fill="hold">
+                                          <p:stCondLst>
+                                            <p:cond delay="0"/>
+                                          </p:stCondLst>
+                                        </p:cTn>
+                                        <p:tgtEl>
+                                          <p:spTgt spid="2">
+                                            <p:txEl>
+                                              <p:pRg st="4" end="4"/>
+                                            </p:txEl>
+                                          </p:spTgt>
+                                        </p:tgtEl>
+                                        <p:attrNameLst>
+                                          <p:attrName>style.visibility</p:attrName>
+                                        </p:attrNameLst>
+                                      </p:cBhvr>
+                                      <p:to>
+                                        <p:strVal val="visible"/>
+                                      </p:to>
+                                    </p:set>
+                                    <p:animEffect transition="in" filter="fade">
+                                      <p:cBhvr>
+                                        <p:cTn id="42" dur="1000"/>
+                                        <p:tgtEl>
+                                          <p:spTgt spid="2">
+                                            <p:txEl>
+                                              <p:pRg st="4" end="4"/>
+                                            </p:txEl>
+                                          </p:spTgt>
+                                        </p:tgtEl>
+                                      </p:cBhvr>
+                                    </p:animEffect>
+                                    <p:anim calcmode="lin" valueType="num">
+                                      <p:cBhvr>
+                                        <p:cTn id="43" dur="1000" fill="hold"/>
+                                        <p:tgtEl>
+                                          <p:spTgt spid="2">
+                                            <p:txEl>
+                                              <p:pRg st="4" end="4"/>
+                                            </p:txEl>
+                                          </p:spTgt>
+                                        </p:tgtEl>
+                                        <p:attrNameLst>
+                                          <p:attrName>ppt_x</p:attrName>
+                                        </p:attrNameLst>
+                                      </p:cBhvr>
+                                      <p:tavLst>
+                                        <p:tav tm="0">
+                                          <p:val>
+                                            <p:strVal val="#ppt_x"/>
+                                          </p:val>
+                                        </p:tav>
+                                        <p:tav tm="100000">
+                                          <p:val>
+                                            <p:strVal val="#ppt_x"/>
+                                          </p:val>
+                                        </p:tav>
+                                      </p:tavLst>
+                                    </p:anim>
+                                    <p:anim calcmode="lin" valueType="num">
+                                      <p:cBhvr>
+                                        <p:cTn id="44" dur="1000" fill="hold"/>
+                                        <p:tgtEl>
+                                          <p:spTgt spid="2">
+                                            <p:txEl>
+                                              <p:pRg st="4" end="4"/>
                                             </p:txEl>
                                           </p:spTgt>
                                         </p:tgtEl>
